--- a/Presentation.pptx
+++ b/Presentation.pptx
@@ -4,6 +4,9 @@
   <p:sldMasterIdLst>
     <p:sldMasterId id="2147483648" r:id="rId1"/>
   </p:sldMasterIdLst>
+  <p:notesMasterIdLst>
+    <p:notesMasterId r:id="rId14"/>
+  </p:notesMasterIdLst>
   <p:sldIdLst>
     <p:sldId id="256" r:id="rId2"/>
     <p:sldId id="259" r:id="rId3"/>
@@ -116,6 +119,452 @@
     </a:lvl9pPr>
   </p:defaultTextStyle>
 </p:presentation>
+</file>
+
+<file path=ppt/notesMasters/notesMaster1.xml><?xml version="1.0" encoding="utf-8"?>
+<p:notesMaster xmlns:a="http://schemas.openxmlformats.org/drawingml/2006/main" xmlns:r="http://schemas.openxmlformats.org/officeDocument/2006/relationships" xmlns:p="http://schemas.openxmlformats.org/presentationml/2006/main">
+  <p:cSld>
+    <p:bg>
+      <p:bgRef idx="1001">
+        <a:schemeClr val="bg1"/>
+      </p:bgRef>
+    </p:bg>
+    <p:spTree>
+      <p:nvGrpSpPr>
+        <p:cNvPr id="1" name=""/>
+        <p:cNvGrpSpPr/>
+        <p:nvPr/>
+      </p:nvGrpSpPr>
+      <p:grpSpPr>
+        <a:xfrm>
+          <a:off x="0" y="0"/>
+          <a:ext cx="0" cy="0"/>
+          <a:chOff x="0" y="0"/>
+          <a:chExt cx="0" cy="0"/>
+        </a:xfrm>
+      </p:grpSpPr>
+      <p:sp>
+        <p:nvSpPr>
+          <p:cNvPr id="2" name="Espace réservé de l'en-tête 1"/>
+          <p:cNvSpPr>
+            <a:spLocks noGrp="1"/>
+          </p:cNvSpPr>
+          <p:nvPr>
+            <p:ph type="hdr" sz="quarter"/>
+          </p:nvPr>
+        </p:nvSpPr>
+        <p:spPr>
+          <a:xfrm>
+            <a:off x="0" y="0"/>
+            <a:ext cx="2971800" cy="458788"/>
+          </a:xfrm>
+          <a:prstGeom prst="rect">
+            <a:avLst/>
+          </a:prstGeom>
+        </p:spPr>
+        <p:txBody>
+          <a:bodyPr vert="horz" lIns="91440" tIns="45720" rIns="91440" bIns="45720" rtlCol="0"/>
+          <a:lstStyle>
+            <a:lvl1pPr algn="l">
+              <a:defRPr sz="1200"/>
+            </a:lvl1pPr>
+          </a:lstStyle>
+          <a:p>
+            <a:endParaRPr lang="en-GB"/>
+          </a:p>
+        </p:txBody>
+      </p:sp>
+      <p:sp>
+        <p:nvSpPr>
+          <p:cNvPr id="3" name="Espace réservé de la date 2"/>
+          <p:cNvSpPr>
+            <a:spLocks noGrp="1"/>
+          </p:cNvSpPr>
+          <p:nvPr>
+            <p:ph type="dt" idx="1"/>
+          </p:nvPr>
+        </p:nvSpPr>
+        <p:spPr>
+          <a:xfrm>
+            <a:off x="3884613" y="0"/>
+            <a:ext cx="2971800" cy="458788"/>
+          </a:xfrm>
+          <a:prstGeom prst="rect">
+            <a:avLst/>
+          </a:prstGeom>
+        </p:spPr>
+        <p:txBody>
+          <a:bodyPr vert="horz" lIns="91440" tIns="45720" rIns="91440" bIns="45720" rtlCol="0"/>
+          <a:lstStyle>
+            <a:lvl1pPr algn="r">
+              <a:defRPr sz="1200"/>
+            </a:lvl1pPr>
+          </a:lstStyle>
+          <a:p>
+            <a:fld id="{2549710D-D980-4ADD-8758-346F39E89AA2}" type="datetimeFigureOut">
+              <a:rPr lang="en-GB" smtClean="0"/>
+              <a:t>27/01/2021</a:t>
+            </a:fld>
+            <a:endParaRPr lang="en-GB"/>
+          </a:p>
+        </p:txBody>
+      </p:sp>
+      <p:sp>
+        <p:nvSpPr>
+          <p:cNvPr id="4" name="Espace réservé de l'image des diapositives 3"/>
+          <p:cNvSpPr>
+            <a:spLocks noGrp="1" noRot="1" noChangeAspect="1"/>
+          </p:cNvSpPr>
+          <p:nvPr>
+            <p:ph type="sldImg" idx="2"/>
+          </p:nvPr>
+        </p:nvSpPr>
+        <p:spPr>
+          <a:xfrm>
+            <a:off x="685800" y="1143000"/>
+            <a:ext cx="5486400" cy="3086100"/>
+          </a:xfrm>
+          <a:prstGeom prst="rect">
+            <a:avLst/>
+          </a:prstGeom>
+          <a:noFill/>
+          <a:ln w="12700">
+            <a:solidFill>
+              <a:prstClr val="black"/>
+            </a:solidFill>
+          </a:ln>
+        </p:spPr>
+        <p:txBody>
+          <a:bodyPr vert="horz" lIns="91440" tIns="45720" rIns="91440" bIns="45720" rtlCol="0" anchor="ctr"/>
+          <a:lstStyle/>
+          <a:p>
+            <a:endParaRPr lang="en-GB"/>
+          </a:p>
+        </p:txBody>
+      </p:sp>
+      <p:sp>
+        <p:nvSpPr>
+          <p:cNvPr id="5" name="Espace réservé des notes 4"/>
+          <p:cNvSpPr>
+            <a:spLocks noGrp="1"/>
+          </p:cNvSpPr>
+          <p:nvPr>
+            <p:ph type="body" sz="quarter" idx="3"/>
+          </p:nvPr>
+        </p:nvSpPr>
+        <p:spPr>
+          <a:xfrm>
+            <a:off x="685800" y="4400550"/>
+            <a:ext cx="5486400" cy="3600450"/>
+          </a:xfrm>
+          <a:prstGeom prst="rect">
+            <a:avLst/>
+          </a:prstGeom>
+        </p:spPr>
+        <p:txBody>
+          <a:bodyPr vert="horz" lIns="91440" tIns="45720" rIns="91440" bIns="45720" rtlCol="0"/>
+          <a:lstStyle/>
+          <a:p>
+            <a:pPr lvl="0"/>
+            <a:r>
+              <a:rPr lang="fr-FR"/>
+              <a:t>Cliquez pour modifier les styles du texte du masque</a:t>
+            </a:r>
+          </a:p>
+          <a:p>
+            <a:pPr lvl="1"/>
+            <a:r>
+              <a:rPr lang="fr-FR"/>
+              <a:t>Deuxième niveau</a:t>
+            </a:r>
+          </a:p>
+          <a:p>
+            <a:pPr lvl="2"/>
+            <a:r>
+              <a:rPr lang="fr-FR"/>
+              <a:t>Troisième niveau</a:t>
+            </a:r>
+          </a:p>
+          <a:p>
+            <a:pPr lvl="3"/>
+            <a:r>
+              <a:rPr lang="fr-FR"/>
+              <a:t>Quatrième niveau</a:t>
+            </a:r>
+          </a:p>
+          <a:p>
+            <a:pPr lvl="4"/>
+            <a:r>
+              <a:rPr lang="fr-FR"/>
+              <a:t>Cinquième niveau</a:t>
+            </a:r>
+            <a:endParaRPr lang="en-GB"/>
+          </a:p>
+        </p:txBody>
+      </p:sp>
+      <p:sp>
+        <p:nvSpPr>
+          <p:cNvPr id="6" name="Espace réservé du pied de page 5"/>
+          <p:cNvSpPr>
+            <a:spLocks noGrp="1"/>
+          </p:cNvSpPr>
+          <p:nvPr>
+            <p:ph type="ftr" sz="quarter" idx="4"/>
+          </p:nvPr>
+        </p:nvSpPr>
+        <p:spPr>
+          <a:xfrm>
+            <a:off x="0" y="8685213"/>
+            <a:ext cx="2971800" cy="458787"/>
+          </a:xfrm>
+          <a:prstGeom prst="rect">
+            <a:avLst/>
+          </a:prstGeom>
+        </p:spPr>
+        <p:txBody>
+          <a:bodyPr vert="horz" lIns="91440" tIns="45720" rIns="91440" bIns="45720" rtlCol="0" anchor="b"/>
+          <a:lstStyle>
+            <a:lvl1pPr algn="l">
+              <a:defRPr sz="1200"/>
+            </a:lvl1pPr>
+          </a:lstStyle>
+          <a:p>
+            <a:endParaRPr lang="en-GB"/>
+          </a:p>
+        </p:txBody>
+      </p:sp>
+      <p:sp>
+        <p:nvSpPr>
+          <p:cNvPr id="7" name="Espace réservé du numéro de diapositive 6"/>
+          <p:cNvSpPr>
+            <a:spLocks noGrp="1"/>
+          </p:cNvSpPr>
+          <p:nvPr>
+            <p:ph type="sldNum" sz="quarter" idx="5"/>
+          </p:nvPr>
+        </p:nvSpPr>
+        <p:spPr>
+          <a:xfrm>
+            <a:off x="3884613" y="8685213"/>
+            <a:ext cx="2971800" cy="458787"/>
+          </a:xfrm>
+          <a:prstGeom prst="rect">
+            <a:avLst/>
+          </a:prstGeom>
+        </p:spPr>
+        <p:txBody>
+          <a:bodyPr vert="horz" lIns="91440" tIns="45720" rIns="91440" bIns="45720" rtlCol="0" anchor="b"/>
+          <a:lstStyle>
+            <a:lvl1pPr algn="r">
+              <a:defRPr sz="1200"/>
+            </a:lvl1pPr>
+          </a:lstStyle>
+          <a:p>
+            <a:fld id="{79A7ECB4-C604-4C88-9799-10B681FC9196}" type="slidenum">
+              <a:rPr lang="en-GB" smtClean="0"/>
+              <a:t>‹N°›</a:t>
+            </a:fld>
+            <a:endParaRPr lang="en-GB"/>
+          </a:p>
+        </p:txBody>
+      </p:sp>
+    </p:spTree>
+    <p:extLst>
+      <p:ext uri="{BB962C8B-B14F-4D97-AF65-F5344CB8AC3E}">
+        <p14:creationId xmlns:p14="http://schemas.microsoft.com/office/powerpoint/2010/main" val="1756770358"/>
+      </p:ext>
+    </p:extLst>
+  </p:cSld>
+  <p:clrMap bg1="lt1" tx1="dk1" bg2="lt2" tx2="dk2" accent1="accent1" accent2="accent2" accent3="accent3" accent4="accent4" accent5="accent5" accent6="accent6" hlink="hlink" folHlink="folHlink"/>
+  <p:notesStyle>
+    <a:lvl1pPr marL="0" algn="l" defTabSz="914400" rtl="0" eaLnBrk="1" latinLnBrk="0" hangingPunct="1">
+      <a:defRPr sz="1200" kern="1200">
+        <a:solidFill>
+          <a:schemeClr val="tx1"/>
+        </a:solidFill>
+        <a:latin typeface="+mn-lt"/>
+        <a:ea typeface="+mn-ea"/>
+        <a:cs typeface="+mn-cs"/>
+      </a:defRPr>
+    </a:lvl1pPr>
+    <a:lvl2pPr marL="457200" algn="l" defTabSz="914400" rtl="0" eaLnBrk="1" latinLnBrk="0" hangingPunct="1">
+      <a:defRPr sz="1200" kern="1200">
+        <a:solidFill>
+          <a:schemeClr val="tx1"/>
+        </a:solidFill>
+        <a:latin typeface="+mn-lt"/>
+        <a:ea typeface="+mn-ea"/>
+        <a:cs typeface="+mn-cs"/>
+      </a:defRPr>
+    </a:lvl2pPr>
+    <a:lvl3pPr marL="914400" algn="l" defTabSz="914400" rtl="0" eaLnBrk="1" latinLnBrk="0" hangingPunct="1">
+      <a:defRPr sz="1200" kern="1200">
+        <a:solidFill>
+          <a:schemeClr val="tx1"/>
+        </a:solidFill>
+        <a:latin typeface="+mn-lt"/>
+        <a:ea typeface="+mn-ea"/>
+        <a:cs typeface="+mn-cs"/>
+      </a:defRPr>
+    </a:lvl3pPr>
+    <a:lvl4pPr marL="1371600" algn="l" defTabSz="914400" rtl="0" eaLnBrk="1" latinLnBrk="0" hangingPunct="1">
+      <a:defRPr sz="1200" kern="1200">
+        <a:solidFill>
+          <a:schemeClr val="tx1"/>
+        </a:solidFill>
+        <a:latin typeface="+mn-lt"/>
+        <a:ea typeface="+mn-ea"/>
+        <a:cs typeface="+mn-cs"/>
+      </a:defRPr>
+    </a:lvl4pPr>
+    <a:lvl5pPr marL="1828800" algn="l" defTabSz="914400" rtl="0" eaLnBrk="1" latinLnBrk="0" hangingPunct="1">
+      <a:defRPr sz="1200" kern="1200">
+        <a:solidFill>
+          <a:schemeClr val="tx1"/>
+        </a:solidFill>
+        <a:latin typeface="+mn-lt"/>
+        <a:ea typeface="+mn-ea"/>
+        <a:cs typeface="+mn-cs"/>
+      </a:defRPr>
+    </a:lvl5pPr>
+    <a:lvl6pPr marL="2286000" algn="l" defTabSz="914400" rtl="0" eaLnBrk="1" latinLnBrk="0" hangingPunct="1">
+      <a:defRPr sz="1200" kern="1200">
+        <a:solidFill>
+          <a:schemeClr val="tx1"/>
+        </a:solidFill>
+        <a:latin typeface="+mn-lt"/>
+        <a:ea typeface="+mn-ea"/>
+        <a:cs typeface="+mn-cs"/>
+      </a:defRPr>
+    </a:lvl6pPr>
+    <a:lvl7pPr marL="2743200" algn="l" defTabSz="914400" rtl="0" eaLnBrk="1" latinLnBrk="0" hangingPunct="1">
+      <a:defRPr sz="1200" kern="1200">
+        <a:solidFill>
+          <a:schemeClr val="tx1"/>
+        </a:solidFill>
+        <a:latin typeface="+mn-lt"/>
+        <a:ea typeface="+mn-ea"/>
+        <a:cs typeface="+mn-cs"/>
+      </a:defRPr>
+    </a:lvl7pPr>
+    <a:lvl8pPr marL="3200400" algn="l" defTabSz="914400" rtl="0" eaLnBrk="1" latinLnBrk="0" hangingPunct="1">
+      <a:defRPr sz="1200" kern="1200">
+        <a:solidFill>
+          <a:schemeClr val="tx1"/>
+        </a:solidFill>
+        <a:latin typeface="+mn-lt"/>
+        <a:ea typeface="+mn-ea"/>
+        <a:cs typeface="+mn-cs"/>
+      </a:defRPr>
+    </a:lvl8pPr>
+    <a:lvl9pPr marL="3657600" algn="l" defTabSz="914400" rtl="0" eaLnBrk="1" latinLnBrk="0" hangingPunct="1">
+      <a:defRPr sz="1200" kern="1200">
+        <a:solidFill>
+          <a:schemeClr val="tx1"/>
+        </a:solidFill>
+        <a:latin typeface="+mn-lt"/>
+        <a:ea typeface="+mn-ea"/>
+        <a:cs typeface="+mn-cs"/>
+      </a:defRPr>
+    </a:lvl9pPr>
+  </p:notesStyle>
+</p:notesMaster>
+</file>
+
+<file path=ppt/notesSlides/notesSlide1.xml><?xml version="1.0" encoding="utf-8"?>
+<p:notes xmlns:a="http://schemas.openxmlformats.org/drawingml/2006/main" xmlns:r="http://schemas.openxmlformats.org/officeDocument/2006/relationships" xmlns:p="http://schemas.openxmlformats.org/presentationml/2006/main">
+  <p:cSld>
+    <p:spTree>
+      <p:nvGrpSpPr>
+        <p:cNvPr id="1" name=""/>
+        <p:cNvGrpSpPr/>
+        <p:nvPr/>
+      </p:nvGrpSpPr>
+      <p:grpSpPr>
+        <a:xfrm>
+          <a:off x="0" y="0"/>
+          <a:ext cx="0" cy="0"/>
+          <a:chOff x="0" y="0"/>
+          <a:chExt cx="0" cy="0"/>
+        </a:xfrm>
+      </p:grpSpPr>
+      <p:sp>
+        <p:nvSpPr>
+          <p:cNvPr id="2" name="Espace réservé de l'image des diapositives 1"/>
+          <p:cNvSpPr>
+            <a:spLocks noGrp="1" noRot="1" noChangeAspect="1"/>
+          </p:cNvSpPr>
+          <p:nvPr>
+            <p:ph type="sldImg"/>
+          </p:nvPr>
+        </p:nvSpPr>
+        <p:spPr/>
+      </p:sp>
+      <p:sp>
+        <p:nvSpPr>
+          <p:cNvPr id="3" name="Espace réservé des notes 2"/>
+          <p:cNvSpPr>
+            <a:spLocks noGrp="1"/>
+          </p:cNvSpPr>
+          <p:nvPr>
+            <p:ph type="body" idx="1"/>
+          </p:nvPr>
+        </p:nvSpPr>
+        <p:spPr/>
+        <p:txBody>
+          <a:bodyPr/>
+          <a:lstStyle/>
+          <a:p>
+            <a:r>
+              <a:rPr lang="en-GB" dirty="0" err="1"/>
+              <a:t>Présentation</a:t>
+            </a:r>
+            <a:r>
+              <a:rPr lang="en-GB" dirty="0"/>
+              <a:t> des graph amplitudes et </a:t>
+            </a:r>
+            <a:r>
+              <a:rPr lang="en-GB" dirty="0" err="1"/>
+              <a:t>spectro</a:t>
+            </a:r>
+            <a:endParaRPr lang="en-GB" dirty="0"/>
+          </a:p>
+        </p:txBody>
+      </p:sp>
+      <p:sp>
+        <p:nvSpPr>
+          <p:cNvPr id="4" name="Espace réservé du numéro de diapositive 3"/>
+          <p:cNvSpPr>
+            <a:spLocks noGrp="1"/>
+          </p:cNvSpPr>
+          <p:nvPr>
+            <p:ph type="sldNum" sz="quarter" idx="5"/>
+          </p:nvPr>
+        </p:nvSpPr>
+        <p:spPr/>
+        <p:txBody>
+          <a:bodyPr/>
+          <a:lstStyle/>
+          <a:p>
+            <a:fld id="{79A7ECB4-C604-4C88-9799-10B681FC9196}" type="slidenum">
+              <a:rPr lang="en-GB" smtClean="0"/>
+              <a:t>7</a:t>
+            </a:fld>
+            <a:endParaRPr lang="en-GB"/>
+          </a:p>
+        </p:txBody>
+      </p:sp>
+    </p:spTree>
+    <p:extLst>
+      <p:ext uri="{BB962C8B-B14F-4D97-AF65-F5344CB8AC3E}">
+        <p14:creationId xmlns:p14="http://schemas.microsoft.com/office/powerpoint/2010/main" val="3910062544"/>
+      </p:ext>
+    </p:extLst>
+  </p:cSld>
+  <p:clrMapOvr>
+    <a:masterClrMapping/>
+  </p:clrMapOvr>
+</p:notes>
 </file>
 
 <file path=ppt/slideLayouts/slideLayout1.xml><?xml version="1.0" encoding="utf-8"?>
@@ -6116,4 +6565,299 @@
     </a:ext>
   </a:extLst>
 </a:theme>
+</file>
+
+<file path=ppt/theme/theme2.xml><?xml version="1.0" encoding="utf-8"?>
+<a:theme xmlns:a="http://schemas.openxmlformats.org/drawingml/2006/main" name="Thème Office">
+  <a:themeElements>
+    <a:clrScheme name="Office">
+      <a:dk1>
+        <a:sysClr val="windowText" lastClr="000000"/>
+      </a:dk1>
+      <a:lt1>
+        <a:sysClr val="window" lastClr="FFFFFF"/>
+      </a:lt1>
+      <a:dk2>
+        <a:srgbClr val="44546A"/>
+      </a:dk2>
+      <a:lt2>
+        <a:srgbClr val="E7E6E6"/>
+      </a:lt2>
+      <a:accent1>
+        <a:srgbClr val="4472C4"/>
+      </a:accent1>
+      <a:accent2>
+        <a:srgbClr val="ED7D31"/>
+      </a:accent2>
+      <a:accent3>
+        <a:srgbClr val="A5A5A5"/>
+      </a:accent3>
+      <a:accent4>
+        <a:srgbClr val="FFC000"/>
+      </a:accent4>
+      <a:accent5>
+        <a:srgbClr val="5B9BD5"/>
+      </a:accent5>
+      <a:accent6>
+        <a:srgbClr val="70AD47"/>
+      </a:accent6>
+      <a:hlink>
+        <a:srgbClr val="0563C1"/>
+      </a:hlink>
+      <a:folHlink>
+        <a:srgbClr val="954F72"/>
+      </a:folHlink>
+    </a:clrScheme>
+    <a:fontScheme name="Office">
+      <a:majorFont>
+        <a:latin typeface="Calibri Light" panose="020F0302020204030204"/>
+        <a:ea typeface=""/>
+        <a:cs typeface=""/>
+        <a:font script="Jpan" typeface="游ゴシック Light"/>
+        <a:font script="Hang" typeface="맑은 고딕"/>
+        <a:font script="Hans" typeface="等线 Light"/>
+        <a:font script="Hant" typeface="新細明體"/>
+        <a:font script="Arab" typeface="Times New Roman"/>
+        <a:font script="Hebr" typeface="Times New Roman"/>
+        <a:font script="Thai" typeface="Angsana New"/>
+        <a:font script="Ethi" typeface="Nyala"/>
+        <a:font script="Beng" typeface="Vrinda"/>
+        <a:font script="Gujr" typeface="Shruti"/>
+        <a:font script="Khmr" typeface="MoolBoran"/>
+        <a:font script="Knda" typeface="Tunga"/>
+        <a:font script="Guru" typeface="Raavi"/>
+        <a:font script="Cans" typeface="Euphemia"/>
+        <a:font script="Cher" typeface="Plantagenet Cherokee"/>
+        <a:font script="Yiii" typeface="Microsoft Yi Baiti"/>
+        <a:font script="Tibt" typeface="Microsoft Himalaya"/>
+        <a:font script="Thaa" typeface="MV Boli"/>
+        <a:font script="Deva" typeface="Mangal"/>
+        <a:font script="Telu" typeface="Gautami"/>
+        <a:font script="Taml" typeface="Latha"/>
+        <a:font script="Syrc" typeface="Estrangelo Edessa"/>
+        <a:font script="Orya" typeface="Kalinga"/>
+        <a:font script="Mlym" typeface="Kartika"/>
+        <a:font script="Laoo" typeface="DokChampa"/>
+        <a:font script="Sinh" typeface="Iskoola Pota"/>
+        <a:font script="Mong" typeface="Mongolian Baiti"/>
+        <a:font script="Viet" typeface="Times New Roman"/>
+        <a:font script="Uigh" typeface="Microsoft Uighur"/>
+        <a:font script="Geor" typeface="Sylfaen"/>
+        <a:font script="Armn" typeface="Arial"/>
+        <a:font script="Bugi" typeface="Leelawadee UI"/>
+        <a:font script="Bopo" typeface="Microsoft JhengHei"/>
+        <a:font script="Java" typeface="Javanese Text"/>
+        <a:font script="Lisu" typeface="Segoe UI"/>
+        <a:font script="Mymr" typeface="Myanmar Text"/>
+        <a:font script="Nkoo" typeface="Ebrima"/>
+        <a:font script="Olck" typeface="Nirmala UI"/>
+        <a:font script="Osma" typeface="Ebrima"/>
+        <a:font script="Phag" typeface="Phagspa"/>
+        <a:font script="Syrn" typeface="Estrangelo Edessa"/>
+        <a:font script="Syrj" typeface="Estrangelo Edessa"/>
+        <a:font script="Syre" typeface="Estrangelo Edessa"/>
+        <a:font script="Sora" typeface="Nirmala UI"/>
+        <a:font script="Tale" typeface="Microsoft Tai Le"/>
+        <a:font script="Talu" typeface="Microsoft New Tai Lue"/>
+        <a:font script="Tfng" typeface="Ebrima"/>
+      </a:majorFont>
+      <a:minorFont>
+        <a:latin typeface="Calibri" panose="020F0502020204030204"/>
+        <a:ea typeface=""/>
+        <a:cs typeface=""/>
+        <a:font script="Jpan" typeface="游ゴシック"/>
+        <a:font script="Hang" typeface="맑은 고딕"/>
+        <a:font script="Hans" typeface="等线"/>
+        <a:font script="Hant" typeface="新細明體"/>
+        <a:font script="Arab" typeface="Arial"/>
+        <a:font script="Hebr" typeface="Arial"/>
+        <a:font script="Thai" typeface="Cordia New"/>
+        <a:font script="Ethi" typeface="Nyala"/>
+        <a:font script="Beng" typeface="Vrinda"/>
+        <a:font script="Gujr" typeface="Shruti"/>
+        <a:font script="Khmr" typeface="DaunPenh"/>
+        <a:font script="Knda" typeface="Tunga"/>
+        <a:font script="Guru" typeface="Raavi"/>
+        <a:font script="Cans" typeface="Euphemia"/>
+        <a:font script="Cher" typeface="Plantagenet Cherokee"/>
+        <a:font script="Yiii" typeface="Microsoft Yi Baiti"/>
+        <a:font script="Tibt" typeface="Microsoft Himalaya"/>
+        <a:font script="Thaa" typeface="MV Boli"/>
+        <a:font script="Deva" typeface="Mangal"/>
+        <a:font script="Telu" typeface="Gautami"/>
+        <a:font script="Taml" typeface="Latha"/>
+        <a:font script="Syrc" typeface="Estrangelo Edessa"/>
+        <a:font script="Orya" typeface="Kalinga"/>
+        <a:font script="Mlym" typeface="Kartika"/>
+        <a:font script="Laoo" typeface="DokChampa"/>
+        <a:font script="Sinh" typeface="Iskoola Pota"/>
+        <a:font script="Mong" typeface="Mongolian Baiti"/>
+        <a:font script="Viet" typeface="Arial"/>
+        <a:font script="Uigh" typeface="Microsoft Uighur"/>
+        <a:font script="Geor" typeface="Sylfaen"/>
+        <a:font script="Armn" typeface="Arial"/>
+        <a:font script="Bugi" typeface="Leelawadee UI"/>
+        <a:font script="Bopo" typeface="Microsoft JhengHei"/>
+        <a:font script="Java" typeface="Javanese Text"/>
+        <a:font script="Lisu" typeface="Segoe UI"/>
+        <a:font script="Mymr" typeface="Myanmar Text"/>
+        <a:font script="Nkoo" typeface="Ebrima"/>
+        <a:font script="Olck" typeface="Nirmala UI"/>
+        <a:font script="Osma" typeface="Ebrima"/>
+        <a:font script="Phag" typeface="Phagspa"/>
+        <a:font script="Syrn" typeface="Estrangelo Edessa"/>
+        <a:font script="Syrj" typeface="Estrangelo Edessa"/>
+        <a:font script="Syre" typeface="Estrangelo Edessa"/>
+        <a:font script="Sora" typeface="Nirmala UI"/>
+        <a:font script="Tale" typeface="Microsoft Tai Le"/>
+        <a:font script="Talu" typeface="Microsoft New Tai Lue"/>
+        <a:font script="Tfng" typeface="Ebrima"/>
+      </a:minorFont>
+    </a:fontScheme>
+    <a:fmtScheme name="Office">
+      <a:fillStyleLst>
+        <a:solidFill>
+          <a:schemeClr val="phClr"/>
+        </a:solidFill>
+        <a:gradFill rotWithShape="1">
+          <a:gsLst>
+            <a:gs pos="0">
+              <a:schemeClr val="phClr">
+                <a:lumMod val="110000"/>
+                <a:satMod val="105000"/>
+                <a:tint val="67000"/>
+              </a:schemeClr>
+            </a:gs>
+            <a:gs pos="50000">
+              <a:schemeClr val="phClr">
+                <a:lumMod val="105000"/>
+                <a:satMod val="103000"/>
+                <a:tint val="73000"/>
+              </a:schemeClr>
+            </a:gs>
+            <a:gs pos="100000">
+              <a:schemeClr val="phClr">
+                <a:lumMod val="105000"/>
+                <a:satMod val="109000"/>
+                <a:tint val="81000"/>
+              </a:schemeClr>
+            </a:gs>
+          </a:gsLst>
+          <a:lin ang="5400000" scaled="0"/>
+        </a:gradFill>
+        <a:gradFill rotWithShape="1">
+          <a:gsLst>
+            <a:gs pos="0">
+              <a:schemeClr val="phClr">
+                <a:satMod val="103000"/>
+                <a:lumMod val="102000"/>
+                <a:tint val="94000"/>
+              </a:schemeClr>
+            </a:gs>
+            <a:gs pos="50000">
+              <a:schemeClr val="phClr">
+                <a:satMod val="110000"/>
+                <a:lumMod val="100000"/>
+                <a:shade val="100000"/>
+              </a:schemeClr>
+            </a:gs>
+            <a:gs pos="100000">
+              <a:schemeClr val="phClr">
+                <a:lumMod val="99000"/>
+                <a:satMod val="120000"/>
+                <a:shade val="78000"/>
+              </a:schemeClr>
+            </a:gs>
+          </a:gsLst>
+          <a:lin ang="5400000" scaled="0"/>
+        </a:gradFill>
+      </a:fillStyleLst>
+      <a:lnStyleLst>
+        <a:ln w="6350" cap="flat" cmpd="sng" algn="ctr">
+          <a:solidFill>
+            <a:schemeClr val="phClr"/>
+          </a:solidFill>
+          <a:prstDash val="solid"/>
+          <a:miter lim="800000"/>
+        </a:ln>
+        <a:ln w="12700" cap="flat" cmpd="sng" algn="ctr">
+          <a:solidFill>
+            <a:schemeClr val="phClr"/>
+          </a:solidFill>
+          <a:prstDash val="solid"/>
+          <a:miter lim="800000"/>
+        </a:ln>
+        <a:ln w="19050" cap="flat" cmpd="sng" algn="ctr">
+          <a:solidFill>
+            <a:schemeClr val="phClr"/>
+          </a:solidFill>
+          <a:prstDash val="solid"/>
+          <a:miter lim="800000"/>
+        </a:ln>
+      </a:lnStyleLst>
+      <a:effectStyleLst>
+        <a:effectStyle>
+          <a:effectLst/>
+        </a:effectStyle>
+        <a:effectStyle>
+          <a:effectLst/>
+        </a:effectStyle>
+        <a:effectStyle>
+          <a:effectLst>
+            <a:outerShdw blurRad="57150" dist="19050" dir="5400000" algn="ctr" rotWithShape="0">
+              <a:srgbClr val="000000">
+                <a:alpha val="63000"/>
+              </a:srgbClr>
+            </a:outerShdw>
+          </a:effectLst>
+        </a:effectStyle>
+      </a:effectStyleLst>
+      <a:bgFillStyleLst>
+        <a:solidFill>
+          <a:schemeClr val="phClr"/>
+        </a:solidFill>
+        <a:solidFill>
+          <a:schemeClr val="phClr">
+            <a:tint val="95000"/>
+            <a:satMod val="170000"/>
+          </a:schemeClr>
+        </a:solidFill>
+        <a:gradFill rotWithShape="1">
+          <a:gsLst>
+            <a:gs pos="0">
+              <a:schemeClr val="phClr">
+                <a:tint val="93000"/>
+                <a:satMod val="150000"/>
+                <a:shade val="98000"/>
+                <a:lumMod val="102000"/>
+              </a:schemeClr>
+            </a:gs>
+            <a:gs pos="50000">
+              <a:schemeClr val="phClr">
+                <a:tint val="98000"/>
+                <a:satMod val="130000"/>
+                <a:shade val="90000"/>
+                <a:lumMod val="103000"/>
+              </a:schemeClr>
+            </a:gs>
+            <a:gs pos="100000">
+              <a:schemeClr val="phClr">
+                <a:shade val="63000"/>
+                <a:satMod val="120000"/>
+              </a:schemeClr>
+            </a:gs>
+          </a:gsLst>
+          <a:lin ang="5400000" scaled="0"/>
+        </a:gradFill>
+      </a:bgFillStyleLst>
+    </a:fmtScheme>
+  </a:themeElements>
+  <a:objectDefaults/>
+  <a:extraClrSchemeLst/>
+  <a:extLst>
+    <a:ext uri="{05A4C25C-085E-4340-85A3-A5531E510DB2}">
+      <thm15:themeFamily xmlns:thm15="http://schemas.microsoft.com/office/thememl/2012/main" name="Office Theme" id="{62F939B6-93AF-4DB8-9C6B-D6C7DFDC589F}" vid="{4A3C46E8-61CC-4603-A589-7422A47A8E4A}"/>
+    </a:ext>
+  </a:extLst>
+</a:theme>
 </file>
--- a/Presentation.pptx
+++ b/Presentation.pptx
@@ -5,7 +5,7 @@
     <p:sldMasterId id="2147483648" r:id="rId1"/>
   </p:sldMasterIdLst>
   <p:notesMasterIdLst>
-    <p:notesMasterId r:id="rId14"/>
+    <p:notesMasterId r:id="rId16"/>
   </p:notesMasterIdLst>
   <p:sldIdLst>
     <p:sldId id="256" r:id="rId2"/>
@@ -13,13 +13,15 @@
     <p:sldId id="257" r:id="rId4"/>
     <p:sldId id="258" r:id="rId5"/>
     <p:sldId id="261" r:id="rId6"/>
-    <p:sldId id="260" r:id="rId7"/>
-    <p:sldId id="264" r:id="rId8"/>
-    <p:sldId id="263" r:id="rId9"/>
-    <p:sldId id="262" r:id="rId10"/>
-    <p:sldId id="265" r:id="rId11"/>
-    <p:sldId id="266" r:id="rId12"/>
-    <p:sldId id="267" r:id="rId13"/>
+    <p:sldId id="268" r:id="rId7"/>
+    <p:sldId id="269" r:id="rId8"/>
+    <p:sldId id="260" r:id="rId9"/>
+    <p:sldId id="264" r:id="rId10"/>
+    <p:sldId id="263" r:id="rId11"/>
+    <p:sldId id="262" r:id="rId12"/>
+    <p:sldId id="265" r:id="rId13"/>
+    <p:sldId id="266" r:id="rId14"/>
+    <p:sldId id="267" r:id="rId15"/>
   </p:sldIdLst>
   <p:sldSz cx="12192000" cy="6858000"/>
   <p:notesSz cx="6858000" cy="9144000"/>
@@ -118,6 +120,11 @@
       </a:defRPr>
     </a:lvl9pPr>
   </p:defaultTextStyle>
+  <p:extLst>
+    <p:ext uri="{EFAFB233-063F-42B5-8137-9DF3F51BA10A}">
+      <p15:sldGuideLst xmlns:p15="http://schemas.microsoft.com/office/powerpoint/2012/main"/>
+    </p:ext>
+  </p:extLst>
 </p:presentation>
 </file>
 
@@ -548,7 +555,7 @@
           <a:p>
             <a:fld id="{79A7ECB4-C604-4C88-9799-10B681FC9196}" type="slidenum">
               <a:rPr lang="en-GB" smtClean="0"/>
-              <a:t>7</a:t>
+              <a:t>9</a:t>
             </a:fld>
             <a:endParaRPr lang="en-GB"/>
           </a:p>
@@ -3960,7 +3967,7 @@
                 </a:solidFill>
                 <a:latin typeface="Abadi" panose="020B0604020104020204" pitchFamily="34" charset="0"/>
               </a:rPr>
-              <a:t>I- Data manipulation – Filtering frequencies</a:t>
+              <a:t>I- Data – Listening recordings</a:t>
             </a:r>
           </a:p>
         </p:txBody>
@@ -3986,14 +3993,14 @@
           <a:bodyPr/>
           <a:lstStyle/>
           <a:p>
-            <a:endParaRPr lang="fr-FR" dirty="0"/>
+            <a:endParaRPr lang="fr-FR"/>
           </a:p>
         </p:txBody>
       </p:sp>
     </p:spTree>
     <p:extLst>
       <p:ext uri="{BB962C8B-B14F-4D97-AF65-F5344CB8AC3E}">
-        <p14:creationId xmlns:p14="http://schemas.microsoft.com/office/powerpoint/2010/main" val="2544158827"/>
+        <p14:creationId xmlns:p14="http://schemas.microsoft.com/office/powerpoint/2010/main" val="2171954784"/>
       </p:ext>
     </p:extLst>
   </p:cSld>
@@ -4039,6 +4046,192 @@
         <p:spPr>
           <a:xfrm>
             <a:off x="0" y="0"/>
+            <a:ext cx="10515600" cy="1325563"/>
+          </a:xfrm>
+        </p:spPr>
+        <p:txBody>
+          <a:bodyPr/>
+          <a:lstStyle/>
+          <a:p>
+            <a:r>
+              <a:rPr lang="en-GB" dirty="0">
+                <a:solidFill>
+                  <a:srgbClr val="0000A1"/>
+                </a:solidFill>
+                <a:latin typeface="Abadi" panose="020B0604020104020204" pitchFamily="34" charset="0"/>
+              </a:rPr>
+              <a:t>I- Data manipulation – Filtering frequencies</a:t>
+            </a:r>
+          </a:p>
+        </p:txBody>
+      </p:sp>
+      <p:sp>
+        <p:nvSpPr>
+          <p:cNvPr id="3" name="Espace réservé du contenu 2">
+            <a:extLst>
+              <a:ext uri="{FF2B5EF4-FFF2-40B4-BE49-F238E27FC236}">
+                <a16:creationId xmlns:a16="http://schemas.microsoft.com/office/drawing/2014/main" id="{BBB97862-E0AD-4C75-9C1D-90CFF8A85DC3}"/>
+              </a:ext>
+            </a:extLst>
+          </p:cNvPr>
+          <p:cNvSpPr>
+            <a:spLocks noGrp="1"/>
+          </p:cNvSpPr>
+          <p:nvPr>
+            <p:ph idx="1"/>
+          </p:nvPr>
+        </p:nvSpPr>
+        <p:spPr/>
+        <p:txBody>
+          <a:bodyPr/>
+          <a:lstStyle/>
+          <a:p>
+            <a:endParaRPr lang="fr-FR" dirty="0"/>
+          </a:p>
+        </p:txBody>
+      </p:sp>
+    </p:spTree>
+    <p:extLst>
+      <p:ext uri="{BB962C8B-B14F-4D97-AF65-F5344CB8AC3E}">
+        <p14:creationId xmlns:p14="http://schemas.microsoft.com/office/powerpoint/2010/main" val="2149315557"/>
+      </p:ext>
+    </p:extLst>
+  </p:cSld>
+  <p:clrMapOvr>
+    <a:masterClrMapping/>
+  </p:clrMapOvr>
+</p:sld>
+</file>
+
+<file path=ppt/slides/slide12.xml><?xml version="1.0" encoding="utf-8"?>
+<p:sld xmlns:a="http://schemas.openxmlformats.org/drawingml/2006/main" xmlns:r="http://schemas.openxmlformats.org/officeDocument/2006/relationships" xmlns:p="http://schemas.openxmlformats.org/presentationml/2006/main">
+  <p:cSld>
+    <p:spTree>
+      <p:nvGrpSpPr>
+        <p:cNvPr id="1" name=""/>
+        <p:cNvGrpSpPr/>
+        <p:nvPr/>
+      </p:nvGrpSpPr>
+      <p:grpSpPr>
+        <a:xfrm>
+          <a:off x="0" y="0"/>
+          <a:ext cx="0" cy="0"/>
+          <a:chOff x="0" y="0"/>
+          <a:chExt cx="0" cy="0"/>
+        </a:xfrm>
+      </p:grpSpPr>
+      <p:sp>
+        <p:nvSpPr>
+          <p:cNvPr id="2" name="Titre 1">
+            <a:extLst>
+              <a:ext uri="{FF2B5EF4-FFF2-40B4-BE49-F238E27FC236}">
+                <a16:creationId xmlns:a16="http://schemas.microsoft.com/office/drawing/2014/main" id="{2F801A79-01AC-420E-BF7B-81486485DF2D}"/>
+              </a:ext>
+            </a:extLst>
+          </p:cNvPr>
+          <p:cNvSpPr>
+            <a:spLocks noGrp="1"/>
+          </p:cNvSpPr>
+          <p:nvPr>
+            <p:ph type="title"/>
+          </p:nvPr>
+        </p:nvSpPr>
+        <p:spPr>
+          <a:xfrm>
+            <a:off x="0" y="0"/>
+            <a:ext cx="10515600" cy="1325563"/>
+          </a:xfrm>
+        </p:spPr>
+        <p:txBody>
+          <a:bodyPr anchor="t"/>
+          <a:lstStyle/>
+          <a:p>
+            <a:r>
+              <a:rPr lang="en-GB" dirty="0">
+                <a:solidFill>
+                  <a:srgbClr val="0000A1"/>
+                </a:solidFill>
+                <a:latin typeface="Abadi" panose="020B0604020104020204" pitchFamily="34" charset="0"/>
+              </a:rPr>
+              <a:t>I- Data manipulation – Filtering frequencies</a:t>
+            </a:r>
+          </a:p>
+        </p:txBody>
+      </p:sp>
+      <p:sp>
+        <p:nvSpPr>
+          <p:cNvPr id="3" name="Espace réservé du contenu 2">
+            <a:extLst>
+              <a:ext uri="{FF2B5EF4-FFF2-40B4-BE49-F238E27FC236}">
+                <a16:creationId xmlns:a16="http://schemas.microsoft.com/office/drawing/2014/main" id="{BBB97862-E0AD-4C75-9C1D-90CFF8A85DC3}"/>
+              </a:ext>
+            </a:extLst>
+          </p:cNvPr>
+          <p:cNvSpPr>
+            <a:spLocks noGrp="1"/>
+          </p:cNvSpPr>
+          <p:nvPr>
+            <p:ph idx="1"/>
+          </p:nvPr>
+        </p:nvSpPr>
+        <p:spPr/>
+        <p:txBody>
+          <a:bodyPr/>
+          <a:lstStyle/>
+          <a:p>
+            <a:endParaRPr lang="fr-FR" dirty="0"/>
+          </a:p>
+        </p:txBody>
+      </p:sp>
+    </p:spTree>
+    <p:extLst>
+      <p:ext uri="{BB962C8B-B14F-4D97-AF65-F5344CB8AC3E}">
+        <p14:creationId xmlns:p14="http://schemas.microsoft.com/office/powerpoint/2010/main" val="2544158827"/>
+      </p:ext>
+    </p:extLst>
+  </p:cSld>
+  <p:clrMapOvr>
+    <a:masterClrMapping/>
+  </p:clrMapOvr>
+</p:sld>
+</file>
+
+<file path=ppt/slides/slide13.xml><?xml version="1.0" encoding="utf-8"?>
+<p:sld xmlns:a="http://schemas.openxmlformats.org/drawingml/2006/main" xmlns:r="http://schemas.openxmlformats.org/officeDocument/2006/relationships" xmlns:p="http://schemas.openxmlformats.org/presentationml/2006/main">
+  <p:cSld>
+    <p:spTree>
+      <p:nvGrpSpPr>
+        <p:cNvPr id="1" name=""/>
+        <p:cNvGrpSpPr/>
+        <p:nvPr/>
+      </p:nvGrpSpPr>
+      <p:grpSpPr>
+        <a:xfrm>
+          <a:off x="0" y="0"/>
+          <a:ext cx="0" cy="0"/>
+          <a:chOff x="0" y="0"/>
+          <a:chExt cx="0" cy="0"/>
+        </a:xfrm>
+      </p:grpSpPr>
+      <p:sp>
+        <p:nvSpPr>
+          <p:cNvPr id="2" name="Titre 1">
+            <a:extLst>
+              <a:ext uri="{FF2B5EF4-FFF2-40B4-BE49-F238E27FC236}">
+                <a16:creationId xmlns:a16="http://schemas.microsoft.com/office/drawing/2014/main" id="{2F801A79-01AC-420E-BF7B-81486485DF2D}"/>
+              </a:ext>
+            </a:extLst>
+          </p:cNvPr>
+          <p:cNvSpPr>
+            <a:spLocks noGrp="1"/>
+          </p:cNvSpPr>
+          <p:nvPr>
+            <p:ph type="title"/>
+          </p:nvPr>
+        </p:nvSpPr>
+        <p:spPr>
+          <a:xfrm>
+            <a:off x="0" y="0"/>
             <a:ext cx="12192000" cy="1325563"/>
           </a:xfrm>
         </p:spPr>
@@ -4113,7 +4306,7 @@
 </p:sld>
 </file>
 
-<file path=ppt/slides/slide12.xml><?xml version="1.0" encoding="utf-8"?>
+<file path=ppt/slides/slide14.xml><?xml version="1.0" encoding="utf-8"?>
 <p:sld xmlns:a="http://schemas.openxmlformats.org/drawingml/2006/main" xmlns:r="http://schemas.openxmlformats.org/officeDocument/2006/relationships" xmlns:p="http://schemas.openxmlformats.org/presentationml/2006/main">
   <p:cSld>
     <p:spTree>
@@ -5903,6 +6096,14 @@
 <file path=ppt/slides/slide6.xml><?xml version="1.0" encoding="utf-8"?>
 <p:sld xmlns:a="http://schemas.openxmlformats.org/drawingml/2006/main" xmlns:r="http://schemas.openxmlformats.org/officeDocument/2006/relationships" xmlns:p="http://schemas.openxmlformats.org/presentationml/2006/main">
   <p:cSld>
+    <p:bg>
+      <p:bgPr>
+        <a:solidFill>
+          <a:srgbClr val="EEEEEE"/>
+        </a:solidFill>
+        <a:effectLst/>
+      </p:bgPr>
+    </p:bg>
     <p:spTree>
       <p:nvGrpSpPr>
         <p:cNvPr id="1" name=""/>
@@ -5917,73 +6118,468 @@
           <a:chExt cx="0" cy="0"/>
         </a:xfrm>
       </p:grpSpPr>
+      <p:pic>
+        <p:nvPicPr>
+          <p:cNvPr id="2054" name="Picture 6" descr="Baby Cat Free PNG Image">
+            <a:extLst>
+              <a:ext uri="{FF2B5EF4-FFF2-40B4-BE49-F238E27FC236}">
+                <a16:creationId xmlns:a16="http://schemas.microsoft.com/office/drawing/2014/main" id="{8F6E25D7-E6A2-4728-95F5-5244E45D065B}"/>
+              </a:ext>
+            </a:extLst>
+          </p:cNvPr>
+          <p:cNvPicPr>
+            <a:picLocks noChangeAspect="1" noChangeArrowheads="1"/>
+          </p:cNvPicPr>
+          <p:nvPr/>
+        </p:nvPicPr>
+        <p:blipFill>
+          <a:blip r:embed="rId2">
+            <a:extLst>
+              <a:ext uri="{28A0092B-C50C-407E-A947-70E740481C1C}">
+                <a14:useLocalDpi xmlns:a14="http://schemas.microsoft.com/office/drawing/2010/main" val="0"/>
+              </a:ext>
+            </a:extLst>
+          </a:blip>
+          <a:srcRect/>
+          <a:stretch>
+            <a:fillRect/>
+          </a:stretch>
+        </p:blipFill>
+        <p:spPr bwMode="auto">
+          <a:xfrm>
+            <a:off x="0" y="57420"/>
+            <a:ext cx="5545137" cy="6858000"/>
+          </a:xfrm>
+          <a:prstGeom prst="rect">
+            <a:avLst/>
+          </a:prstGeom>
+          <a:noFill/>
+          <a:extLst>
+            <a:ext uri="{909E8E84-426E-40DD-AFC4-6F175D3DCCD1}">
+              <a14:hiddenFill xmlns:a14="http://schemas.microsoft.com/office/drawing/2010/main">
+                <a:solidFill>
+                  <a:srgbClr val="FFFFFF"/>
+                </a:solidFill>
+              </a14:hiddenFill>
+            </a:ext>
+          </a:extLst>
+        </p:spPr>
+      </p:pic>
       <p:sp>
         <p:nvSpPr>
           <p:cNvPr id="2" name="Titre 1">
             <a:extLst>
               <a:ext uri="{FF2B5EF4-FFF2-40B4-BE49-F238E27FC236}">
-                <a16:creationId xmlns:a16="http://schemas.microsoft.com/office/drawing/2014/main" id="{2F801A79-01AC-420E-BF7B-81486485DF2D}"/>
-              </a:ext>
-            </a:extLst>
-          </p:cNvPr>
-          <p:cNvSpPr>
-            <a:spLocks noGrp="1"/>
-          </p:cNvSpPr>
-          <p:nvPr>
-            <p:ph type="title"/>
+                <a16:creationId xmlns:a16="http://schemas.microsoft.com/office/drawing/2014/main" id="{DC8C58AC-C03E-42CF-9389-0267E62615A9}"/>
+              </a:ext>
+            </a:extLst>
+          </p:cNvPr>
+          <p:cNvSpPr>
+            <a:spLocks noGrp="1"/>
+          </p:cNvSpPr>
+          <p:nvPr>
+            <p:ph type="ctrTitle"/>
           </p:nvPr>
         </p:nvSpPr>
         <p:spPr>
           <a:xfrm>
-            <a:off x="0" y="0"/>
-            <a:ext cx="10515600" cy="1325563"/>
+            <a:off x="3722001" y="305618"/>
+            <a:ext cx="7940429" cy="2387600"/>
+          </a:xfrm>
+          <a:ln>
+            <a:noFill/>
+          </a:ln>
+        </p:spPr>
+        <p:txBody>
+          <a:bodyPr>
+            <a:normAutofit/>
+          </a:bodyPr>
+          <a:lstStyle/>
+          <a:p>
+            <a:pPr algn="l"/>
+            <a:r>
+              <a:rPr lang="en-GB" sz="7200" dirty="0">
+                <a:ln w="19050">
+                  <a:solidFill>
+                    <a:schemeClr val="bg1">
+                      <a:alpha val="95000"/>
+                    </a:schemeClr>
+                  </a:solidFill>
+                </a:ln>
+                <a:solidFill>
+                  <a:srgbClr val="0000A1"/>
+                </a:solidFill>
+                <a:latin typeface="Aharoni" panose="02010803020104030203" pitchFamily="2" charset="-79"/>
+                <a:cs typeface="Aharoni" panose="02010803020104030203" pitchFamily="2" charset="-79"/>
+              </a:rPr>
+              <a:t>Cats acoustic data Project</a:t>
+            </a:r>
+          </a:p>
+        </p:txBody>
+      </p:sp>
+      <p:sp>
+        <p:nvSpPr>
+          <p:cNvPr id="3" name="Sous-titre 2">
+            <a:extLst>
+              <a:ext uri="{FF2B5EF4-FFF2-40B4-BE49-F238E27FC236}">
+                <a16:creationId xmlns:a16="http://schemas.microsoft.com/office/drawing/2014/main" id="{181BC457-8950-4EB8-AC30-F82B7E8D27AA}"/>
+              </a:ext>
+            </a:extLst>
+          </p:cNvPr>
+          <p:cNvSpPr>
+            <a:spLocks noGrp="1"/>
+          </p:cNvSpPr>
+          <p:nvPr>
+            <p:ph type="subTitle" idx="1"/>
+          </p:nvPr>
+        </p:nvSpPr>
+        <p:spPr>
+          <a:xfrm>
+            <a:off x="3647060" y="2710585"/>
+            <a:ext cx="9144000" cy="775835"/>
           </a:xfrm>
         </p:spPr>
         <p:txBody>
-          <a:bodyPr anchor="t"/>
-          <a:lstStyle/>
-          <a:p>
-            <a:r>
-              <a:rPr lang="en-GB" dirty="0">
-                <a:solidFill>
-                  <a:srgbClr val="0000A1"/>
-                </a:solidFill>
-                <a:latin typeface="Abadi" panose="020B0604020104020204" pitchFamily="34" charset="0"/>
+          <a:bodyPr/>
+          <a:lstStyle/>
+          <a:p>
+            <a:pPr algn="l">
+              <a:spcBef>
+                <a:spcPts val="0"/>
+              </a:spcBef>
+            </a:pPr>
+            <a:r>
+              <a:rPr lang="fr-FR" dirty="0">
+                <a:solidFill>
+                  <a:schemeClr val="tx1">
+                    <a:lumMod val="65000"/>
+                    <a:lumOff val="35000"/>
+                  </a:schemeClr>
+                </a:solidFill>
               </a:rPr>
-              <a:t>I- Data – Presentation</a:t>
-            </a:r>
-          </a:p>
-        </p:txBody>
-      </p:sp>
-      <p:sp>
-        <p:nvSpPr>
-          <p:cNvPr id="3" name="Espace réservé du contenu 2">
-            <a:extLst>
-              <a:ext uri="{FF2B5EF4-FFF2-40B4-BE49-F238E27FC236}">
-                <a16:creationId xmlns:a16="http://schemas.microsoft.com/office/drawing/2014/main" id="{BBB97862-E0AD-4C75-9C1D-90CFF8A85DC3}"/>
-              </a:ext>
-            </a:extLst>
-          </p:cNvPr>
-          <p:cNvSpPr>
-            <a:spLocks noGrp="1"/>
-          </p:cNvSpPr>
-          <p:nvPr>
-            <p:ph idx="1"/>
-          </p:nvPr>
-        </p:nvSpPr>
-        <p:spPr/>
-        <p:txBody>
-          <a:bodyPr/>
-          <a:lstStyle/>
-          <a:p>
-            <a:endParaRPr lang="fr-FR"/>
+              <a:t>Bony Audrey</a:t>
+            </a:r>
+          </a:p>
+          <a:p>
+            <a:pPr algn="l">
+              <a:spcBef>
+                <a:spcPts val="0"/>
+              </a:spcBef>
+            </a:pPr>
+            <a:r>
+              <a:rPr lang="fr-FR" dirty="0" err="1">
+                <a:solidFill>
+                  <a:schemeClr val="tx1">
+                    <a:lumMod val="65000"/>
+                    <a:lumOff val="35000"/>
+                  </a:schemeClr>
+                </a:solidFill>
+              </a:rPr>
+              <a:t>Lagroy</a:t>
+            </a:r>
+            <a:r>
+              <a:rPr lang="fr-FR" dirty="0">
+                <a:solidFill>
+                  <a:schemeClr val="tx1">
+                    <a:lumMod val="65000"/>
+                    <a:lumOff val="35000"/>
+                  </a:schemeClr>
+                </a:solidFill>
+              </a:rPr>
+              <a:t> de </a:t>
+            </a:r>
+            <a:r>
+              <a:rPr lang="fr-FR" dirty="0" err="1">
+                <a:solidFill>
+                  <a:schemeClr val="tx1">
+                    <a:lumMod val="65000"/>
+                    <a:lumOff val="35000"/>
+                  </a:schemeClr>
+                </a:solidFill>
+              </a:rPr>
+              <a:t>Croutte</a:t>
+            </a:r>
+            <a:r>
+              <a:rPr lang="fr-FR" dirty="0">
+                <a:solidFill>
+                  <a:schemeClr val="tx1">
+                    <a:lumMod val="65000"/>
+                    <a:lumOff val="35000"/>
+                  </a:schemeClr>
+                </a:solidFill>
+              </a:rPr>
+              <a:t> de Saint Martin Anne-Victoire</a:t>
+            </a:r>
+          </a:p>
+        </p:txBody>
+      </p:sp>
+      <p:pic>
+        <p:nvPicPr>
+          <p:cNvPr id="8" name="Picture 6">
+            <a:extLst>
+              <a:ext uri="{FF2B5EF4-FFF2-40B4-BE49-F238E27FC236}">
+                <a16:creationId xmlns:a16="http://schemas.microsoft.com/office/drawing/2014/main" id="{60929C85-3824-4CE9-BBC5-6D46ACF2DB40}"/>
+              </a:ext>
+            </a:extLst>
+          </p:cNvPr>
+          <p:cNvPicPr>
+            <a:picLocks noChangeAspect="1" noChangeArrowheads="1"/>
+          </p:cNvPicPr>
+          <p:nvPr/>
+        </p:nvPicPr>
+        <p:blipFill>
+          <a:blip r:embed="rId3">
+            <a:extLst>
+              <a:ext uri="{28A0092B-C50C-407E-A947-70E740481C1C}">
+                <a14:useLocalDpi xmlns:a14="http://schemas.microsoft.com/office/drawing/2010/main" val="0"/>
+              </a:ext>
+            </a:extLst>
+          </a:blip>
+          <a:srcRect/>
+          <a:stretch>
+            <a:fillRect/>
+          </a:stretch>
+        </p:blipFill>
+        <p:spPr bwMode="auto">
+          <a:xfrm>
+            <a:off x="7679404" y="6134120"/>
+            <a:ext cx="2408691" cy="581966"/>
+          </a:xfrm>
+          <a:prstGeom prst="rect">
+            <a:avLst/>
+          </a:prstGeom>
+          <a:noFill/>
+          <a:extLst>
+            <a:ext uri="{909E8E84-426E-40DD-AFC4-6F175D3DCCD1}">
+              <a14:hiddenFill xmlns:a14="http://schemas.microsoft.com/office/drawing/2010/main">
+                <a:solidFill>
+                  <a:srgbClr val="FFFFFF"/>
+                </a:solidFill>
+              </a14:hiddenFill>
+            </a:ext>
+          </a:extLst>
+        </p:spPr>
+      </p:pic>
+      <p:pic>
+        <p:nvPicPr>
+          <p:cNvPr id="9" name="Picture 4" descr="MARS Logo - PNG and Vector - Logo Download">
+            <a:extLst>
+              <a:ext uri="{FF2B5EF4-FFF2-40B4-BE49-F238E27FC236}">
+                <a16:creationId xmlns:a16="http://schemas.microsoft.com/office/drawing/2014/main" id="{E4C1C337-716D-4897-9018-9FE8C25BF539}"/>
+              </a:ext>
+            </a:extLst>
+          </p:cNvPr>
+          <p:cNvPicPr>
+            <a:picLocks noChangeAspect="1" noChangeArrowheads="1"/>
+          </p:cNvPicPr>
+          <p:nvPr/>
+        </p:nvPicPr>
+        <p:blipFill>
+          <a:blip r:embed="rId4">
+            <a:extLst>
+              <a:ext uri="{28A0092B-C50C-407E-A947-70E740481C1C}">
+                <a14:useLocalDpi xmlns:a14="http://schemas.microsoft.com/office/drawing/2010/main" val="0"/>
+              </a:ext>
+            </a:extLst>
+          </a:blip>
+          <a:srcRect/>
+          <a:stretch>
+            <a:fillRect/>
+          </a:stretch>
+        </p:blipFill>
+        <p:spPr bwMode="auto">
+          <a:xfrm>
+            <a:off x="10088095" y="6139585"/>
+            <a:ext cx="1990725" cy="571037"/>
+          </a:xfrm>
+          <a:prstGeom prst="rect">
+            <a:avLst/>
+          </a:prstGeom>
+          <a:noFill/>
+          <a:extLst>
+            <a:ext uri="{909E8E84-426E-40DD-AFC4-6F175D3DCCD1}">
+              <a14:hiddenFill xmlns:a14="http://schemas.microsoft.com/office/drawing/2010/main">
+                <a:solidFill>
+                  <a:srgbClr val="FFFFFF"/>
+                </a:solidFill>
+              </a14:hiddenFill>
+            </a:ext>
+          </a:extLst>
+        </p:spPr>
+      </p:pic>
+      <p:sp>
+        <p:nvSpPr>
+          <p:cNvPr id="11" name="ZoneTexte 10">
+            <a:extLst>
+              <a:ext uri="{FF2B5EF4-FFF2-40B4-BE49-F238E27FC236}">
+                <a16:creationId xmlns:a16="http://schemas.microsoft.com/office/drawing/2014/main" id="{CEA6CC3E-09AB-4F72-B9A5-C992F715D8B4}"/>
+              </a:ext>
+            </a:extLst>
+          </p:cNvPr>
+          <p:cNvSpPr txBox="1"/>
+          <p:nvPr/>
+        </p:nvSpPr>
+        <p:spPr>
+          <a:xfrm>
+            <a:off x="5746525" y="4243950"/>
+            <a:ext cx="3891379" cy="400110"/>
+          </a:xfrm>
+          <a:prstGeom prst="rect">
+            <a:avLst/>
+          </a:prstGeom>
+          <a:noFill/>
+        </p:spPr>
+        <p:txBody>
+          <a:bodyPr wrap="square" rtlCol="0">
+            <a:spAutoFit/>
+          </a:bodyPr>
+          <a:lstStyle/>
+          <a:p>
+            <a:pPr algn="ctr"/>
+            <a:r>
+              <a:rPr lang="fr-FR" sz="2000" b="1" dirty="0" err="1">
+                <a:solidFill>
+                  <a:srgbClr val="000074"/>
+                </a:solidFill>
+              </a:rPr>
+              <a:t>February</a:t>
+            </a:r>
+            <a:r>
+              <a:rPr lang="fr-FR" sz="2000" b="1" dirty="0">
+                <a:solidFill>
+                  <a:srgbClr val="000074"/>
+                </a:solidFill>
+              </a:rPr>
+              <a:t> 4th, 2021</a:t>
+            </a:r>
+          </a:p>
+        </p:txBody>
+      </p:sp>
+      <p:sp>
+        <p:nvSpPr>
+          <p:cNvPr id="12" name="ZoneTexte 11">
+            <a:extLst>
+              <a:ext uri="{FF2B5EF4-FFF2-40B4-BE49-F238E27FC236}">
+                <a16:creationId xmlns:a16="http://schemas.microsoft.com/office/drawing/2014/main" id="{F78D8D85-53A8-4A5A-A520-D362C9397012}"/>
+              </a:ext>
+            </a:extLst>
+          </p:cNvPr>
+          <p:cNvSpPr txBox="1"/>
+          <p:nvPr/>
+        </p:nvSpPr>
+        <p:spPr>
+          <a:xfrm>
+            <a:off x="3985972" y="6286456"/>
+            <a:ext cx="3830643" cy="646331"/>
+          </a:xfrm>
+          <a:prstGeom prst="rect">
+            <a:avLst/>
+          </a:prstGeom>
+          <a:noFill/>
+        </p:spPr>
+        <p:txBody>
+          <a:bodyPr wrap="square" rtlCol="0">
+            <a:spAutoFit/>
+          </a:bodyPr>
+          <a:lstStyle/>
+          <a:p>
+            <a:r>
+              <a:rPr lang="fr-FR" b="1" dirty="0" err="1">
+                <a:solidFill>
+                  <a:schemeClr val="tx1">
+                    <a:lumMod val="65000"/>
+                    <a:lumOff val="35000"/>
+                  </a:schemeClr>
+                </a:solidFill>
+              </a:rPr>
+              <a:t>Supervisors</a:t>
+            </a:r>
+            <a:r>
+              <a:rPr lang="fr-FR" b="1" dirty="0">
+                <a:solidFill>
+                  <a:schemeClr val="tx1">
+                    <a:lumMod val="65000"/>
+                    <a:lumOff val="35000"/>
+                  </a:schemeClr>
+                </a:solidFill>
+              </a:rPr>
+              <a:t> : </a:t>
+            </a:r>
+            <a:r>
+              <a:rPr lang="fr-FR" dirty="0">
+                <a:solidFill>
+                  <a:schemeClr val="tx1">
+                    <a:lumMod val="65000"/>
+                    <a:lumOff val="35000"/>
+                  </a:schemeClr>
+                </a:solidFill>
+              </a:rPr>
+              <a:t>Amandine </a:t>
+            </a:r>
+            <a:r>
+              <a:rPr lang="fr-FR" dirty="0" err="1">
+                <a:solidFill>
+                  <a:schemeClr val="tx1">
+                    <a:lumMod val="65000"/>
+                    <a:lumOff val="35000"/>
+                  </a:schemeClr>
+                </a:solidFill>
+              </a:rPr>
+              <a:t>Shmutz</a:t>
+            </a:r>
+            <a:r>
+              <a:rPr lang="fr-FR" dirty="0">
+                <a:solidFill>
+                  <a:schemeClr val="tx1">
+                    <a:lumMod val="65000"/>
+                    <a:lumOff val="35000"/>
+                  </a:schemeClr>
+                </a:solidFill>
+              </a:rPr>
+              <a:t> (Mars) </a:t>
+            </a:r>
+          </a:p>
+          <a:p>
+            <a:r>
+              <a:rPr lang="fr-FR" dirty="0">
+                <a:solidFill>
+                  <a:schemeClr val="tx1">
+                    <a:lumMod val="65000"/>
+                    <a:lumOff val="35000"/>
+                  </a:schemeClr>
+                </a:solidFill>
+              </a:rPr>
+              <a:t>François Husson (</a:t>
+            </a:r>
+            <a:r>
+              <a:rPr lang="fr-FR" dirty="0" err="1">
+                <a:solidFill>
+                  <a:schemeClr val="tx1">
+                    <a:lumMod val="65000"/>
+                    <a:lumOff val="35000"/>
+                  </a:schemeClr>
+                </a:solidFill>
+              </a:rPr>
+              <a:t>Agrocampus</a:t>
+            </a:r>
+            <a:r>
+              <a:rPr lang="fr-FR" dirty="0">
+                <a:solidFill>
+                  <a:schemeClr val="tx1">
+                    <a:lumMod val="65000"/>
+                    <a:lumOff val="35000"/>
+                  </a:schemeClr>
+                </a:solidFill>
+              </a:rPr>
+              <a:t> Ouest)</a:t>
+            </a:r>
           </a:p>
         </p:txBody>
       </p:sp>
     </p:spTree>
     <p:extLst>
       <p:ext uri="{BB962C8B-B14F-4D97-AF65-F5344CB8AC3E}">
-        <p14:creationId xmlns:p14="http://schemas.microsoft.com/office/powerpoint/2010/main" val="4104057003"/>
+        <p14:creationId xmlns:p14="http://schemas.microsoft.com/office/powerpoint/2010/main" val="420260622"/>
       </p:ext>
     </p:extLst>
   </p:cSld>
@@ -5996,6 +6592,14 @@
 <file path=ppt/slides/slide7.xml><?xml version="1.0" encoding="utf-8"?>
 <p:sld xmlns:a="http://schemas.openxmlformats.org/drawingml/2006/main" xmlns:r="http://schemas.openxmlformats.org/officeDocument/2006/relationships" xmlns:p="http://schemas.openxmlformats.org/presentationml/2006/main">
   <p:cSld>
+    <p:bg>
+      <p:bgPr>
+        <a:solidFill>
+          <a:srgbClr val="EEEEEE"/>
+        </a:solidFill>
+        <a:effectLst/>
+      </p:bgPr>
+    </p:bg>
     <p:spTree>
       <p:nvGrpSpPr>
         <p:cNvPr id="1" name=""/>
@@ -6010,73 +6614,466 @@
           <a:chExt cx="0" cy="0"/>
         </a:xfrm>
       </p:grpSpPr>
+      <p:pic>
+        <p:nvPicPr>
+          <p:cNvPr id="2054" name="Picture 6" descr="Baby Cat Free PNG Image">
+            <a:extLst>
+              <a:ext uri="{FF2B5EF4-FFF2-40B4-BE49-F238E27FC236}">
+                <a16:creationId xmlns:a16="http://schemas.microsoft.com/office/drawing/2014/main" id="{8F6E25D7-E6A2-4728-95F5-5244E45D065B}"/>
+              </a:ext>
+            </a:extLst>
+          </p:cNvPr>
+          <p:cNvPicPr>
+            <a:picLocks noChangeAspect="1" noChangeArrowheads="1"/>
+          </p:cNvPicPr>
+          <p:nvPr/>
+        </p:nvPicPr>
+        <p:blipFill rotWithShape="1">
+          <a:blip r:embed="rId2">
+            <a:extLst>
+              <a:ext uri="{28A0092B-C50C-407E-A947-70E740481C1C}">
+                <a14:useLocalDpi xmlns:a14="http://schemas.microsoft.com/office/drawing/2010/main" val="0"/>
+              </a:ext>
+            </a:extLst>
+          </a:blip>
+          <a:srcRect t="-3" b="27434"/>
+          <a:stretch/>
+        </p:blipFill>
+        <p:spPr bwMode="auto">
+          <a:xfrm>
+            <a:off x="297917" y="6359"/>
+            <a:ext cx="7921143" cy="7110188"/>
+          </a:xfrm>
+          <a:prstGeom prst="rect">
+            <a:avLst/>
+          </a:prstGeom>
+          <a:noFill/>
+          <a:extLst>
+            <a:ext uri="{909E8E84-426E-40DD-AFC4-6F175D3DCCD1}">
+              <a14:hiddenFill xmlns:a14="http://schemas.microsoft.com/office/drawing/2010/main">
+                <a:solidFill>
+                  <a:srgbClr val="FFFFFF"/>
+                </a:solidFill>
+              </a14:hiddenFill>
+            </a:ext>
+          </a:extLst>
+        </p:spPr>
+      </p:pic>
       <p:sp>
         <p:nvSpPr>
           <p:cNvPr id="2" name="Titre 1">
             <a:extLst>
               <a:ext uri="{FF2B5EF4-FFF2-40B4-BE49-F238E27FC236}">
-                <a16:creationId xmlns:a16="http://schemas.microsoft.com/office/drawing/2014/main" id="{2F801A79-01AC-420E-BF7B-81486485DF2D}"/>
-              </a:ext>
-            </a:extLst>
-          </p:cNvPr>
-          <p:cNvSpPr>
-            <a:spLocks noGrp="1"/>
-          </p:cNvSpPr>
-          <p:nvPr>
-            <p:ph type="title"/>
+                <a16:creationId xmlns:a16="http://schemas.microsoft.com/office/drawing/2014/main" id="{DC8C58AC-C03E-42CF-9389-0267E62615A9}"/>
+              </a:ext>
+            </a:extLst>
+          </p:cNvPr>
+          <p:cNvSpPr>
+            <a:spLocks noGrp="1"/>
+          </p:cNvSpPr>
+          <p:nvPr>
+            <p:ph type="ctrTitle"/>
           </p:nvPr>
         </p:nvSpPr>
         <p:spPr>
           <a:xfrm>
-            <a:off x="0" y="0"/>
-            <a:ext cx="10515600" cy="1325563"/>
+            <a:off x="3722001" y="305618"/>
+            <a:ext cx="7940429" cy="2387600"/>
+          </a:xfrm>
+          <a:ln>
+            <a:noFill/>
+          </a:ln>
+        </p:spPr>
+        <p:txBody>
+          <a:bodyPr>
+            <a:normAutofit/>
+          </a:bodyPr>
+          <a:lstStyle/>
+          <a:p>
+            <a:pPr algn="l"/>
+            <a:r>
+              <a:rPr lang="en-GB" sz="7200" dirty="0">
+                <a:ln w="19050">
+                  <a:solidFill>
+                    <a:schemeClr val="bg1">
+                      <a:alpha val="95000"/>
+                    </a:schemeClr>
+                  </a:solidFill>
+                </a:ln>
+                <a:solidFill>
+                  <a:srgbClr val="0000A1"/>
+                </a:solidFill>
+                <a:latin typeface="Aharoni" panose="02010803020104030203" pitchFamily="2" charset="-79"/>
+                <a:cs typeface="Aharoni" panose="02010803020104030203" pitchFamily="2" charset="-79"/>
+              </a:rPr>
+              <a:t>Cats acoustic data Project</a:t>
+            </a:r>
+          </a:p>
+        </p:txBody>
+      </p:sp>
+      <p:sp>
+        <p:nvSpPr>
+          <p:cNvPr id="3" name="Sous-titre 2">
+            <a:extLst>
+              <a:ext uri="{FF2B5EF4-FFF2-40B4-BE49-F238E27FC236}">
+                <a16:creationId xmlns:a16="http://schemas.microsoft.com/office/drawing/2014/main" id="{181BC457-8950-4EB8-AC30-F82B7E8D27AA}"/>
+              </a:ext>
+            </a:extLst>
+          </p:cNvPr>
+          <p:cNvSpPr>
+            <a:spLocks noGrp="1"/>
+          </p:cNvSpPr>
+          <p:nvPr>
+            <p:ph type="subTitle" idx="1"/>
+          </p:nvPr>
+        </p:nvSpPr>
+        <p:spPr>
+          <a:xfrm>
+            <a:off x="3647060" y="2710585"/>
+            <a:ext cx="9144000" cy="775835"/>
           </a:xfrm>
         </p:spPr>
         <p:txBody>
-          <a:bodyPr anchor="t"/>
-          <a:lstStyle/>
-          <a:p>
-            <a:r>
-              <a:rPr lang="en-GB" dirty="0">
-                <a:solidFill>
-                  <a:srgbClr val="0000A1"/>
-                </a:solidFill>
-                <a:latin typeface="Abadi" panose="020B0604020104020204" pitchFamily="34" charset="0"/>
+          <a:bodyPr/>
+          <a:lstStyle/>
+          <a:p>
+            <a:pPr algn="l">
+              <a:spcBef>
+                <a:spcPts val="0"/>
+              </a:spcBef>
+            </a:pPr>
+            <a:r>
+              <a:rPr lang="fr-FR" dirty="0">
+                <a:solidFill>
+                  <a:schemeClr val="tx1">
+                    <a:lumMod val="65000"/>
+                    <a:lumOff val="35000"/>
+                  </a:schemeClr>
+                </a:solidFill>
               </a:rPr>
-              <a:t>I- Data – Visualisation</a:t>
-            </a:r>
-          </a:p>
-        </p:txBody>
-      </p:sp>
-      <p:sp>
-        <p:nvSpPr>
-          <p:cNvPr id="3" name="Espace réservé du contenu 2">
-            <a:extLst>
-              <a:ext uri="{FF2B5EF4-FFF2-40B4-BE49-F238E27FC236}">
-                <a16:creationId xmlns:a16="http://schemas.microsoft.com/office/drawing/2014/main" id="{BBB97862-E0AD-4C75-9C1D-90CFF8A85DC3}"/>
-              </a:ext>
-            </a:extLst>
-          </p:cNvPr>
-          <p:cNvSpPr>
-            <a:spLocks noGrp="1"/>
-          </p:cNvSpPr>
-          <p:nvPr>
-            <p:ph idx="1"/>
-          </p:nvPr>
-        </p:nvSpPr>
-        <p:spPr/>
-        <p:txBody>
-          <a:bodyPr/>
-          <a:lstStyle/>
-          <a:p>
-            <a:endParaRPr lang="fr-FR"/>
-          </a:p>
-        </p:txBody>
-      </p:sp>
+              <a:t>Bony Audrey</a:t>
+            </a:r>
+          </a:p>
+          <a:p>
+            <a:pPr algn="l">
+              <a:spcBef>
+                <a:spcPts val="0"/>
+              </a:spcBef>
+            </a:pPr>
+            <a:r>
+              <a:rPr lang="fr-FR" dirty="0" err="1">
+                <a:solidFill>
+                  <a:schemeClr val="tx1">
+                    <a:lumMod val="65000"/>
+                    <a:lumOff val="35000"/>
+                  </a:schemeClr>
+                </a:solidFill>
+              </a:rPr>
+              <a:t>Lagroy</a:t>
+            </a:r>
+            <a:r>
+              <a:rPr lang="fr-FR" dirty="0">
+                <a:solidFill>
+                  <a:schemeClr val="tx1">
+                    <a:lumMod val="65000"/>
+                    <a:lumOff val="35000"/>
+                  </a:schemeClr>
+                </a:solidFill>
+              </a:rPr>
+              <a:t> de </a:t>
+            </a:r>
+            <a:r>
+              <a:rPr lang="fr-FR" dirty="0" err="1">
+                <a:solidFill>
+                  <a:schemeClr val="tx1">
+                    <a:lumMod val="65000"/>
+                    <a:lumOff val="35000"/>
+                  </a:schemeClr>
+                </a:solidFill>
+              </a:rPr>
+              <a:t>Croutte</a:t>
+            </a:r>
+            <a:r>
+              <a:rPr lang="fr-FR" dirty="0">
+                <a:solidFill>
+                  <a:schemeClr val="tx1">
+                    <a:lumMod val="65000"/>
+                    <a:lumOff val="35000"/>
+                  </a:schemeClr>
+                </a:solidFill>
+              </a:rPr>
+              <a:t> de Saint Martin Anne-Victoire</a:t>
+            </a:r>
+          </a:p>
+        </p:txBody>
+      </p:sp>
+      <p:pic>
+        <p:nvPicPr>
+          <p:cNvPr id="9" name="Picture 4" descr="MARS Logo - PNG and Vector - Logo Download">
+            <a:extLst>
+              <a:ext uri="{FF2B5EF4-FFF2-40B4-BE49-F238E27FC236}">
+                <a16:creationId xmlns:a16="http://schemas.microsoft.com/office/drawing/2014/main" id="{E4C1C337-716D-4897-9018-9FE8C25BF539}"/>
+              </a:ext>
+            </a:extLst>
+          </p:cNvPr>
+          <p:cNvPicPr>
+            <a:picLocks noChangeAspect="1" noChangeArrowheads="1"/>
+          </p:cNvPicPr>
+          <p:nvPr/>
+        </p:nvPicPr>
+        <p:blipFill>
+          <a:blip r:embed="rId3">
+            <a:extLst>
+              <a:ext uri="{28A0092B-C50C-407E-A947-70E740481C1C}">
+                <a14:useLocalDpi xmlns:a14="http://schemas.microsoft.com/office/drawing/2010/main" val="0"/>
+              </a:ext>
+            </a:extLst>
+          </a:blip>
+          <a:srcRect/>
+          <a:stretch>
+            <a:fillRect/>
+          </a:stretch>
+        </p:blipFill>
+        <p:spPr bwMode="auto">
+          <a:xfrm>
+            <a:off x="10414316" y="5811654"/>
+            <a:ext cx="1655135" cy="474801"/>
+          </a:xfrm>
+          <a:prstGeom prst="rect">
+            <a:avLst/>
+          </a:prstGeom>
+          <a:noFill/>
+          <a:extLst>
+            <a:ext uri="{909E8E84-426E-40DD-AFC4-6F175D3DCCD1}">
+              <a14:hiddenFill xmlns:a14="http://schemas.microsoft.com/office/drawing/2010/main">
+                <a:solidFill>
+                  <a:srgbClr val="FFFFFF"/>
+                </a:solidFill>
+              </a14:hiddenFill>
+            </a:ext>
+          </a:extLst>
+        </p:spPr>
+      </p:pic>
+      <p:sp>
+        <p:nvSpPr>
+          <p:cNvPr id="11" name="ZoneTexte 10">
+            <a:extLst>
+              <a:ext uri="{FF2B5EF4-FFF2-40B4-BE49-F238E27FC236}">
+                <a16:creationId xmlns:a16="http://schemas.microsoft.com/office/drawing/2014/main" id="{CEA6CC3E-09AB-4F72-B9A5-C992F715D8B4}"/>
+              </a:ext>
+            </a:extLst>
+          </p:cNvPr>
+          <p:cNvSpPr txBox="1"/>
+          <p:nvPr/>
+        </p:nvSpPr>
+        <p:spPr>
+          <a:xfrm>
+            <a:off x="5746525" y="4243950"/>
+            <a:ext cx="3891379" cy="400110"/>
+          </a:xfrm>
+          <a:prstGeom prst="rect">
+            <a:avLst/>
+          </a:prstGeom>
+          <a:noFill/>
+        </p:spPr>
+        <p:txBody>
+          <a:bodyPr wrap="square" rtlCol="0">
+            <a:spAutoFit/>
+          </a:bodyPr>
+          <a:lstStyle/>
+          <a:p>
+            <a:pPr algn="ctr"/>
+            <a:r>
+              <a:rPr lang="fr-FR" sz="2000" b="1" dirty="0" err="1">
+                <a:solidFill>
+                  <a:srgbClr val="000074"/>
+                </a:solidFill>
+              </a:rPr>
+              <a:t>February</a:t>
+            </a:r>
+            <a:r>
+              <a:rPr lang="fr-FR" sz="2000" b="1" dirty="0">
+                <a:solidFill>
+                  <a:srgbClr val="000074"/>
+                </a:solidFill>
+              </a:rPr>
+              <a:t> 4th, 2021</a:t>
+            </a:r>
+          </a:p>
+        </p:txBody>
+      </p:sp>
+      <p:sp>
+        <p:nvSpPr>
+          <p:cNvPr id="12" name="ZoneTexte 11">
+            <a:extLst>
+              <a:ext uri="{FF2B5EF4-FFF2-40B4-BE49-F238E27FC236}">
+                <a16:creationId xmlns:a16="http://schemas.microsoft.com/office/drawing/2014/main" id="{F78D8D85-53A8-4A5A-A520-D362C9397012}"/>
+              </a:ext>
+            </a:extLst>
+          </p:cNvPr>
+          <p:cNvSpPr txBox="1"/>
+          <p:nvPr/>
+        </p:nvSpPr>
+        <p:spPr>
+          <a:xfrm>
+            <a:off x="5512980" y="6203320"/>
+            <a:ext cx="3830643" cy="646331"/>
+          </a:xfrm>
+          <a:prstGeom prst="rect">
+            <a:avLst/>
+          </a:prstGeom>
+          <a:noFill/>
+        </p:spPr>
+        <p:txBody>
+          <a:bodyPr wrap="square" rtlCol="0">
+            <a:spAutoFit/>
+          </a:bodyPr>
+          <a:lstStyle/>
+          <a:p>
+            <a:r>
+              <a:rPr lang="fr-FR" b="1" dirty="0" err="1">
+                <a:solidFill>
+                  <a:schemeClr val="tx1">
+                    <a:lumMod val="65000"/>
+                    <a:lumOff val="35000"/>
+                  </a:schemeClr>
+                </a:solidFill>
+              </a:rPr>
+              <a:t>Supervisors</a:t>
+            </a:r>
+            <a:r>
+              <a:rPr lang="fr-FR" b="1" dirty="0">
+                <a:solidFill>
+                  <a:schemeClr val="tx1">
+                    <a:lumMod val="65000"/>
+                    <a:lumOff val="35000"/>
+                  </a:schemeClr>
+                </a:solidFill>
+              </a:rPr>
+              <a:t> : </a:t>
+            </a:r>
+            <a:r>
+              <a:rPr lang="fr-FR" dirty="0">
+                <a:solidFill>
+                  <a:schemeClr val="tx1">
+                    <a:lumMod val="65000"/>
+                    <a:lumOff val="35000"/>
+                  </a:schemeClr>
+                </a:solidFill>
+              </a:rPr>
+              <a:t>Amandine </a:t>
+            </a:r>
+            <a:r>
+              <a:rPr lang="fr-FR" dirty="0" err="1">
+                <a:solidFill>
+                  <a:schemeClr val="tx1">
+                    <a:lumMod val="65000"/>
+                    <a:lumOff val="35000"/>
+                  </a:schemeClr>
+                </a:solidFill>
+              </a:rPr>
+              <a:t>Shmutz</a:t>
+            </a:r>
+            <a:r>
+              <a:rPr lang="fr-FR" dirty="0">
+                <a:solidFill>
+                  <a:schemeClr val="tx1">
+                    <a:lumMod val="65000"/>
+                    <a:lumOff val="35000"/>
+                  </a:schemeClr>
+                </a:solidFill>
+              </a:rPr>
+              <a:t> (Mars) </a:t>
+            </a:r>
+          </a:p>
+          <a:p>
+            <a:r>
+              <a:rPr lang="fr-FR" dirty="0">
+                <a:solidFill>
+                  <a:schemeClr val="tx1">
+                    <a:lumMod val="65000"/>
+                    <a:lumOff val="35000"/>
+                  </a:schemeClr>
+                </a:solidFill>
+              </a:rPr>
+              <a:t>François Husson (</a:t>
+            </a:r>
+            <a:r>
+              <a:rPr lang="fr-FR" dirty="0" err="1">
+                <a:solidFill>
+                  <a:schemeClr val="tx1">
+                    <a:lumMod val="65000"/>
+                    <a:lumOff val="35000"/>
+                  </a:schemeClr>
+                </a:solidFill>
+              </a:rPr>
+              <a:t>Agrocampus</a:t>
+            </a:r>
+            <a:r>
+              <a:rPr lang="fr-FR" dirty="0">
+                <a:solidFill>
+                  <a:schemeClr val="tx1">
+                    <a:lumMod val="65000"/>
+                    <a:lumOff val="35000"/>
+                  </a:schemeClr>
+                </a:solidFill>
+              </a:rPr>
+              <a:t> Ouest)</a:t>
+            </a:r>
+          </a:p>
+        </p:txBody>
+      </p:sp>
+      <p:pic>
+        <p:nvPicPr>
+          <p:cNvPr id="1026" name="Picture 2" descr="BAGAP research unit -">
+            <a:extLst>
+              <a:ext uri="{FF2B5EF4-FFF2-40B4-BE49-F238E27FC236}">
+                <a16:creationId xmlns:a16="http://schemas.microsoft.com/office/drawing/2014/main" id="{731D9DD7-49DC-4CDC-AAF4-9390A8DC15DF}"/>
+              </a:ext>
+            </a:extLst>
+          </p:cNvPr>
+          <p:cNvPicPr>
+            <a:picLocks noChangeAspect="1" noChangeArrowheads="1"/>
+          </p:cNvPicPr>
+          <p:nvPr/>
+        </p:nvPicPr>
+        <p:blipFill>
+          <a:blip r:embed="rId4">
+            <a:extLst>
+              <a:ext uri="{28A0092B-C50C-407E-A947-70E740481C1C}">
+                <a14:useLocalDpi xmlns:a14="http://schemas.microsoft.com/office/drawing/2010/main" val="0"/>
+              </a:ext>
+            </a:extLst>
+          </a:blip>
+          <a:srcRect/>
+          <a:stretch>
+            <a:fillRect/>
+          </a:stretch>
+        </p:blipFill>
+        <p:spPr bwMode="auto">
+          <a:xfrm>
+            <a:off x="9343623" y="6369591"/>
+            <a:ext cx="2857500" cy="480060"/>
+          </a:xfrm>
+          <a:prstGeom prst="rect">
+            <a:avLst/>
+          </a:prstGeom>
+          <a:noFill/>
+          <a:extLst>
+            <a:ext uri="{909E8E84-426E-40DD-AFC4-6F175D3DCCD1}">
+              <a14:hiddenFill xmlns:a14="http://schemas.microsoft.com/office/drawing/2010/main">
+                <a:solidFill>
+                  <a:srgbClr val="FFFFFF"/>
+                </a:solidFill>
+              </a14:hiddenFill>
+            </a:ext>
+          </a:extLst>
+        </p:spPr>
+      </p:pic>
     </p:spTree>
     <p:extLst>
       <p:ext uri="{BB962C8B-B14F-4D97-AF65-F5344CB8AC3E}">
-        <p14:creationId xmlns:p14="http://schemas.microsoft.com/office/powerpoint/2010/main" val="1487981714"/>
+        <p14:creationId xmlns:p14="http://schemas.microsoft.com/office/powerpoint/2010/main" val="2613689790"/>
       </p:ext>
     </p:extLst>
   </p:cSld>
@@ -6136,7 +7133,7 @@
                 </a:solidFill>
                 <a:latin typeface="Abadi" panose="020B0604020104020204" pitchFamily="34" charset="0"/>
               </a:rPr>
-              <a:t>I- Data – Listening recordings</a:t>
+              <a:t>I- Data – Presentation</a:t>
             </a:r>
           </a:p>
         </p:txBody>
@@ -6169,7 +7166,7 @@
     </p:spTree>
     <p:extLst>
       <p:ext uri="{BB962C8B-B14F-4D97-AF65-F5344CB8AC3E}">
-        <p14:creationId xmlns:p14="http://schemas.microsoft.com/office/powerpoint/2010/main" val="2171954784"/>
+        <p14:creationId xmlns:p14="http://schemas.microsoft.com/office/powerpoint/2010/main" val="4104057003"/>
       </p:ext>
     </p:extLst>
   </p:cSld>
@@ -6219,7 +7216,7 @@
           </a:xfrm>
         </p:spPr>
         <p:txBody>
-          <a:bodyPr/>
+          <a:bodyPr anchor="t"/>
           <a:lstStyle/>
           <a:p>
             <a:r>
@@ -6229,7 +7226,7 @@
                 </a:solidFill>
                 <a:latin typeface="Abadi" panose="020B0604020104020204" pitchFamily="34" charset="0"/>
               </a:rPr>
-              <a:t>I- Data manipulation – Filtering frequencies</a:t>
+              <a:t>I- Data – Visualisation</a:t>
             </a:r>
           </a:p>
         </p:txBody>
@@ -6255,14 +7252,14 @@
           <a:bodyPr/>
           <a:lstStyle/>
           <a:p>
-            <a:endParaRPr lang="fr-FR" dirty="0"/>
+            <a:endParaRPr lang="fr-FR"/>
           </a:p>
         </p:txBody>
       </p:sp>
     </p:spTree>
     <p:extLst>
       <p:ext uri="{BB962C8B-B14F-4D97-AF65-F5344CB8AC3E}">
-        <p14:creationId xmlns:p14="http://schemas.microsoft.com/office/powerpoint/2010/main" val="2149315557"/>
+        <p14:creationId xmlns:p14="http://schemas.microsoft.com/office/powerpoint/2010/main" val="1487981714"/>
       </p:ext>
     </p:extLst>
   </p:cSld>

--- a/Presentation.pptx
+++ b/Presentation.pptx
@@ -5,23 +5,19 @@
     <p:sldMasterId id="2147483648" r:id="rId1"/>
   </p:sldMasterIdLst>
   <p:notesMasterIdLst>
-    <p:notesMasterId r:id="rId16"/>
+    <p:notesMasterId r:id="rId12"/>
   </p:notesMasterIdLst>
   <p:sldIdLst>
-    <p:sldId id="256" r:id="rId2"/>
-    <p:sldId id="259" r:id="rId3"/>
-    <p:sldId id="257" r:id="rId4"/>
-    <p:sldId id="258" r:id="rId5"/>
-    <p:sldId id="261" r:id="rId6"/>
-    <p:sldId id="268" r:id="rId7"/>
-    <p:sldId id="269" r:id="rId8"/>
-    <p:sldId id="260" r:id="rId9"/>
-    <p:sldId id="264" r:id="rId10"/>
-    <p:sldId id="263" r:id="rId11"/>
-    <p:sldId id="262" r:id="rId12"/>
-    <p:sldId id="265" r:id="rId13"/>
-    <p:sldId id="266" r:id="rId14"/>
-    <p:sldId id="267" r:id="rId15"/>
+    <p:sldId id="261" r:id="rId2"/>
+    <p:sldId id="268" r:id="rId3"/>
+    <p:sldId id="269" r:id="rId4"/>
+    <p:sldId id="260" r:id="rId5"/>
+    <p:sldId id="264" r:id="rId6"/>
+    <p:sldId id="263" r:id="rId7"/>
+    <p:sldId id="262" r:id="rId8"/>
+    <p:sldId id="265" r:id="rId9"/>
+    <p:sldId id="266" r:id="rId10"/>
+    <p:sldId id="267" r:id="rId11"/>
   </p:sldIdLst>
   <p:sldSz cx="12192000" cy="6858000"/>
   <p:notesSz cx="6858000" cy="9144000"/>
@@ -555,7 +551,7 @@
           <a:p>
             <a:fld id="{79A7ECB4-C604-4C88-9799-10B681FC9196}" type="slidenum">
               <a:rPr lang="en-GB" smtClean="0"/>
-              <a:t>9</a:t>
+              <a:t>5</a:t>
             </a:fld>
             <a:endParaRPr lang="en-GB"/>
           </a:p>
@@ -3774,6 +3770,14 @@
 <file path=ppt/slides/slide1.xml><?xml version="1.0" encoding="utf-8"?>
 <p:sld xmlns:a="http://schemas.openxmlformats.org/drawingml/2006/main" xmlns:r="http://schemas.openxmlformats.org/officeDocument/2006/relationships" xmlns:p="http://schemas.openxmlformats.org/presentationml/2006/main">
   <p:cSld>
+    <p:bg>
+      <p:bgPr>
+        <a:solidFill>
+          <a:srgbClr val="EEEEEE"/>
+        </a:solidFill>
+        <a:effectLst/>
+      </p:bgPr>
+    </p:bg>
     <p:spTree>
       <p:nvGrpSpPr>
         <p:cNvPr id="1" name=""/>
@@ -3790,19 +3794,19 @@
       </p:grpSpPr>
       <p:pic>
         <p:nvPicPr>
-          <p:cNvPr id="5" name="Image 4" descr="Une image contenant chat, mur, intérieur, assis&#10;&#10;Description générée automatiquement">
-            <a:extLst>
-              <a:ext uri="{FF2B5EF4-FFF2-40B4-BE49-F238E27FC236}">
-                <a16:creationId xmlns:a16="http://schemas.microsoft.com/office/drawing/2014/main" id="{37F0C857-D3C8-4874-99FA-2C5E41E89DEF}"/>
+          <p:cNvPr id="2054" name="Picture 6" descr="Baby Cat Free PNG Image">
+            <a:extLst>
+              <a:ext uri="{FF2B5EF4-FFF2-40B4-BE49-F238E27FC236}">
+                <a16:creationId xmlns:a16="http://schemas.microsoft.com/office/drawing/2014/main" id="{8F6E25D7-E6A2-4728-95F5-5244E45D065B}"/>
               </a:ext>
             </a:extLst>
           </p:cNvPr>
           <p:cNvPicPr>
-            <a:picLocks noChangeAspect="1"/>
+            <a:picLocks noChangeAspect="1" noChangeArrowheads="1"/>
           </p:cNvPicPr>
           <p:nvPr/>
         </p:nvPicPr>
-        <p:blipFill rotWithShape="1">
+        <p:blipFill>
           <a:blip r:embed="rId2">
             <a:extLst>
               <a:ext uri="{28A0092B-C50C-407E-A947-70E740481C1C}">
@@ -3810,17 +3814,29 @@
               </a:ext>
             </a:extLst>
           </a:blip>
-          <a:srcRect l="21456" t="8026" r="36869" b="2395"/>
-          <a:stretch/>
+          <a:srcRect/>
+          <a:stretch>
+            <a:fillRect/>
+          </a:stretch>
         </p:blipFill>
-        <p:spPr>
+        <p:spPr bwMode="auto">
           <a:xfrm>
-            <a:off x="6891292" y="305618"/>
-            <a:ext cx="5080987" cy="6143347"/>
+            <a:off x="8229040" y="0"/>
+            <a:ext cx="5545137" cy="6858000"/>
           </a:xfrm>
           <a:prstGeom prst="rect">
             <a:avLst/>
           </a:prstGeom>
+          <a:noFill/>
+          <a:extLst>
+            <a:ext uri="{909E8E84-426E-40DD-AFC4-6F175D3DCCD1}">
+              <a14:hiddenFill xmlns:a14="http://schemas.microsoft.com/office/drawing/2010/main">
+                <a:solidFill>
+                  <a:srgbClr val="FFFFFF"/>
+                </a:solidFill>
+              </a14:hiddenFill>
+            </a:ext>
+          </a:extLst>
         </p:spPr>
       </p:pic>
       <p:sp>
@@ -3842,8 +3858,11 @@
         <p:spPr>
           <a:xfrm>
             <a:off x="432046" y="305618"/>
-            <a:ext cx="9144000" cy="2387600"/>
+            <a:ext cx="7940429" cy="2387600"/>
           </a:xfrm>
+          <a:ln>
+            <a:noFill/>
+          </a:ln>
         </p:spPr>
         <p:txBody>
           <a:bodyPr>
@@ -3853,7 +3872,17 @@
           <a:p>
             <a:pPr algn="l"/>
             <a:r>
-              <a:rPr lang="en-GB" sz="6600" dirty="0">
+              <a:rPr lang="en-GB" sz="7200" dirty="0">
+                <a:ln w="19050">
+                  <a:solidFill>
+                    <a:schemeClr val="bg1">
+                      <a:alpha val="95000"/>
+                    </a:schemeClr>
+                  </a:solidFill>
+                </a:ln>
+                <a:solidFill>
+                  <a:srgbClr val="0000A1"/>
+                </a:solidFill>
                 <a:latin typeface="Aharoni" panose="02010803020104030203" pitchFamily="2" charset="-79"/>
                 <a:cs typeface="Aharoni" panose="02010803020104030203" pitchFamily="2" charset="-79"/>
               </a:rPr>
@@ -3880,34 +3909,351 @@
         </p:nvSpPr>
         <p:spPr>
           <a:xfrm>
-            <a:off x="432046" y="4896620"/>
-            <a:ext cx="9144000" cy="1655762"/>
+            <a:off x="357105" y="2710585"/>
+            <a:ext cx="9144000" cy="775835"/>
           </a:xfrm>
         </p:spPr>
         <p:txBody>
           <a:bodyPr/>
           <a:lstStyle/>
           <a:p>
-            <a:pPr algn="l"/>
-            <a:r>
-              <a:rPr lang="fr-FR"/>
+            <a:pPr algn="l">
+              <a:spcBef>
+                <a:spcPts val="0"/>
+              </a:spcBef>
+            </a:pPr>
+            <a:r>
+              <a:rPr lang="fr-FR" dirty="0">
+                <a:solidFill>
+                  <a:schemeClr val="tx1">
+                    <a:lumMod val="65000"/>
+                    <a:lumOff val="35000"/>
+                  </a:schemeClr>
+                </a:solidFill>
+              </a:rPr>
               <a:t>Bony Audrey</a:t>
             </a:r>
           </a:p>
           <a:p>
-            <a:pPr algn="l"/>
-            <a:r>
-              <a:rPr lang="fr-FR"/>
-              <a:t>Lagroy de Croutte de Saint Martin Anne-Victoire</a:t>
-            </a:r>
-            <a:endParaRPr lang="fr-FR" dirty="0"/>
+            <a:pPr algn="l">
+              <a:spcBef>
+                <a:spcPts val="0"/>
+              </a:spcBef>
+            </a:pPr>
+            <a:r>
+              <a:rPr lang="fr-FR" dirty="0" err="1">
+                <a:solidFill>
+                  <a:schemeClr val="tx1">
+                    <a:lumMod val="65000"/>
+                    <a:lumOff val="35000"/>
+                  </a:schemeClr>
+                </a:solidFill>
+              </a:rPr>
+              <a:t>Lagroy</a:t>
+            </a:r>
+            <a:r>
+              <a:rPr lang="fr-FR" dirty="0">
+                <a:solidFill>
+                  <a:schemeClr val="tx1">
+                    <a:lumMod val="65000"/>
+                    <a:lumOff val="35000"/>
+                  </a:schemeClr>
+                </a:solidFill>
+              </a:rPr>
+              <a:t> de </a:t>
+            </a:r>
+            <a:r>
+              <a:rPr lang="fr-FR" dirty="0" err="1">
+                <a:solidFill>
+                  <a:schemeClr val="tx1">
+                    <a:lumMod val="65000"/>
+                    <a:lumOff val="35000"/>
+                  </a:schemeClr>
+                </a:solidFill>
+              </a:rPr>
+              <a:t>Croutte</a:t>
+            </a:r>
+            <a:r>
+              <a:rPr lang="fr-FR" dirty="0">
+                <a:solidFill>
+                  <a:schemeClr val="tx1">
+                    <a:lumMod val="65000"/>
+                    <a:lumOff val="35000"/>
+                  </a:schemeClr>
+                </a:solidFill>
+              </a:rPr>
+              <a:t> de Saint Martin Anne-Victoire</a:t>
+            </a:r>
+          </a:p>
+        </p:txBody>
+      </p:sp>
+      <p:pic>
+        <p:nvPicPr>
+          <p:cNvPr id="8" name="Picture 6">
+            <a:extLst>
+              <a:ext uri="{FF2B5EF4-FFF2-40B4-BE49-F238E27FC236}">
+                <a16:creationId xmlns:a16="http://schemas.microsoft.com/office/drawing/2014/main" id="{60929C85-3824-4CE9-BBC5-6D46ACF2DB40}"/>
+              </a:ext>
+            </a:extLst>
+          </p:cNvPr>
+          <p:cNvPicPr>
+            <a:picLocks noChangeAspect="1" noChangeArrowheads="1"/>
+          </p:cNvPicPr>
+          <p:nvPr/>
+        </p:nvPicPr>
+        <p:blipFill>
+          <a:blip r:embed="rId3">
+            <a:extLst>
+              <a:ext uri="{28A0092B-C50C-407E-A947-70E740481C1C}">
+                <a14:useLocalDpi xmlns:a14="http://schemas.microsoft.com/office/drawing/2010/main" val="0"/>
+              </a:ext>
+            </a:extLst>
+          </a:blip>
+          <a:srcRect/>
+          <a:stretch>
+            <a:fillRect/>
+          </a:stretch>
+        </p:blipFill>
+        <p:spPr bwMode="auto">
+          <a:xfrm>
+            <a:off x="3849704" y="6083743"/>
+            <a:ext cx="2819902" cy="681319"/>
+          </a:xfrm>
+          <a:prstGeom prst="rect">
+            <a:avLst/>
+          </a:prstGeom>
+          <a:noFill/>
+          <a:extLst>
+            <a:ext uri="{909E8E84-426E-40DD-AFC4-6F175D3DCCD1}">
+              <a14:hiddenFill xmlns:a14="http://schemas.microsoft.com/office/drawing/2010/main">
+                <a:solidFill>
+                  <a:srgbClr val="FFFFFF"/>
+                </a:solidFill>
+              </a14:hiddenFill>
+            </a:ext>
+          </a:extLst>
+        </p:spPr>
+      </p:pic>
+      <p:pic>
+        <p:nvPicPr>
+          <p:cNvPr id="9" name="Picture 4" descr="MARS Logo - PNG and Vector - Logo Download">
+            <a:extLst>
+              <a:ext uri="{FF2B5EF4-FFF2-40B4-BE49-F238E27FC236}">
+                <a16:creationId xmlns:a16="http://schemas.microsoft.com/office/drawing/2014/main" id="{E4C1C337-716D-4897-9018-9FE8C25BF539}"/>
+              </a:ext>
+            </a:extLst>
+          </p:cNvPr>
+          <p:cNvPicPr>
+            <a:picLocks noChangeAspect="1" noChangeArrowheads="1"/>
+          </p:cNvPicPr>
+          <p:nvPr/>
+        </p:nvPicPr>
+        <p:blipFill>
+          <a:blip r:embed="rId4">
+            <a:extLst>
+              <a:ext uri="{28A0092B-C50C-407E-A947-70E740481C1C}">
+                <a14:useLocalDpi xmlns:a14="http://schemas.microsoft.com/office/drawing/2010/main" val="0"/>
+              </a:ext>
+            </a:extLst>
+          </a:blip>
+          <a:srcRect/>
+          <a:stretch>
+            <a:fillRect/>
+          </a:stretch>
+        </p:blipFill>
+        <p:spPr bwMode="auto">
+          <a:xfrm>
+            <a:off x="6769860" y="6083743"/>
+            <a:ext cx="1990725" cy="571037"/>
+          </a:xfrm>
+          <a:prstGeom prst="rect">
+            <a:avLst/>
+          </a:prstGeom>
+          <a:noFill/>
+          <a:extLst>
+            <a:ext uri="{909E8E84-426E-40DD-AFC4-6F175D3DCCD1}">
+              <a14:hiddenFill xmlns:a14="http://schemas.microsoft.com/office/drawing/2010/main">
+                <a:solidFill>
+                  <a:srgbClr val="FFFFFF"/>
+                </a:solidFill>
+              </a14:hiddenFill>
+            </a:ext>
+          </a:extLst>
+        </p:spPr>
+      </p:pic>
+      <p:sp>
+        <p:nvSpPr>
+          <p:cNvPr id="11" name="ZoneTexte 10">
+            <a:extLst>
+              <a:ext uri="{FF2B5EF4-FFF2-40B4-BE49-F238E27FC236}">
+                <a16:creationId xmlns:a16="http://schemas.microsoft.com/office/drawing/2014/main" id="{CEA6CC3E-09AB-4F72-B9A5-C992F715D8B4}"/>
+              </a:ext>
+            </a:extLst>
+          </p:cNvPr>
+          <p:cNvSpPr txBox="1"/>
+          <p:nvPr/>
+        </p:nvSpPr>
+        <p:spPr>
+          <a:xfrm>
+            <a:off x="2456570" y="4243950"/>
+            <a:ext cx="3891379" cy="400110"/>
+          </a:xfrm>
+          <a:prstGeom prst="rect">
+            <a:avLst/>
+          </a:prstGeom>
+          <a:noFill/>
+        </p:spPr>
+        <p:txBody>
+          <a:bodyPr wrap="square" rtlCol="0">
+            <a:spAutoFit/>
+          </a:bodyPr>
+          <a:lstStyle/>
+          <a:p>
+            <a:pPr algn="ctr"/>
+            <a:r>
+              <a:rPr lang="fr-FR" sz="2000" b="1" dirty="0" err="1">
+                <a:solidFill>
+                  <a:srgbClr val="000074"/>
+                </a:solidFill>
+              </a:rPr>
+              <a:t>February</a:t>
+            </a:r>
+            <a:r>
+              <a:rPr lang="fr-FR" sz="2000" b="1" dirty="0">
+                <a:solidFill>
+                  <a:srgbClr val="000074"/>
+                </a:solidFill>
+              </a:rPr>
+              <a:t> 4th, 2021</a:t>
+            </a:r>
+          </a:p>
+        </p:txBody>
+      </p:sp>
+      <p:sp>
+        <p:nvSpPr>
+          <p:cNvPr id="12" name="ZoneTexte 11">
+            <a:extLst>
+              <a:ext uri="{FF2B5EF4-FFF2-40B4-BE49-F238E27FC236}">
+                <a16:creationId xmlns:a16="http://schemas.microsoft.com/office/drawing/2014/main" id="{F78D8D85-53A8-4A5A-A520-D362C9397012}"/>
+              </a:ext>
+            </a:extLst>
+          </p:cNvPr>
+          <p:cNvSpPr txBox="1"/>
+          <p:nvPr/>
+        </p:nvSpPr>
+        <p:spPr>
+          <a:xfrm>
+            <a:off x="-30168" y="6211669"/>
+            <a:ext cx="3830643" cy="646331"/>
+          </a:xfrm>
+          <a:prstGeom prst="rect">
+            <a:avLst/>
+          </a:prstGeom>
+          <a:noFill/>
+        </p:spPr>
+        <p:txBody>
+          <a:bodyPr wrap="square" rtlCol="0">
+            <a:spAutoFit/>
+          </a:bodyPr>
+          <a:lstStyle/>
+          <a:p>
+            <a:r>
+              <a:rPr lang="fr-FR" b="1" dirty="0" err="1">
+                <a:solidFill>
+                  <a:schemeClr val="tx1">
+                    <a:lumMod val="65000"/>
+                    <a:lumOff val="35000"/>
+                  </a:schemeClr>
+                </a:solidFill>
+              </a:rPr>
+              <a:t>Supervisors</a:t>
+            </a:r>
+            <a:r>
+              <a:rPr lang="fr-FR" b="1" dirty="0">
+                <a:solidFill>
+                  <a:schemeClr val="tx1">
+                    <a:lumMod val="65000"/>
+                    <a:lumOff val="35000"/>
+                  </a:schemeClr>
+                </a:solidFill>
+              </a:rPr>
+              <a:t> : </a:t>
+            </a:r>
+            <a:r>
+              <a:rPr lang="fr-FR" dirty="0">
+                <a:solidFill>
+                  <a:schemeClr val="tx1">
+                    <a:lumMod val="65000"/>
+                    <a:lumOff val="35000"/>
+                  </a:schemeClr>
+                </a:solidFill>
+              </a:rPr>
+              <a:t>Amandine </a:t>
+            </a:r>
+            <a:r>
+              <a:rPr lang="fr-FR" dirty="0" err="1">
+                <a:solidFill>
+                  <a:schemeClr val="tx1">
+                    <a:lumMod val="65000"/>
+                    <a:lumOff val="35000"/>
+                  </a:schemeClr>
+                </a:solidFill>
+              </a:rPr>
+              <a:t>Shmutz</a:t>
+            </a:r>
+            <a:r>
+              <a:rPr lang="fr-FR" dirty="0">
+                <a:solidFill>
+                  <a:schemeClr val="tx1">
+                    <a:lumMod val="65000"/>
+                    <a:lumOff val="35000"/>
+                  </a:schemeClr>
+                </a:solidFill>
+              </a:rPr>
+              <a:t> (Mars) </a:t>
+            </a:r>
+          </a:p>
+          <a:p>
+            <a:r>
+              <a:rPr lang="fr-FR" dirty="0">
+                <a:solidFill>
+                  <a:schemeClr val="tx1">
+                    <a:lumMod val="65000"/>
+                    <a:lumOff val="35000"/>
+                  </a:schemeClr>
+                </a:solidFill>
+              </a:rPr>
+              <a:t>François Husson (</a:t>
+            </a:r>
+            <a:r>
+              <a:rPr lang="fr-FR" dirty="0" err="1">
+                <a:solidFill>
+                  <a:schemeClr val="tx1">
+                    <a:lumMod val="65000"/>
+                    <a:lumOff val="35000"/>
+                  </a:schemeClr>
+                </a:solidFill>
+              </a:rPr>
+              <a:t>Agrocampus</a:t>
+            </a:r>
+            <a:r>
+              <a:rPr lang="fr-FR" dirty="0">
+                <a:solidFill>
+                  <a:schemeClr val="tx1">
+                    <a:lumMod val="65000"/>
+                    <a:lumOff val="35000"/>
+                  </a:schemeClr>
+                </a:solidFill>
+              </a:rPr>
+              <a:t> Ouest)</a:t>
+            </a:r>
           </a:p>
         </p:txBody>
       </p:sp>
     </p:spTree>
     <p:extLst>
       <p:ext uri="{BB962C8B-B14F-4D97-AF65-F5344CB8AC3E}">
-        <p14:creationId xmlns:p14="http://schemas.microsoft.com/office/powerpoint/2010/main" val="2198393549"/>
+        <p14:creationId xmlns:p14="http://schemas.microsoft.com/office/powerpoint/2010/main" val="4010203978"/>
       </p:ext>
     </p:extLst>
   </p:cSld>
@@ -3953,395 +4299,6 @@
         <p:spPr>
           <a:xfrm>
             <a:off x="0" y="0"/>
-            <a:ext cx="10515600" cy="1325563"/>
-          </a:xfrm>
-        </p:spPr>
-        <p:txBody>
-          <a:bodyPr anchor="t"/>
-          <a:lstStyle/>
-          <a:p>
-            <a:r>
-              <a:rPr lang="en-GB" dirty="0">
-                <a:solidFill>
-                  <a:srgbClr val="0000A1"/>
-                </a:solidFill>
-                <a:latin typeface="Abadi" panose="020B0604020104020204" pitchFamily="34" charset="0"/>
-              </a:rPr>
-              <a:t>I- Data – Listening recordings</a:t>
-            </a:r>
-          </a:p>
-        </p:txBody>
-      </p:sp>
-      <p:sp>
-        <p:nvSpPr>
-          <p:cNvPr id="3" name="Espace réservé du contenu 2">
-            <a:extLst>
-              <a:ext uri="{FF2B5EF4-FFF2-40B4-BE49-F238E27FC236}">
-                <a16:creationId xmlns:a16="http://schemas.microsoft.com/office/drawing/2014/main" id="{BBB97862-E0AD-4C75-9C1D-90CFF8A85DC3}"/>
-              </a:ext>
-            </a:extLst>
-          </p:cNvPr>
-          <p:cNvSpPr>
-            <a:spLocks noGrp="1"/>
-          </p:cNvSpPr>
-          <p:nvPr>
-            <p:ph idx="1"/>
-          </p:nvPr>
-        </p:nvSpPr>
-        <p:spPr/>
-        <p:txBody>
-          <a:bodyPr/>
-          <a:lstStyle/>
-          <a:p>
-            <a:endParaRPr lang="fr-FR"/>
-          </a:p>
-        </p:txBody>
-      </p:sp>
-    </p:spTree>
-    <p:extLst>
-      <p:ext uri="{BB962C8B-B14F-4D97-AF65-F5344CB8AC3E}">
-        <p14:creationId xmlns:p14="http://schemas.microsoft.com/office/powerpoint/2010/main" val="2171954784"/>
-      </p:ext>
-    </p:extLst>
-  </p:cSld>
-  <p:clrMapOvr>
-    <a:masterClrMapping/>
-  </p:clrMapOvr>
-</p:sld>
-</file>
-
-<file path=ppt/slides/slide11.xml><?xml version="1.0" encoding="utf-8"?>
-<p:sld xmlns:a="http://schemas.openxmlformats.org/drawingml/2006/main" xmlns:r="http://schemas.openxmlformats.org/officeDocument/2006/relationships" xmlns:p="http://schemas.openxmlformats.org/presentationml/2006/main">
-  <p:cSld>
-    <p:spTree>
-      <p:nvGrpSpPr>
-        <p:cNvPr id="1" name=""/>
-        <p:cNvGrpSpPr/>
-        <p:nvPr/>
-      </p:nvGrpSpPr>
-      <p:grpSpPr>
-        <a:xfrm>
-          <a:off x="0" y="0"/>
-          <a:ext cx="0" cy="0"/>
-          <a:chOff x="0" y="0"/>
-          <a:chExt cx="0" cy="0"/>
-        </a:xfrm>
-      </p:grpSpPr>
-      <p:sp>
-        <p:nvSpPr>
-          <p:cNvPr id="2" name="Titre 1">
-            <a:extLst>
-              <a:ext uri="{FF2B5EF4-FFF2-40B4-BE49-F238E27FC236}">
-                <a16:creationId xmlns:a16="http://schemas.microsoft.com/office/drawing/2014/main" id="{2F801A79-01AC-420E-BF7B-81486485DF2D}"/>
-              </a:ext>
-            </a:extLst>
-          </p:cNvPr>
-          <p:cNvSpPr>
-            <a:spLocks noGrp="1"/>
-          </p:cNvSpPr>
-          <p:nvPr>
-            <p:ph type="title"/>
-          </p:nvPr>
-        </p:nvSpPr>
-        <p:spPr>
-          <a:xfrm>
-            <a:off x="0" y="0"/>
-            <a:ext cx="10515600" cy="1325563"/>
-          </a:xfrm>
-        </p:spPr>
-        <p:txBody>
-          <a:bodyPr/>
-          <a:lstStyle/>
-          <a:p>
-            <a:r>
-              <a:rPr lang="en-GB" dirty="0">
-                <a:solidFill>
-                  <a:srgbClr val="0000A1"/>
-                </a:solidFill>
-                <a:latin typeface="Abadi" panose="020B0604020104020204" pitchFamily="34" charset="0"/>
-              </a:rPr>
-              <a:t>I- Data manipulation – Filtering frequencies</a:t>
-            </a:r>
-          </a:p>
-        </p:txBody>
-      </p:sp>
-      <p:sp>
-        <p:nvSpPr>
-          <p:cNvPr id="3" name="Espace réservé du contenu 2">
-            <a:extLst>
-              <a:ext uri="{FF2B5EF4-FFF2-40B4-BE49-F238E27FC236}">
-                <a16:creationId xmlns:a16="http://schemas.microsoft.com/office/drawing/2014/main" id="{BBB97862-E0AD-4C75-9C1D-90CFF8A85DC3}"/>
-              </a:ext>
-            </a:extLst>
-          </p:cNvPr>
-          <p:cNvSpPr>
-            <a:spLocks noGrp="1"/>
-          </p:cNvSpPr>
-          <p:nvPr>
-            <p:ph idx="1"/>
-          </p:nvPr>
-        </p:nvSpPr>
-        <p:spPr/>
-        <p:txBody>
-          <a:bodyPr/>
-          <a:lstStyle/>
-          <a:p>
-            <a:endParaRPr lang="fr-FR" dirty="0"/>
-          </a:p>
-        </p:txBody>
-      </p:sp>
-    </p:spTree>
-    <p:extLst>
-      <p:ext uri="{BB962C8B-B14F-4D97-AF65-F5344CB8AC3E}">
-        <p14:creationId xmlns:p14="http://schemas.microsoft.com/office/powerpoint/2010/main" val="2149315557"/>
-      </p:ext>
-    </p:extLst>
-  </p:cSld>
-  <p:clrMapOvr>
-    <a:masterClrMapping/>
-  </p:clrMapOvr>
-</p:sld>
-</file>
-
-<file path=ppt/slides/slide12.xml><?xml version="1.0" encoding="utf-8"?>
-<p:sld xmlns:a="http://schemas.openxmlformats.org/drawingml/2006/main" xmlns:r="http://schemas.openxmlformats.org/officeDocument/2006/relationships" xmlns:p="http://schemas.openxmlformats.org/presentationml/2006/main">
-  <p:cSld>
-    <p:spTree>
-      <p:nvGrpSpPr>
-        <p:cNvPr id="1" name=""/>
-        <p:cNvGrpSpPr/>
-        <p:nvPr/>
-      </p:nvGrpSpPr>
-      <p:grpSpPr>
-        <a:xfrm>
-          <a:off x="0" y="0"/>
-          <a:ext cx="0" cy="0"/>
-          <a:chOff x="0" y="0"/>
-          <a:chExt cx="0" cy="0"/>
-        </a:xfrm>
-      </p:grpSpPr>
-      <p:sp>
-        <p:nvSpPr>
-          <p:cNvPr id="2" name="Titre 1">
-            <a:extLst>
-              <a:ext uri="{FF2B5EF4-FFF2-40B4-BE49-F238E27FC236}">
-                <a16:creationId xmlns:a16="http://schemas.microsoft.com/office/drawing/2014/main" id="{2F801A79-01AC-420E-BF7B-81486485DF2D}"/>
-              </a:ext>
-            </a:extLst>
-          </p:cNvPr>
-          <p:cNvSpPr>
-            <a:spLocks noGrp="1"/>
-          </p:cNvSpPr>
-          <p:nvPr>
-            <p:ph type="title"/>
-          </p:nvPr>
-        </p:nvSpPr>
-        <p:spPr>
-          <a:xfrm>
-            <a:off x="0" y="0"/>
-            <a:ext cx="10515600" cy="1325563"/>
-          </a:xfrm>
-        </p:spPr>
-        <p:txBody>
-          <a:bodyPr anchor="t"/>
-          <a:lstStyle/>
-          <a:p>
-            <a:r>
-              <a:rPr lang="en-GB" dirty="0">
-                <a:solidFill>
-                  <a:srgbClr val="0000A1"/>
-                </a:solidFill>
-                <a:latin typeface="Abadi" panose="020B0604020104020204" pitchFamily="34" charset="0"/>
-              </a:rPr>
-              <a:t>I- Data manipulation – Filtering frequencies</a:t>
-            </a:r>
-          </a:p>
-        </p:txBody>
-      </p:sp>
-      <p:sp>
-        <p:nvSpPr>
-          <p:cNvPr id="3" name="Espace réservé du contenu 2">
-            <a:extLst>
-              <a:ext uri="{FF2B5EF4-FFF2-40B4-BE49-F238E27FC236}">
-                <a16:creationId xmlns:a16="http://schemas.microsoft.com/office/drawing/2014/main" id="{BBB97862-E0AD-4C75-9C1D-90CFF8A85DC3}"/>
-              </a:ext>
-            </a:extLst>
-          </p:cNvPr>
-          <p:cNvSpPr>
-            <a:spLocks noGrp="1"/>
-          </p:cNvSpPr>
-          <p:nvPr>
-            <p:ph idx="1"/>
-          </p:nvPr>
-        </p:nvSpPr>
-        <p:spPr/>
-        <p:txBody>
-          <a:bodyPr/>
-          <a:lstStyle/>
-          <a:p>
-            <a:endParaRPr lang="fr-FR" dirty="0"/>
-          </a:p>
-        </p:txBody>
-      </p:sp>
-    </p:spTree>
-    <p:extLst>
-      <p:ext uri="{BB962C8B-B14F-4D97-AF65-F5344CB8AC3E}">
-        <p14:creationId xmlns:p14="http://schemas.microsoft.com/office/powerpoint/2010/main" val="2544158827"/>
-      </p:ext>
-    </p:extLst>
-  </p:cSld>
-  <p:clrMapOvr>
-    <a:masterClrMapping/>
-  </p:clrMapOvr>
-</p:sld>
-</file>
-
-<file path=ppt/slides/slide13.xml><?xml version="1.0" encoding="utf-8"?>
-<p:sld xmlns:a="http://schemas.openxmlformats.org/drawingml/2006/main" xmlns:r="http://schemas.openxmlformats.org/officeDocument/2006/relationships" xmlns:p="http://schemas.openxmlformats.org/presentationml/2006/main">
-  <p:cSld>
-    <p:spTree>
-      <p:nvGrpSpPr>
-        <p:cNvPr id="1" name=""/>
-        <p:cNvGrpSpPr/>
-        <p:nvPr/>
-      </p:nvGrpSpPr>
-      <p:grpSpPr>
-        <a:xfrm>
-          <a:off x="0" y="0"/>
-          <a:ext cx="0" cy="0"/>
-          <a:chOff x="0" y="0"/>
-          <a:chExt cx="0" cy="0"/>
-        </a:xfrm>
-      </p:grpSpPr>
-      <p:sp>
-        <p:nvSpPr>
-          <p:cNvPr id="2" name="Titre 1">
-            <a:extLst>
-              <a:ext uri="{FF2B5EF4-FFF2-40B4-BE49-F238E27FC236}">
-                <a16:creationId xmlns:a16="http://schemas.microsoft.com/office/drawing/2014/main" id="{2F801A79-01AC-420E-BF7B-81486485DF2D}"/>
-              </a:ext>
-            </a:extLst>
-          </p:cNvPr>
-          <p:cNvSpPr>
-            <a:spLocks noGrp="1"/>
-          </p:cNvSpPr>
-          <p:nvPr>
-            <p:ph type="title"/>
-          </p:nvPr>
-        </p:nvSpPr>
-        <p:spPr>
-          <a:xfrm>
-            <a:off x="0" y="0"/>
-            <a:ext cx="12192000" cy="1325563"/>
-          </a:xfrm>
-        </p:spPr>
-        <p:txBody>
-          <a:bodyPr anchor="t"/>
-          <a:lstStyle/>
-          <a:p>
-            <a:r>
-              <a:rPr lang="en-GB" dirty="0">
-                <a:solidFill>
-                  <a:srgbClr val="0000A1"/>
-                </a:solidFill>
-                <a:latin typeface="Abadi" panose="020B0604020104020204" pitchFamily="34" charset="0"/>
-              </a:rPr>
-              <a:t>II- Creation of a new data set</a:t>
-            </a:r>
-            <a:br>
-              <a:rPr lang="en-GB" dirty="0">
-                <a:solidFill>
-                  <a:srgbClr val="0000A1"/>
-                </a:solidFill>
-                <a:latin typeface="Abadi" panose="020B0604020104020204" pitchFamily="34" charset="0"/>
-              </a:rPr>
-            </a:br>
-            <a:r>
-              <a:rPr lang="en-GB" dirty="0">
-                <a:solidFill>
-                  <a:srgbClr val="0000A1"/>
-                </a:solidFill>
-                <a:latin typeface="Abadi" panose="020B0604020104020204" pitchFamily="34" charset="0"/>
-              </a:rPr>
-              <a:t>	a. Methodology</a:t>
-            </a:r>
-          </a:p>
-        </p:txBody>
-      </p:sp>
-      <p:sp>
-        <p:nvSpPr>
-          <p:cNvPr id="3" name="Espace réservé du contenu 2">
-            <a:extLst>
-              <a:ext uri="{FF2B5EF4-FFF2-40B4-BE49-F238E27FC236}">
-                <a16:creationId xmlns:a16="http://schemas.microsoft.com/office/drawing/2014/main" id="{BBB97862-E0AD-4C75-9C1D-90CFF8A85DC3}"/>
-              </a:ext>
-            </a:extLst>
-          </p:cNvPr>
-          <p:cNvSpPr>
-            <a:spLocks noGrp="1"/>
-          </p:cNvSpPr>
-          <p:nvPr>
-            <p:ph idx="1"/>
-          </p:nvPr>
-        </p:nvSpPr>
-        <p:spPr/>
-        <p:txBody>
-          <a:bodyPr/>
-          <a:lstStyle/>
-          <a:p>
-            <a:endParaRPr lang="fr-FR" dirty="0"/>
-          </a:p>
-        </p:txBody>
-      </p:sp>
-    </p:spTree>
-    <p:extLst>
-      <p:ext uri="{BB962C8B-B14F-4D97-AF65-F5344CB8AC3E}">
-        <p14:creationId xmlns:p14="http://schemas.microsoft.com/office/powerpoint/2010/main" val="3084680117"/>
-      </p:ext>
-    </p:extLst>
-  </p:cSld>
-  <p:clrMapOvr>
-    <a:masterClrMapping/>
-  </p:clrMapOvr>
-</p:sld>
-</file>
-
-<file path=ppt/slides/slide14.xml><?xml version="1.0" encoding="utf-8"?>
-<p:sld xmlns:a="http://schemas.openxmlformats.org/drawingml/2006/main" xmlns:r="http://schemas.openxmlformats.org/officeDocument/2006/relationships" xmlns:p="http://schemas.openxmlformats.org/presentationml/2006/main">
-  <p:cSld>
-    <p:spTree>
-      <p:nvGrpSpPr>
-        <p:cNvPr id="1" name=""/>
-        <p:cNvGrpSpPr/>
-        <p:nvPr/>
-      </p:nvGrpSpPr>
-      <p:grpSpPr>
-        <a:xfrm>
-          <a:off x="0" y="0"/>
-          <a:ext cx="0" cy="0"/>
-          <a:chOff x="0" y="0"/>
-          <a:chExt cx="0" cy="0"/>
-        </a:xfrm>
-      </p:grpSpPr>
-      <p:sp>
-        <p:nvSpPr>
-          <p:cNvPr id="2" name="Titre 1">
-            <a:extLst>
-              <a:ext uri="{FF2B5EF4-FFF2-40B4-BE49-F238E27FC236}">
-                <a16:creationId xmlns:a16="http://schemas.microsoft.com/office/drawing/2014/main" id="{2F801A79-01AC-420E-BF7B-81486485DF2D}"/>
-              </a:ext>
-            </a:extLst>
-          </p:cNvPr>
-          <p:cNvSpPr>
-            <a:spLocks noGrp="1"/>
-          </p:cNvSpPr>
-          <p:nvPr>
-            <p:ph type="title"/>
-          </p:nvPr>
-        </p:nvSpPr>
-        <p:spPr>
-          <a:xfrm>
-            <a:off x="0" y="0"/>
             <a:ext cx="12192000" cy="1325563"/>
           </a:xfrm>
         </p:spPr>
@@ -4417,1187 +4374,6 @@
 </file>
 
 <file path=ppt/slides/slide2.xml><?xml version="1.0" encoding="utf-8"?>
-<p:sld xmlns:a="http://schemas.openxmlformats.org/drawingml/2006/main" xmlns:r="http://schemas.openxmlformats.org/officeDocument/2006/relationships" xmlns:p="http://schemas.openxmlformats.org/presentationml/2006/main">
-  <p:cSld>
-    <p:bg>
-      <p:bgPr>
-        <a:solidFill>
-          <a:schemeClr val="bg1"/>
-        </a:solidFill>
-        <a:effectLst/>
-      </p:bgPr>
-    </p:bg>
-    <p:spTree>
-      <p:nvGrpSpPr>
-        <p:cNvPr id="1" name=""/>
-        <p:cNvGrpSpPr/>
-        <p:nvPr/>
-      </p:nvGrpSpPr>
-      <p:grpSpPr>
-        <a:xfrm>
-          <a:off x="0" y="0"/>
-          <a:ext cx="0" cy="0"/>
-          <a:chOff x="0" y="0"/>
-          <a:chExt cx="0" cy="0"/>
-        </a:xfrm>
-      </p:grpSpPr>
-      <p:sp useBgFill="1">
-        <p:nvSpPr>
-          <p:cNvPr id="10" name="Rectangle 9">
-            <a:extLst>
-              <a:ext uri="{FF2B5EF4-FFF2-40B4-BE49-F238E27FC236}">
-                <a16:creationId xmlns:a16="http://schemas.microsoft.com/office/drawing/2014/main" id="{526E0BFB-CDF1-4990-8C11-AC849311E0A8}"/>
-              </a:ext>
-              <a:ext uri="{C183D7F6-B498-43B3-948B-1728B52AA6E4}">
-                <adec:decorative xmlns:adec="http://schemas.microsoft.com/office/drawing/2017/decorative" val="1"/>
-              </a:ext>
-            </a:extLst>
-          </p:cNvPr>
-          <p:cNvSpPr>
-            <a:spLocks noGrp="1" noRot="1" noChangeAspect="1" noMove="1" noResize="1" noEditPoints="1" noAdjustHandles="1" noChangeArrowheads="1" noChangeShapeType="1" noTextEdit="1"/>
-          </p:cNvSpPr>
-          <p:nvPr>
-            <p:extLst>
-              <p:ext uri="{386F3935-93C4-4BCD-93E2-E3B085C9AB24}">
-                <p16:designElem xmlns:p16="http://schemas.microsoft.com/office/powerpoint/2015/main" val="1"/>
-              </p:ext>
-            </p:extLst>
-          </p:nvPr>
-        </p:nvSpPr>
-        <p:spPr>
-          <a:xfrm>
-            <a:off x="0" y="0"/>
-            <a:ext cx="12192000" cy="6858000"/>
-          </a:xfrm>
-          <a:prstGeom prst="rect">
-            <a:avLst/>
-          </a:prstGeom>
-          <a:ln>
-            <a:noFill/>
-          </a:ln>
-        </p:spPr>
-        <p:style>
-          <a:lnRef idx="2">
-            <a:schemeClr val="accent1">
-              <a:shade val="50000"/>
-            </a:schemeClr>
-          </a:lnRef>
-          <a:fillRef idx="1">
-            <a:schemeClr val="accent1"/>
-          </a:fillRef>
-          <a:effectRef idx="0">
-            <a:schemeClr val="accent1"/>
-          </a:effectRef>
-          <a:fontRef idx="minor">
-            <a:schemeClr val="lt1"/>
-          </a:fontRef>
-        </p:style>
-        <p:txBody>
-          <a:bodyPr rtlCol="0" anchor="ctr"/>
-          <a:lstStyle/>
-          <a:p>
-            <a:pPr algn="ctr"/>
-            <a:endParaRPr lang="en-US"/>
-          </a:p>
-        </p:txBody>
-      </p:sp>
-      <p:pic>
-        <p:nvPicPr>
-          <p:cNvPr id="5" name="Image 4" descr="Une image contenant chat, mur, intérieur, assis&#10;&#10;Description générée automatiquement">
-            <a:extLst>
-              <a:ext uri="{FF2B5EF4-FFF2-40B4-BE49-F238E27FC236}">
-                <a16:creationId xmlns:a16="http://schemas.microsoft.com/office/drawing/2014/main" id="{37F0C857-D3C8-4874-99FA-2C5E41E89DEF}"/>
-              </a:ext>
-            </a:extLst>
-          </p:cNvPr>
-          <p:cNvPicPr>
-            <a:picLocks noChangeAspect="1"/>
-          </p:cNvPicPr>
-          <p:nvPr/>
-        </p:nvPicPr>
-        <p:blipFill rotWithShape="1">
-          <a:blip r:embed="rId2">
-            <a:extLst>
-              <a:ext uri="{28A0092B-C50C-407E-A947-70E740481C1C}">
-                <a14:useLocalDpi xmlns:a14="http://schemas.microsoft.com/office/drawing/2010/main" val="0"/>
-              </a:ext>
-            </a:extLst>
-          </a:blip>
-          <a:srcRect l="21460" t="9091" r="13904"/>
-          <a:stretch/>
-        </p:blipFill>
-        <p:spPr>
-          <a:xfrm>
-            <a:off x="-2" y="10"/>
-            <a:ext cx="8668512" cy="6857990"/>
-          </a:xfrm>
-          <a:prstGeom prst="rect">
-            <a:avLst/>
-          </a:prstGeom>
-        </p:spPr>
-      </p:pic>
-      <p:sp>
-        <p:nvSpPr>
-          <p:cNvPr id="12" name="Rectangle 11">
-            <a:extLst>
-              <a:ext uri="{FF2B5EF4-FFF2-40B4-BE49-F238E27FC236}">
-                <a16:creationId xmlns:a16="http://schemas.microsoft.com/office/drawing/2014/main" id="{6069A1F8-9BEB-4786-9694-FC48B2D75D21}"/>
-              </a:ext>
-              <a:ext uri="{C183D7F6-B498-43B3-948B-1728B52AA6E4}">
-                <adec:decorative xmlns:adec="http://schemas.microsoft.com/office/drawing/2017/decorative" val="1"/>
-              </a:ext>
-            </a:extLst>
-          </p:cNvPr>
-          <p:cNvSpPr>
-            <a:spLocks noGrp="1" noRot="1" noChangeAspect="1" noMove="1" noResize="1" noEditPoints="1" noAdjustHandles="1" noChangeArrowheads="1" noChangeShapeType="1" noTextEdit="1"/>
-          </p:cNvSpPr>
-          <p:nvPr>
-            <p:extLst>
-              <p:ext uri="{386F3935-93C4-4BCD-93E2-E3B085C9AB24}">
-                <p16:designElem xmlns:p16="http://schemas.microsoft.com/office/powerpoint/2015/main" val="1"/>
-              </p:ext>
-            </p:extLst>
-          </p:nvPr>
-        </p:nvSpPr>
-        <p:spPr>
-          <a:xfrm flipH="1">
-            <a:off x="2788244" y="0"/>
-            <a:ext cx="9403756" cy="6858000"/>
-          </a:xfrm>
-          <a:prstGeom prst="rect">
-            <a:avLst/>
-          </a:prstGeom>
-          <a:gradFill>
-            <a:gsLst>
-              <a:gs pos="58000">
-                <a:schemeClr val="bg1"/>
-              </a:gs>
-              <a:gs pos="30000">
-                <a:schemeClr val="bg1">
-                  <a:alpha val="64000"/>
-                </a:schemeClr>
-              </a:gs>
-              <a:gs pos="0">
-                <a:schemeClr val="bg1">
-                  <a:alpha val="0"/>
-                </a:schemeClr>
-              </a:gs>
-              <a:gs pos="100000">
-                <a:schemeClr val="bg1"/>
-              </a:gs>
-            </a:gsLst>
-            <a:lin ang="10800000" scaled="0"/>
-          </a:gradFill>
-          <a:ln>
-            <a:noFill/>
-          </a:ln>
-        </p:spPr>
-        <p:style>
-          <a:lnRef idx="2">
-            <a:schemeClr val="accent1">
-              <a:shade val="50000"/>
-            </a:schemeClr>
-          </a:lnRef>
-          <a:fillRef idx="1">
-            <a:schemeClr val="accent1"/>
-          </a:fillRef>
-          <a:effectRef idx="0">
-            <a:schemeClr val="accent1"/>
-          </a:effectRef>
-          <a:fontRef idx="minor">
-            <a:schemeClr val="lt1"/>
-          </a:fontRef>
-        </p:style>
-        <p:txBody>
-          <a:bodyPr rtlCol="0" anchor="ctr"/>
-          <a:lstStyle/>
-          <a:p>
-            <a:pPr algn="ctr"/>
-            <a:endParaRPr lang="en-US" dirty="0"/>
-          </a:p>
-        </p:txBody>
-      </p:sp>
-      <p:sp>
-        <p:nvSpPr>
-          <p:cNvPr id="2" name="Titre 1">
-            <a:extLst>
-              <a:ext uri="{FF2B5EF4-FFF2-40B4-BE49-F238E27FC236}">
-                <a16:creationId xmlns:a16="http://schemas.microsoft.com/office/drawing/2014/main" id="{DC8C58AC-C03E-42CF-9389-0267E62615A9}"/>
-              </a:ext>
-            </a:extLst>
-          </p:cNvPr>
-          <p:cNvSpPr>
-            <a:spLocks noGrp="1"/>
-          </p:cNvSpPr>
-          <p:nvPr>
-            <p:ph type="ctrTitle"/>
-          </p:nvPr>
-        </p:nvSpPr>
-        <p:spPr>
-          <a:xfrm>
-            <a:off x="7848600" y="1122363"/>
-            <a:ext cx="4023360" cy="3204134"/>
-          </a:xfrm>
-        </p:spPr>
-        <p:txBody>
-          <a:bodyPr anchor="b">
-            <a:normAutofit/>
-          </a:bodyPr>
-          <a:lstStyle/>
-          <a:p>
-            <a:pPr algn="l"/>
-            <a:r>
-              <a:rPr lang="en-GB" sz="4800" dirty="0">
-                <a:latin typeface="Aharoni" panose="02010803020104030203" pitchFamily="2" charset="-79"/>
-                <a:cs typeface="Aharoni" panose="02010803020104030203" pitchFamily="2" charset="-79"/>
-              </a:rPr>
-              <a:t>Cats acoustic data Project</a:t>
-            </a:r>
-          </a:p>
-        </p:txBody>
-      </p:sp>
-      <p:sp>
-        <p:nvSpPr>
-          <p:cNvPr id="3" name="Sous-titre 2">
-            <a:extLst>
-              <a:ext uri="{FF2B5EF4-FFF2-40B4-BE49-F238E27FC236}">
-                <a16:creationId xmlns:a16="http://schemas.microsoft.com/office/drawing/2014/main" id="{181BC457-8950-4EB8-AC30-F82B7E8D27AA}"/>
-              </a:ext>
-            </a:extLst>
-          </p:cNvPr>
-          <p:cNvSpPr>
-            <a:spLocks noGrp="1"/>
-          </p:cNvSpPr>
-          <p:nvPr>
-            <p:ph type="subTitle" idx="1"/>
-          </p:nvPr>
-        </p:nvSpPr>
-        <p:spPr>
-          <a:xfrm>
-            <a:off x="7848600" y="4872922"/>
-            <a:ext cx="4023360" cy="1208141"/>
-          </a:xfrm>
-        </p:spPr>
-        <p:txBody>
-          <a:bodyPr>
-            <a:normAutofit/>
-          </a:bodyPr>
-          <a:lstStyle/>
-          <a:p>
-            <a:pPr algn="l"/>
-            <a:r>
-              <a:rPr lang="fr-FR" sz="2000" dirty="0"/>
-              <a:t>Bony Audrey</a:t>
-            </a:r>
-          </a:p>
-          <a:p>
-            <a:pPr algn="l"/>
-            <a:r>
-              <a:rPr lang="fr-FR" sz="2000" dirty="0" err="1"/>
-              <a:t>Lagroy</a:t>
-            </a:r>
-            <a:r>
-              <a:rPr lang="fr-FR" sz="2000" dirty="0"/>
-              <a:t> de </a:t>
-            </a:r>
-            <a:r>
-              <a:rPr lang="fr-FR" sz="2000" dirty="0" err="1"/>
-              <a:t>Croutte</a:t>
-            </a:r>
-            <a:r>
-              <a:rPr lang="fr-FR" sz="2000" dirty="0"/>
-              <a:t> de Saint Martin Anne-Victoire</a:t>
-            </a:r>
-          </a:p>
-        </p:txBody>
-      </p:sp>
-      <p:sp>
-        <p:nvSpPr>
-          <p:cNvPr id="14" name="Rectangle 13">
-            <a:extLst>
-              <a:ext uri="{FF2B5EF4-FFF2-40B4-BE49-F238E27FC236}">
-                <a16:creationId xmlns:a16="http://schemas.microsoft.com/office/drawing/2014/main" id="{AF2F604E-43BE-4DC3-B983-E071523364F8}"/>
-              </a:ext>
-              <a:ext uri="{C183D7F6-B498-43B3-948B-1728B52AA6E4}">
-                <adec:decorative xmlns:adec="http://schemas.microsoft.com/office/drawing/2017/decorative" val="1"/>
-              </a:ext>
-            </a:extLst>
-          </p:cNvPr>
-          <p:cNvSpPr>
-            <a:spLocks noGrp="1" noRot="1" noChangeAspect="1" noMove="1" noResize="1" noEditPoints="1" noAdjustHandles="1" noChangeArrowheads="1" noChangeShapeType="1" noTextEdit="1"/>
-          </p:cNvSpPr>
-          <p:nvPr>
-            <p:extLst>
-              <p:ext uri="{386F3935-93C4-4BCD-93E2-E3B085C9AB24}">
-                <p16:designElem xmlns:p16="http://schemas.microsoft.com/office/powerpoint/2015/main" val="1"/>
-              </p:ext>
-            </p:extLst>
-          </p:nvPr>
-        </p:nvSpPr>
-        <p:spPr>
-          <a:xfrm rot="5400000">
-            <a:off x="8130540" y="346791"/>
-            <a:ext cx="146304" cy="704088"/>
-          </a:xfrm>
-          <a:prstGeom prst="rect">
-            <a:avLst/>
-          </a:prstGeom>
-          <a:solidFill>
-            <a:schemeClr val="accent2"/>
-          </a:solidFill>
-          <a:ln>
-            <a:noFill/>
-          </a:ln>
-        </p:spPr>
-        <p:style>
-          <a:lnRef idx="2">
-            <a:schemeClr val="accent1">
-              <a:shade val="50000"/>
-            </a:schemeClr>
-          </a:lnRef>
-          <a:fillRef idx="1">
-            <a:schemeClr val="accent1"/>
-          </a:fillRef>
-          <a:effectRef idx="0">
-            <a:schemeClr val="accent1"/>
-          </a:effectRef>
-          <a:fontRef idx="minor">
-            <a:schemeClr val="lt1"/>
-          </a:fontRef>
-        </p:style>
-        <p:txBody>
-          <a:bodyPr rtlCol="0" anchor="ctr"/>
-          <a:lstStyle/>
-          <a:p>
-            <a:pPr algn="ctr"/>
-            <a:endParaRPr lang="en-US">
-              <a:solidFill>
-                <a:prstClr val="white"/>
-              </a:solidFill>
-              <a:latin typeface="Calibri" panose="020F0502020204030204"/>
-            </a:endParaRPr>
-          </a:p>
-        </p:txBody>
-      </p:sp>
-      <p:sp>
-        <p:nvSpPr>
-          <p:cNvPr id="16" name="Rectangle 15">
-            <a:extLst>
-              <a:ext uri="{FF2B5EF4-FFF2-40B4-BE49-F238E27FC236}">
-                <a16:creationId xmlns:a16="http://schemas.microsoft.com/office/drawing/2014/main" id="{08C9B587-E65E-4B52-B37C-ABEBB6E87928}"/>
-              </a:ext>
-              <a:ext uri="{C183D7F6-B498-43B3-948B-1728B52AA6E4}">
-                <adec:decorative xmlns:adec="http://schemas.microsoft.com/office/drawing/2017/decorative" val="1"/>
-              </a:ext>
-            </a:extLst>
-          </p:cNvPr>
-          <p:cNvSpPr>
-            <a:spLocks noGrp="1" noRot="1" noChangeAspect="1" noMove="1" noResize="1" noEditPoints="1" noAdjustHandles="1" noChangeArrowheads="1" noChangeShapeType="1" noTextEdit="1"/>
-          </p:cNvSpPr>
-          <p:nvPr>
-            <p:extLst>
-              <p:ext uri="{386F3935-93C4-4BCD-93E2-E3B085C9AB24}">
-                <p16:designElem xmlns:p16="http://schemas.microsoft.com/office/powerpoint/2015/main" val="1"/>
-              </p:ext>
-            </p:extLst>
-          </p:nvPr>
-        </p:nvSpPr>
-        <p:spPr>
-          <a:xfrm>
-            <a:off x="7851648" y="4546920"/>
-            <a:ext cx="4023360" cy="18288"/>
-          </a:xfrm>
-          <a:prstGeom prst="rect">
-            <a:avLst/>
-          </a:prstGeom>
-          <a:solidFill>
-            <a:schemeClr val="tx1"/>
-          </a:solidFill>
-          <a:ln w="3175">
-            <a:noFill/>
-          </a:ln>
-          <a:effectLst/>
-        </p:spPr>
-        <p:style>
-          <a:lnRef idx="2">
-            <a:schemeClr val="accent1">
-              <a:shade val="50000"/>
-            </a:schemeClr>
-          </a:lnRef>
-          <a:fillRef idx="1">
-            <a:schemeClr val="accent1"/>
-          </a:fillRef>
-          <a:effectRef idx="0">
-            <a:schemeClr val="accent1"/>
-          </a:effectRef>
-          <a:fontRef idx="minor">
-            <a:schemeClr val="lt1"/>
-          </a:fontRef>
-        </p:style>
-        <p:txBody>
-          <a:bodyPr rtlCol="0" anchor="ctr"/>
-          <a:lstStyle/>
-          <a:p>
-            <a:pPr marL="0" marR="0" lvl="0" indent="0" algn="ctr" defTabSz="914400" rtl="0" eaLnBrk="1" fontAlgn="auto" latinLnBrk="0" hangingPunct="1">
-              <a:lnSpc>
-                <a:spcPct val="100000"/>
-              </a:lnSpc>
-              <a:spcBef>
-                <a:spcPts val="0"/>
-              </a:spcBef>
-              <a:spcAft>
-                <a:spcPts val="0"/>
-              </a:spcAft>
-              <a:buClrTx/>
-              <a:buSzTx/>
-              <a:buFontTx/>
-              <a:buNone/>
-              <a:tabLst/>
-              <a:defRPr/>
-            </a:pPr>
-            <a:endParaRPr kumimoji="0" lang="en-US" sz="1800" b="0" i="0" u="none" strike="noStrike" kern="1200" cap="none" spc="0" normalizeH="0" baseline="0" noProof="0">
-              <a:ln>
-                <a:noFill/>
-              </a:ln>
-              <a:solidFill>
-                <a:prstClr val="white"/>
-              </a:solidFill>
-              <a:effectLst/>
-              <a:uLnTx/>
-              <a:uFillTx/>
-              <a:latin typeface="Calibri" panose="020F0502020204030204"/>
-              <a:ea typeface="+mn-ea"/>
-              <a:cs typeface="+mn-cs"/>
-            </a:endParaRPr>
-          </a:p>
-        </p:txBody>
-      </p:sp>
-    </p:spTree>
-    <p:extLst>
-      <p:ext uri="{BB962C8B-B14F-4D97-AF65-F5344CB8AC3E}">
-        <p14:creationId xmlns:p14="http://schemas.microsoft.com/office/powerpoint/2010/main" val="3395777586"/>
-      </p:ext>
-    </p:extLst>
-  </p:cSld>
-  <p:clrMapOvr>
-    <a:overrideClrMapping bg1="dk1" tx1="lt1" bg2="dk2" tx2="lt2" accent1="accent1" accent2="accent2" accent3="accent3" accent4="accent4" accent5="accent5" accent6="accent6" hlink="hlink" folHlink="folHlink"/>
-  </p:clrMapOvr>
-  <p:timing>
-    <p:tnLst>
-      <p:par>
-        <p:cTn id="1" dur="indefinite" restart="never" nodeType="tmRoot">
-          <p:childTnLst>
-            <p:seq concurrent="1" nextAc="seek">
-              <p:cTn id="2" dur="indefinite" nodeType="mainSeq">
-                <p:childTnLst>
-                  <p:par>
-                    <p:cTn id="3" fill="hold">
-                      <p:stCondLst>
-                        <p:cond delay="indefinite"/>
-                        <p:cond evt="onBegin" delay="0">
-                          <p:tn val="2"/>
-                        </p:cond>
-                      </p:stCondLst>
-                      <p:childTnLst>
-                        <p:par>
-                          <p:cTn id="4" fill="hold">
-                            <p:stCondLst>
-                              <p:cond delay="0"/>
-                            </p:stCondLst>
-                            <p:childTnLst>
-                              <p:par>
-                                <p:cTn id="5" presetID="10" presetClass="entr" presetSubtype="0" fill="hold" grpId="0" nodeType="withEffect">
-                                  <p:stCondLst>
-                                    <p:cond delay="1000"/>
-                                  </p:stCondLst>
-                                  <p:iterate>
-                                    <p:tmPct val="10000"/>
-                                  </p:iterate>
-                                  <p:childTnLst>
-                                    <p:set>
-                                      <p:cBhvr>
-                                        <p:cTn id="6" dur="1" fill="hold">
-                                          <p:stCondLst>
-                                            <p:cond delay="0"/>
-                                          </p:stCondLst>
-                                        </p:cTn>
-                                        <p:tgtEl>
-                                          <p:spTgt spid="2"/>
-                                        </p:tgtEl>
-                                        <p:attrNameLst>
-                                          <p:attrName>style.visibility</p:attrName>
-                                        </p:attrNameLst>
-                                      </p:cBhvr>
-                                      <p:to>
-                                        <p:strVal val="visible"/>
-                                      </p:to>
-                                    </p:set>
-                                    <p:animEffect transition="in" filter="fade">
-                                      <p:cBhvr>
-                                        <p:cTn id="7" dur="700"/>
-                                        <p:tgtEl>
-                                          <p:spTgt spid="2"/>
-                                        </p:tgtEl>
-                                      </p:cBhvr>
-                                    </p:animEffect>
-                                  </p:childTnLst>
-                                </p:cTn>
-                              </p:par>
-                            </p:childTnLst>
-                          </p:cTn>
-                        </p:par>
-                      </p:childTnLst>
-                    </p:cTn>
-                  </p:par>
-                </p:childTnLst>
-              </p:cTn>
-              <p:prevCondLst>
-                <p:cond evt="onPrev" delay="0">
-                  <p:tgtEl>
-                    <p:sldTgt/>
-                  </p:tgtEl>
-                </p:cond>
-              </p:prevCondLst>
-              <p:nextCondLst>
-                <p:cond evt="onNext" delay="0">
-                  <p:tgtEl>
-                    <p:sldTgt/>
-                  </p:tgtEl>
-                </p:cond>
-              </p:nextCondLst>
-            </p:seq>
-          </p:childTnLst>
-        </p:cTn>
-      </p:par>
-    </p:tnLst>
-    <p:bldLst>
-      <p:bldP spid="2" grpId="0"/>
-    </p:bldLst>
-  </p:timing>
-</p:sld>
-</file>
-
-<file path=ppt/slides/slide3.xml><?xml version="1.0" encoding="utf-8"?>
-<p:sld xmlns:a="http://schemas.openxmlformats.org/drawingml/2006/main" xmlns:r="http://schemas.openxmlformats.org/officeDocument/2006/relationships" xmlns:p="http://schemas.openxmlformats.org/presentationml/2006/main">
-  <p:cSld>
-    <p:spTree>
-      <p:nvGrpSpPr>
-        <p:cNvPr id="1" name=""/>
-        <p:cNvGrpSpPr/>
-        <p:nvPr/>
-      </p:nvGrpSpPr>
-      <p:grpSpPr>
-        <a:xfrm>
-          <a:off x="0" y="0"/>
-          <a:ext cx="0" cy="0"/>
-          <a:chOff x="0" y="0"/>
-          <a:chExt cx="0" cy="0"/>
-        </a:xfrm>
-      </p:grpSpPr>
-      <p:sp>
-        <p:nvSpPr>
-          <p:cNvPr id="2" name="Titre 1">
-            <a:extLst>
-              <a:ext uri="{FF2B5EF4-FFF2-40B4-BE49-F238E27FC236}">
-                <a16:creationId xmlns:a16="http://schemas.microsoft.com/office/drawing/2014/main" id="{DC8C58AC-C03E-42CF-9389-0267E62615A9}"/>
-              </a:ext>
-            </a:extLst>
-          </p:cNvPr>
-          <p:cNvSpPr>
-            <a:spLocks noGrp="1"/>
-          </p:cNvSpPr>
-          <p:nvPr>
-            <p:ph type="ctrTitle"/>
-          </p:nvPr>
-        </p:nvSpPr>
-        <p:spPr>
-          <a:xfrm>
-            <a:off x="432046" y="305618"/>
-            <a:ext cx="9144000" cy="2387600"/>
-          </a:xfrm>
-        </p:spPr>
-        <p:txBody>
-          <a:bodyPr>
-            <a:normAutofit/>
-          </a:bodyPr>
-          <a:lstStyle/>
-          <a:p>
-            <a:pPr algn="l"/>
-            <a:r>
-              <a:rPr lang="en-GB" sz="6600">
-                <a:latin typeface="Aharoni" panose="02010803020104030203" pitchFamily="2" charset="-79"/>
-                <a:cs typeface="Aharoni" panose="02010803020104030203" pitchFamily="2" charset="-79"/>
-              </a:rPr>
-              <a:t>Cats acoustic data Project</a:t>
-            </a:r>
-            <a:endParaRPr lang="en-GB" sz="6600" dirty="0">
-              <a:latin typeface="Aharoni" panose="02010803020104030203" pitchFamily="2" charset="-79"/>
-              <a:cs typeface="Aharoni" panose="02010803020104030203" pitchFamily="2" charset="-79"/>
-            </a:endParaRPr>
-          </a:p>
-        </p:txBody>
-      </p:sp>
-      <p:sp>
-        <p:nvSpPr>
-          <p:cNvPr id="3" name="Sous-titre 2">
-            <a:extLst>
-              <a:ext uri="{FF2B5EF4-FFF2-40B4-BE49-F238E27FC236}">
-                <a16:creationId xmlns:a16="http://schemas.microsoft.com/office/drawing/2014/main" id="{181BC457-8950-4EB8-AC30-F82B7E8D27AA}"/>
-              </a:ext>
-            </a:extLst>
-          </p:cNvPr>
-          <p:cNvSpPr>
-            <a:spLocks noGrp="1"/>
-          </p:cNvSpPr>
-          <p:nvPr>
-            <p:ph type="subTitle" idx="1"/>
-          </p:nvPr>
-        </p:nvSpPr>
-        <p:spPr>
-          <a:xfrm>
-            <a:off x="432046" y="4896620"/>
-            <a:ext cx="9144000" cy="1655762"/>
-          </a:xfrm>
-        </p:spPr>
-        <p:txBody>
-          <a:bodyPr/>
-          <a:lstStyle/>
-          <a:p>
-            <a:pPr algn="l"/>
-            <a:r>
-              <a:rPr lang="fr-FR"/>
-              <a:t>Bony Audrey</a:t>
-            </a:r>
-          </a:p>
-          <a:p>
-            <a:pPr algn="l"/>
-            <a:r>
-              <a:rPr lang="fr-FR"/>
-              <a:t>Lagroy de Croutte de Saint Martin Anne-Victoire</a:t>
-            </a:r>
-            <a:endParaRPr lang="fr-FR" dirty="0"/>
-          </a:p>
-        </p:txBody>
-      </p:sp>
-      <p:pic>
-        <p:nvPicPr>
-          <p:cNvPr id="5" name="Image 4" descr="Une image contenant chat, mur, intérieur, assis&#10;&#10;Description générée automatiquement">
-            <a:extLst>
-              <a:ext uri="{FF2B5EF4-FFF2-40B4-BE49-F238E27FC236}">
-                <a16:creationId xmlns:a16="http://schemas.microsoft.com/office/drawing/2014/main" id="{37F0C857-D3C8-4874-99FA-2C5E41E89DEF}"/>
-              </a:ext>
-            </a:extLst>
-          </p:cNvPr>
-          <p:cNvPicPr>
-            <a:picLocks noChangeAspect="1"/>
-          </p:cNvPicPr>
-          <p:nvPr/>
-        </p:nvPicPr>
-        <p:blipFill rotWithShape="1">
-          <a:blip r:embed="rId2">
-            <a:extLst>
-              <a:ext uri="{BEBA8EAE-BF5A-486C-A8C5-ECC9F3942E4B}">
-                <a14:imgProps xmlns:a14="http://schemas.microsoft.com/office/drawing/2010/main">
-                  <a14:imgLayer r:embed="rId3">
-                    <a14:imgEffect>
-                      <a14:backgroundRemoval t="10889" b="56222" l="31500" r="59938">
-                        <a14:foregroundMark x1="42438" y1="13667" x2="46313" y2="16222"/>
-                        <a14:foregroundMark x1="46313" y1="16222" x2="42875" y2="12778"/>
-                        <a14:foregroundMark x1="42875" y1="12778" x2="42688" y2="12444"/>
-                        <a14:foregroundMark x1="45938" y1="10889" x2="46000" y2="11000"/>
-                        <a14:foregroundMark x1="37188" y1="40000" x2="33438" y2="43000"/>
-                        <a14:foregroundMark x1="33438" y1="43000" x2="30938" y2="48444"/>
-                        <a14:foregroundMark x1="30938" y1="48444" x2="31250" y2="55556"/>
-                        <a14:foregroundMark x1="31250" y1="55556" x2="35375" y2="58556"/>
-                        <a14:foregroundMark x1="35375" y1="58556" x2="48313" y2="59556"/>
-                        <a14:foregroundMark x1="48313" y1="59556" x2="50370" y2="57790"/>
-                        <a14:foregroundMark x1="51612" y1="48839" x2="44813" y2="45222"/>
-                        <a14:foregroundMark x1="44813" y1="45222" x2="41813" y2="39667"/>
-                        <a14:foregroundMark x1="41813" y1="39667" x2="37625" y2="39889"/>
-                        <a14:foregroundMark x1="37625" y1="39889" x2="37438" y2="40111"/>
-                        <a14:foregroundMark x1="39313" y1="39333" x2="42938" y2="44556"/>
-                        <a14:foregroundMark x1="42938" y1="44556" x2="43188" y2="51778"/>
-                        <a14:foregroundMark x1="43188" y1="51778" x2="35250" y2="55222"/>
-                        <a14:foregroundMark x1="35250" y1="55222" x2="32875" y2="49222"/>
-                        <a14:foregroundMark x1="32875" y1="49222" x2="34563" y2="42556"/>
-                        <a14:foregroundMark x1="34563" y1="42556" x2="39125" y2="39000"/>
-                        <a14:foregroundMark x1="31813" y1="47222" x2="31813" y2="54444"/>
-                        <a14:foregroundMark x1="31813" y1="54444" x2="35875" y2="57889"/>
-                        <a14:foregroundMark x1="35875" y1="57889" x2="44500" y2="57444"/>
-                        <a14:foregroundMark x1="44500" y1="57444" x2="48563" y2="57556"/>
-                        <a14:foregroundMark x1="48563" y1="57556" x2="45625" y2="50667"/>
-                        <a14:foregroundMark x1="45625" y1="50667" x2="32500" y2="46667"/>
-                        <a14:foregroundMark x1="32500" y1="46667" x2="31500" y2="47556"/>
-                        <a14:foregroundMark x1="47375" y1="17333" x2="51188" y2="18889"/>
-                        <a14:foregroundMark x1="51188" y1="18889" x2="47625" y2="17444"/>
-                        <a14:backgroundMark x1="52812" y1="43444" x2="53000" y2="51222"/>
-                        <a14:backgroundMark x1="53000" y1="51222" x2="57125" y2="53444"/>
-                        <a14:backgroundMark x1="57125" y1="53444" x2="56063" y2="46000"/>
-                        <a14:backgroundMark x1="56063" y1="46000" x2="52438" y2="43889"/>
-                        <a14:backgroundMark x1="51188" y1="57889" x2="51125" y2="58222"/>
-                        <a14:backgroundMark x1="52063" y1="50444" x2="52000" y2="57444"/>
-                        <a14:backgroundMark x1="52000" y1="57444" x2="52312" y2="50444"/>
-                        <a14:backgroundMark x1="52312" y1="50444" x2="52250" y2="50333"/>
-                      </a14:backgroundRemoval>
-                    </a14:imgEffect>
-                  </a14:imgLayer>
-                </a14:imgProps>
-              </a:ext>
-              <a:ext uri="{28A0092B-C50C-407E-A947-70E740481C1C}">
-                <a14:useLocalDpi xmlns:a14="http://schemas.microsoft.com/office/drawing/2010/main" val="0"/>
-              </a:ext>
-            </a:extLst>
-          </a:blip>
-          <a:srcRect l="31383" t="8026" r="36869" b="41618"/>
-          <a:stretch/>
-        </p:blipFill>
-        <p:spPr>
-          <a:xfrm>
-            <a:off x="7640713" y="867233"/>
-            <a:ext cx="3870665" cy="3453413"/>
-          </a:xfrm>
-          <a:prstGeom prst="rect">
-            <a:avLst/>
-          </a:prstGeom>
-        </p:spPr>
-      </p:pic>
-    </p:spTree>
-    <p:extLst>
-      <p:ext uri="{BB962C8B-B14F-4D97-AF65-F5344CB8AC3E}">
-        <p14:creationId xmlns:p14="http://schemas.microsoft.com/office/powerpoint/2010/main" val="718337954"/>
-      </p:ext>
-    </p:extLst>
-  </p:cSld>
-  <p:clrMapOvr>
-    <a:masterClrMapping/>
-  </p:clrMapOvr>
-</p:sld>
-</file>
-
-<file path=ppt/slides/slide4.xml><?xml version="1.0" encoding="utf-8"?>
-<p:sld xmlns:a="http://schemas.openxmlformats.org/drawingml/2006/main" xmlns:r="http://schemas.openxmlformats.org/officeDocument/2006/relationships" xmlns:p="http://schemas.openxmlformats.org/presentationml/2006/main">
-  <p:cSld>
-    <p:bg>
-      <p:bgPr>
-        <a:solidFill>
-          <a:schemeClr val="bg1"/>
-        </a:solidFill>
-        <a:effectLst/>
-      </p:bgPr>
-    </p:bg>
-    <p:spTree>
-      <p:nvGrpSpPr>
-        <p:cNvPr id="1" name=""/>
-        <p:cNvGrpSpPr/>
-        <p:nvPr/>
-      </p:nvGrpSpPr>
-      <p:grpSpPr>
-        <a:xfrm>
-          <a:off x="0" y="0"/>
-          <a:ext cx="0" cy="0"/>
-          <a:chOff x="0" y="0"/>
-          <a:chExt cx="0" cy="0"/>
-        </a:xfrm>
-      </p:grpSpPr>
-      <p:pic>
-        <p:nvPicPr>
-          <p:cNvPr id="5" name="Image 4" descr="Une image contenant chat, mur, intérieur, assis&#10;&#10;Description générée automatiquement">
-            <a:extLst>
-              <a:ext uri="{FF2B5EF4-FFF2-40B4-BE49-F238E27FC236}">
-                <a16:creationId xmlns:a16="http://schemas.microsoft.com/office/drawing/2014/main" id="{37F0C857-D3C8-4874-99FA-2C5E41E89DEF}"/>
-              </a:ext>
-            </a:extLst>
-          </p:cNvPr>
-          <p:cNvPicPr>
-            <a:picLocks noChangeAspect="1"/>
-          </p:cNvPicPr>
-          <p:nvPr/>
-        </p:nvPicPr>
-        <p:blipFill rotWithShape="1">
-          <a:blip r:embed="rId2">
-            <a:extLst>
-              <a:ext uri="{28A0092B-C50C-407E-A947-70E740481C1C}">
-                <a14:useLocalDpi xmlns:a14="http://schemas.microsoft.com/office/drawing/2010/main" val="0"/>
-              </a:ext>
-            </a:extLst>
-          </a:blip>
-          <a:srcRect l="32315" t="8026" r="36869" b="41666"/>
-          <a:stretch/>
-        </p:blipFill>
-        <p:spPr>
-          <a:xfrm>
-            <a:off x="7032259" y="714653"/>
-            <a:ext cx="3757012" cy="3450130"/>
-          </a:xfrm>
-          <a:prstGeom prst="rect">
-            <a:avLst/>
-          </a:prstGeom>
-          <a:ln w="254000">
-            <a:solidFill>
-              <a:schemeClr val="accent4"/>
-            </a:solidFill>
-          </a:ln>
-        </p:spPr>
-      </p:pic>
-      <p:sp>
-        <p:nvSpPr>
-          <p:cNvPr id="2" name="Titre 1">
-            <a:extLst>
-              <a:ext uri="{FF2B5EF4-FFF2-40B4-BE49-F238E27FC236}">
-                <a16:creationId xmlns:a16="http://schemas.microsoft.com/office/drawing/2014/main" id="{DC8C58AC-C03E-42CF-9389-0267E62615A9}"/>
-              </a:ext>
-            </a:extLst>
-          </p:cNvPr>
-          <p:cNvSpPr>
-            <a:spLocks noGrp="1"/>
-          </p:cNvSpPr>
-          <p:nvPr>
-            <p:ph type="ctrTitle"/>
-          </p:nvPr>
-        </p:nvSpPr>
-        <p:spPr>
-          <a:xfrm>
-            <a:off x="432046" y="305618"/>
-            <a:ext cx="9144000" cy="2387600"/>
-          </a:xfrm>
-        </p:spPr>
-        <p:txBody>
-          <a:bodyPr>
-            <a:normAutofit/>
-          </a:bodyPr>
-          <a:lstStyle/>
-          <a:p>
-            <a:pPr algn="l"/>
-            <a:r>
-              <a:rPr lang="en-GB" sz="6600" dirty="0">
-                <a:solidFill>
-                  <a:srgbClr val="0000A1"/>
-                </a:solidFill>
-                <a:latin typeface="Aharoni" panose="02010803020104030203" pitchFamily="2" charset="-79"/>
-                <a:cs typeface="Aharoni" panose="02010803020104030203" pitchFamily="2" charset="-79"/>
-              </a:rPr>
-              <a:t>Cats acoustic data Project</a:t>
-            </a:r>
-          </a:p>
-        </p:txBody>
-      </p:sp>
-      <p:sp>
-        <p:nvSpPr>
-          <p:cNvPr id="3" name="Sous-titre 2">
-            <a:extLst>
-              <a:ext uri="{FF2B5EF4-FFF2-40B4-BE49-F238E27FC236}">
-                <a16:creationId xmlns:a16="http://schemas.microsoft.com/office/drawing/2014/main" id="{181BC457-8950-4EB8-AC30-F82B7E8D27AA}"/>
-              </a:ext>
-            </a:extLst>
-          </p:cNvPr>
-          <p:cNvSpPr>
-            <a:spLocks noGrp="1"/>
-          </p:cNvSpPr>
-          <p:nvPr>
-            <p:ph type="subTitle" idx="1"/>
-          </p:nvPr>
-        </p:nvSpPr>
-        <p:spPr>
-          <a:xfrm>
-            <a:off x="432046" y="2693218"/>
-            <a:ext cx="6262862" cy="989860"/>
-          </a:xfrm>
-        </p:spPr>
-        <p:txBody>
-          <a:bodyPr anchor="b"/>
-          <a:lstStyle/>
-          <a:p>
-            <a:pPr algn="l">
-              <a:lnSpc>
-                <a:spcPct val="100000"/>
-              </a:lnSpc>
-            </a:pPr>
-            <a:r>
-              <a:rPr lang="fr-FR" dirty="0">
-                <a:latin typeface="+mj-lt"/>
-              </a:rPr>
-              <a:t>Bony Audrey</a:t>
-            </a:r>
-          </a:p>
-          <a:p>
-            <a:pPr algn="l">
-              <a:lnSpc>
-                <a:spcPct val="100000"/>
-              </a:lnSpc>
-            </a:pPr>
-            <a:r>
-              <a:rPr lang="fr-FR" dirty="0" err="1">
-                <a:latin typeface="+mj-lt"/>
-              </a:rPr>
-              <a:t>Lagroy</a:t>
-            </a:r>
-            <a:r>
-              <a:rPr lang="fr-FR" dirty="0">
-                <a:latin typeface="+mj-lt"/>
-              </a:rPr>
-              <a:t> de </a:t>
-            </a:r>
-            <a:r>
-              <a:rPr lang="fr-FR" dirty="0" err="1">
-                <a:latin typeface="+mj-lt"/>
-              </a:rPr>
-              <a:t>Croutte</a:t>
-            </a:r>
-            <a:r>
-              <a:rPr lang="fr-FR" dirty="0">
-                <a:latin typeface="+mj-lt"/>
-              </a:rPr>
-              <a:t> de Saint Martin Anne-Victoire</a:t>
-            </a:r>
-          </a:p>
-        </p:txBody>
-      </p:sp>
-      <p:pic>
-        <p:nvPicPr>
-          <p:cNvPr id="1030" name="Picture 6">
-            <a:extLst>
-              <a:ext uri="{FF2B5EF4-FFF2-40B4-BE49-F238E27FC236}">
-                <a16:creationId xmlns:a16="http://schemas.microsoft.com/office/drawing/2014/main" id="{D25A97D6-D4BA-4104-B996-73EB0BC0203E}"/>
-              </a:ext>
-            </a:extLst>
-          </p:cNvPr>
-          <p:cNvPicPr>
-            <a:picLocks noChangeAspect="1" noChangeArrowheads="1"/>
-          </p:cNvPicPr>
-          <p:nvPr/>
-        </p:nvPicPr>
-        <p:blipFill>
-          <a:blip r:embed="rId3">
-            <a:extLst>
-              <a:ext uri="{28A0092B-C50C-407E-A947-70E740481C1C}">
-                <a14:useLocalDpi xmlns:a14="http://schemas.microsoft.com/office/drawing/2010/main" val="0"/>
-              </a:ext>
-            </a:extLst>
-          </a:blip>
-          <a:srcRect/>
-          <a:stretch>
-            <a:fillRect/>
-          </a:stretch>
-        </p:blipFill>
-        <p:spPr bwMode="auto">
-          <a:xfrm>
-            <a:off x="6596604" y="6082165"/>
-            <a:ext cx="3211093" cy="775835"/>
-          </a:xfrm>
-          <a:prstGeom prst="rect">
-            <a:avLst/>
-          </a:prstGeom>
-          <a:noFill/>
-          <a:extLst>
-            <a:ext uri="{909E8E84-426E-40DD-AFC4-6F175D3DCCD1}">
-              <a14:hiddenFill xmlns:a14="http://schemas.microsoft.com/office/drawing/2010/main">
-                <a:solidFill>
-                  <a:srgbClr val="FFFFFF"/>
-                </a:solidFill>
-              </a14:hiddenFill>
-            </a:ext>
-          </a:extLst>
-        </p:spPr>
-      </p:pic>
-      <p:sp>
-        <p:nvSpPr>
-          <p:cNvPr id="4" name="ZoneTexte 3">
-            <a:extLst>
-              <a:ext uri="{FF2B5EF4-FFF2-40B4-BE49-F238E27FC236}">
-                <a16:creationId xmlns:a16="http://schemas.microsoft.com/office/drawing/2014/main" id="{DA31D1C0-5BB4-49AE-9148-AE5D21F971E4}"/>
-              </a:ext>
-            </a:extLst>
-          </p:cNvPr>
-          <p:cNvSpPr txBox="1"/>
-          <p:nvPr/>
-        </p:nvSpPr>
-        <p:spPr>
-          <a:xfrm>
-            <a:off x="0" y="6458858"/>
-            <a:ext cx="3891379" cy="369332"/>
-          </a:xfrm>
-          <a:prstGeom prst="rect">
-            <a:avLst/>
-          </a:prstGeom>
-          <a:noFill/>
-        </p:spPr>
-        <p:txBody>
-          <a:bodyPr wrap="square" rtlCol="0">
-            <a:spAutoFit/>
-          </a:bodyPr>
-          <a:lstStyle/>
-          <a:p>
-            <a:r>
-              <a:rPr lang="fr-FR" dirty="0" err="1"/>
-              <a:t>February</a:t>
-            </a:r>
-            <a:r>
-              <a:rPr lang="fr-FR" dirty="0"/>
-              <a:t> 4th, 2021</a:t>
-            </a:r>
-          </a:p>
-        </p:txBody>
-      </p:sp>
-      <p:sp>
-        <p:nvSpPr>
-          <p:cNvPr id="6" name="ZoneTexte 5">
-            <a:extLst>
-              <a:ext uri="{FF2B5EF4-FFF2-40B4-BE49-F238E27FC236}">
-                <a16:creationId xmlns:a16="http://schemas.microsoft.com/office/drawing/2014/main" id="{4C6E4F91-ED38-48DF-9B56-5A7B05C48E3B}"/>
-              </a:ext>
-            </a:extLst>
-          </p:cNvPr>
-          <p:cNvSpPr txBox="1"/>
-          <p:nvPr/>
-        </p:nvSpPr>
-        <p:spPr>
-          <a:xfrm>
-            <a:off x="0" y="6098403"/>
-            <a:ext cx="5052472" cy="369332"/>
-          </a:xfrm>
-          <a:prstGeom prst="rect">
-            <a:avLst/>
-          </a:prstGeom>
-          <a:noFill/>
-        </p:spPr>
-        <p:txBody>
-          <a:bodyPr wrap="square" rtlCol="0">
-            <a:spAutoFit/>
-          </a:bodyPr>
-          <a:lstStyle/>
-          <a:p>
-            <a:r>
-              <a:rPr lang="fr-FR" dirty="0" err="1"/>
-              <a:t>Master’s</a:t>
-            </a:r>
-            <a:r>
-              <a:rPr lang="fr-FR" dirty="0"/>
-              <a:t> Data Science for </a:t>
-            </a:r>
-            <a:r>
-              <a:rPr lang="fr-FR" dirty="0" err="1"/>
-              <a:t>Biology</a:t>
-            </a:r>
-            <a:endParaRPr lang="fr-FR" dirty="0"/>
-          </a:p>
-        </p:txBody>
-      </p:sp>
-      <p:sp>
-        <p:nvSpPr>
-          <p:cNvPr id="7" name="ZoneTexte 6">
-            <a:extLst>
-              <a:ext uri="{FF2B5EF4-FFF2-40B4-BE49-F238E27FC236}">
-                <a16:creationId xmlns:a16="http://schemas.microsoft.com/office/drawing/2014/main" id="{87BA2C9F-7A7B-4A77-8904-D4EF7DA9AD44}"/>
-              </a:ext>
-            </a:extLst>
-          </p:cNvPr>
-          <p:cNvSpPr txBox="1"/>
-          <p:nvPr/>
-        </p:nvSpPr>
-        <p:spPr>
-          <a:xfrm>
-            <a:off x="0" y="5516836"/>
-            <a:ext cx="5210175" cy="646331"/>
-          </a:xfrm>
-          <a:prstGeom prst="rect">
-            <a:avLst/>
-          </a:prstGeom>
-          <a:noFill/>
-        </p:spPr>
-        <p:txBody>
-          <a:bodyPr wrap="square" rtlCol="0">
-            <a:spAutoFit/>
-          </a:bodyPr>
-          <a:lstStyle/>
-          <a:p>
-            <a:r>
-              <a:rPr lang="fr-FR" dirty="0" err="1"/>
-              <a:t>Supervisors</a:t>
-            </a:r>
-            <a:r>
-              <a:rPr lang="fr-FR" dirty="0"/>
-              <a:t> : Amandine </a:t>
-            </a:r>
-            <a:r>
-              <a:rPr lang="fr-FR" dirty="0" err="1"/>
-              <a:t>Shmutz</a:t>
-            </a:r>
-            <a:r>
-              <a:rPr lang="fr-FR" dirty="0"/>
-              <a:t> (Mars), François Husson (</a:t>
-            </a:r>
-            <a:r>
-              <a:rPr lang="fr-FR" dirty="0" err="1"/>
-              <a:t>Agrocampus</a:t>
-            </a:r>
-            <a:r>
-              <a:rPr lang="fr-FR" dirty="0"/>
-              <a:t> Ouest)</a:t>
-            </a:r>
-          </a:p>
-        </p:txBody>
-      </p:sp>
-      <p:pic>
-        <p:nvPicPr>
-          <p:cNvPr id="11" name="Picture 4" descr="MARS Logo - PNG and Vector - Logo Download">
-            <a:extLst>
-              <a:ext uri="{FF2B5EF4-FFF2-40B4-BE49-F238E27FC236}">
-                <a16:creationId xmlns:a16="http://schemas.microsoft.com/office/drawing/2014/main" id="{9053A4F7-FD3C-44F2-AD99-0515010E6E8D}"/>
-              </a:ext>
-            </a:extLst>
-          </p:cNvPr>
-          <p:cNvPicPr>
-            <a:picLocks noChangeAspect="1" noChangeArrowheads="1"/>
-          </p:cNvPicPr>
-          <p:nvPr/>
-        </p:nvPicPr>
-        <p:blipFill>
-          <a:blip r:embed="rId4">
-            <a:extLst>
-              <a:ext uri="{28A0092B-C50C-407E-A947-70E740481C1C}">
-                <a14:useLocalDpi xmlns:a14="http://schemas.microsoft.com/office/drawing/2010/main" val="0"/>
-              </a:ext>
-            </a:extLst>
-          </a:blip>
-          <a:srcRect/>
-          <a:stretch>
-            <a:fillRect/>
-          </a:stretch>
-        </p:blipFill>
-        <p:spPr bwMode="auto">
-          <a:xfrm>
-            <a:off x="10039349" y="6182217"/>
-            <a:ext cx="1990725" cy="571037"/>
-          </a:xfrm>
-          <a:prstGeom prst="rect">
-            <a:avLst/>
-          </a:prstGeom>
-          <a:noFill/>
-          <a:extLst>
-            <a:ext uri="{909E8E84-426E-40DD-AFC4-6F175D3DCCD1}">
-              <a14:hiddenFill xmlns:a14="http://schemas.microsoft.com/office/drawing/2010/main">
-                <a:solidFill>
-                  <a:srgbClr val="FFFFFF"/>
-                </a:solidFill>
-              </a14:hiddenFill>
-            </a:ext>
-          </a:extLst>
-        </p:spPr>
-      </p:pic>
-    </p:spTree>
-    <p:extLst>
-      <p:ext uri="{BB962C8B-B14F-4D97-AF65-F5344CB8AC3E}">
-        <p14:creationId xmlns:p14="http://schemas.microsoft.com/office/powerpoint/2010/main" val="1932105235"/>
-      </p:ext>
-    </p:extLst>
-  </p:cSld>
-  <p:clrMapOvr>
-    <a:masterClrMapping/>
-  </p:clrMapOvr>
-</p:sld>
-</file>
-
-<file path=ppt/slides/slide5.xml><?xml version="1.0" encoding="utf-8"?>
 <p:sld xmlns:a="http://schemas.openxmlformats.org/drawingml/2006/main" xmlns:r="http://schemas.openxmlformats.org/officeDocument/2006/relationships" xmlns:p="http://schemas.openxmlformats.org/presentationml/2006/main">
   <p:cSld>
     <p:bg>
@@ -5651,7 +4427,7 @@
         </p:blipFill>
         <p:spPr bwMode="auto">
           <a:xfrm>
-            <a:off x="8229040" y="0"/>
+            <a:off x="0" y="57420"/>
             <a:ext cx="5545137" cy="6858000"/>
           </a:xfrm>
           <a:prstGeom prst="rect">
@@ -5687,7 +4463,7 @@
         </p:nvSpPr>
         <p:spPr>
           <a:xfrm>
-            <a:off x="432046" y="305618"/>
+            <a:off x="3722001" y="305618"/>
             <a:ext cx="7940429" cy="2387600"/>
           </a:xfrm>
           <a:ln>
@@ -5739,7 +4515,7 @@
         </p:nvSpPr>
         <p:spPr>
           <a:xfrm>
-            <a:off x="357105" y="2710585"/>
+            <a:off x="3647060" y="2710585"/>
             <a:ext cx="9144000" cy="775835"/>
           </a:xfrm>
         </p:spPr>
@@ -5846,8 +4622,8 @@
         </p:blipFill>
         <p:spPr bwMode="auto">
           <a:xfrm>
-            <a:off x="3849704" y="6083743"/>
-            <a:ext cx="2819902" cy="681319"/>
+            <a:off x="7679404" y="6134120"/>
+            <a:ext cx="2408691" cy="581966"/>
           </a:xfrm>
           <a:prstGeom prst="rect">
             <a:avLst/>
@@ -5893,7 +4669,7 @@
         </p:blipFill>
         <p:spPr bwMode="auto">
           <a:xfrm>
-            <a:off x="6769860" y="6083743"/>
+            <a:off x="10088095" y="6139585"/>
             <a:ext cx="1990725" cy="571037"/>
           </a:xfrm>
           <a:prstGeom prst="rect">
@@ -5925,7 +4701,7 @@
         </p:nvSpPr>
         <p:spPr>
           <a:xfrm>
-            <a:off x="2456570" y="4243950"/>
+            <a:off x="5746525" y="4243950"/>
             <a:ext cx="3891379" cy="400110"/>
           </a:xfrm>
           <a:prstGeom prst="rect">
@@ -5973,7 +4749,7 @@
         </p:nvSpPr>
         <p:spPr>
           <a:xfrm>
-            <a:off x="-30168" y="6211669"/>
+            <a:off x="3985972" y="6286456"/>
             <a:ext cx="3830643" cy="646331"/>
           </a:xfrm>
           <a:prstGeom prst="rect">
@@ -6083,7 +4859,7 @@
     </p:spTree>
     <p:extLst>
       <p:ext uri="{BB962C8B-B14F-4D97-AF65-F5344CB8AC3E}">
-        <p14:creationId xmlns:p14="http://schemas.microsoft.com/office/powerpoint/2010/main" val="4010203978"/>
+        <p14:creationId xmlns:p14="http://schemas.microsoft.com/office/powerpoint/2010/main" val="420260622"/>
       </p:ext>
     </p:extLst>
   </p:cSld>
@@ -6093,7 +4869,7 @@
 </p:sld>
 </file>
 
-<file path=ppt/slides/slide6.xml><?xml version="1.0" encoding="utf-8"?>
+<file path=ppt/slides/slide3.xml><?xml version="1.0" encoding="utf-8"?>
 <p:sld xmlns:a="http://schemas.openxmlformats.org/drawingml/2006/main" xmlns:r="http://schemas.openxmlformats.org/officeDocument/2006/relationships" xmlns:p="http://schemas.openxmlformats.org/presentationml/2006/main">
   <p:cSld>
     <p:bg>
@@ -6132,7 +4908,7 @@
           </p:cNvPicPr>
           <p:nvPr/>
         </p:nvPicPr>
-        <p:blipFill>
+        <p:blipFill rotWithShape="1">
           <a:blip r:embed="rId2">
             <a:extLst>
               <a:ext uri="{28A0092B-C50C-407E-A947-70E740481C1C}">
@@ -6140,509 +4916,13 @@
               </a:ext>
             </a:extLst>
           </a:blip>
-          <a:srcRect/>
-          <a:stretch>
-            <a:fillRect/>
-          </a:stretch>
-        </p:blipFill>
-        <p:spPr bwMode="auto">
-          <a:xfrm>
-            <a:off x="0" y="57420"/>
-            <a:ext cx="5545137" cy="6858000"/>
-          </a:xfrm>
-          <a:prstGeom prst="rect">
-            <a:avLst/>
-          </a:prstGeom>
-          <a:noFill/>
-          <a:extLst>
-            <a:ext uri="{909E8E84-426E-40DD-AFC4-6F175D3DCCD1}">
-              <a14:hiddenFill xmlns:a14="http://schemas.microsoft.com/office/drawing/2010/main">
-                <a:solidFill>
-                  <a:srgbClr val="FFFFFF"/>
-                </a:solidFill>
-              </a14:hiddenFill>
-            </a:ext>
-          </a:extLst>
-        </p:spPr>
-      </p:pic>
-      <p:sp>
-        <p:nvSpPr>
-          <p:cNvPr id="2" name="Titre 1">
-            <a:extLst>
-              <a:ext uri="{FF2B5EF4-FFF2-40B4-BE49-F238E27FC236}">
-                <a16:creationId xmlns:a16="http://schemas.microsoft.com/office/drawing/2014/main" id="{DC8C58AC-C03E-42CF-9389-0267E62615A9}"/>
-              </a:ext>
-            </a:extLst>
-          </p:cNvPr>
-          <p:cNvSpPr>
-            <a:spLocks noGrp="1"/>
-          </p:cNvSpPr>
-          <p:nvPr>
-            <p:ph type="ctrTitle"/>
-          </p:nvPr>
-        </p:nvSpPr>
-        <p:spPr>
-          <a:xfrm>
-            <a:off x="3722001" y="305618"/>
-            <a:ext cx="7940429" cy="2387600"/>
-          </a:xfrm>
-          <a:ln>
-            <a:noFill/>
-          </a:ln>
-        </p:spPr>
-        <p:txBody>
-          <a:bodyPr>
-            <a:normAutofit/>
-          </a:bodyPr>
-          <a:lstStyle/>
-          <a:p>
-            <a:pPr algn="l"/>
-            <a:r>
-              <a:rPr lang="en-GB" sz="7200" dirty="0">
-                <a:ln w="19050">
-                  <a:solidFill>
-                    <a:schemeClr val="bg1">
-                      <a:alpha val="95000"/>
-                    </a:schemeClr>
-                  </a:solidFill>
-                </a:ln>
-                <a:solidFill>
-                  <a:srgbClr val="0000A1"/>
-                </a:solidFill>
-                <a:latin typeface="Aharoni" panose="02010803020104030203" pitchFamily="2" charset="-79"/>
-                <a:cs typeface="Aharoni" panose="02010803020104030203" pitchFamily="2" charset="-79"/>
-              </a:rPr>
-              <a:t>Cats acoustic data Project</a:t>
-            </a:r>
-          </a:p>
-        </p:txBody>
-      </p:sp>
-      <p:sp>
-        <p:nvSpPr>
-          <p:cNvPr id="3" name="Sous-titre 2">
-            <a:extLst>
-              <a:ext uri="{FF2B5EF4-FFF2-40B4-BE49-F238E27FC236}">
-                <a16:creationId xmlns:a16="http://schemas.microsoft.com/office/drawing/2014/main" id="{181BC457-8950-4EB8-AC30-F82B7E8D27AA}"/>
-              </a:ext>
-            </a:extLst>
-          </p:cNvPr>
-          <p:cNvSpPr>
-            <a:spLocks noGrp="1"/>
-          </p:cNvSpPr>
-          <p:nvPr>
-            <p:ph type="subTitle" idx="1"/>
-          </p:nvPr>
-        </p:nvSpPr>
-        <p:spPr>
-          <a:xfrm>
-            <a:off x="3647060" y="2710585"/>
-            <a:ext cx="9144000" cy="775835"/>
-          </a:xfrm>
-        </p:spPr>
-        <p:txBody>
-          <a:bodyPr/>
-          <a:lstStyle/>
-          <a:p>
-            <a:pPr algn="l">
-              <a:spcBef>
-                <a:spcPts val="0"/>
-              </a:spcBef>
-            </a:pPr>
-            <a:r>
-              <a:rPr lang="fr-FR" dirty="0">
-                <a:solidFill>
-                  <a:schemeClr val="tx1">
-                    <a:lumMod val="65000"/>
-                    <a:lumOff val="35000"/>
-                  </a:schemeClr>
-                </a:solidFill>
-              </a:rPr>
-              <a:t>Bony Audrey</a:t>
-            </a:r>
-          </a:p>
-          <a:p>
-            <a:pPr algn="l">
-              <a:spcBef>
-                <a:spcPts val="0"/>
-              </a:spcBef>
-            </a:pPr>
-            <a:r>
-              <a:rPr lang="fr-FR" dirty="0" err="1">
-                <a:solidFill>
-                  <a:schemeClr val="tx1">
-                    <a:lumMod val="65000"/>
-                    <a:lumOff val="35000"/>
-                  </a:schemeClr>
-                </a:solidFill>
-              </a:rPr>
-              <a:t>Lagroy</a:t>
-            </a:r>
-            <a:r>
-              <a:rPr lang="fr-FR" dirty="0">
-                <a:solidFill>
-                  <a:schemeClr val="tx1">
-                    <a:lumMod val="65000"/>
-                    <a:lumOff val="35000"/>
-                  </a:schemeClr>
-                </a:solidFill>
-              </a:rPr>
-              <a:t> de </a:t>
-            </a:r>
-            <a:r>
-              <a:rPr lang="fr-FR" dirty="0" err="1">
-                <a:solidFill>
-                  <a:schemeClr val="tx1">
-                    <a:lumMod val="65000"/>
-                    <a:lumOff val="35000"/>
-                  </a:schemeClr>
-                </a:solidFill>
-              </a:rPr>
-              <a:t>Croutte</a:t>
-            </a:r>
-            <a:r>
-              <a:rPr lang="fr-FR" dirty="0">
-                <a:solidFill>
-                  <a:schemeClr val="tx1">
-                    <a:lumMod val="65000"/>
-                    <a:lumOff val="35000"/>
-                  </a:schemeClr>
-                </a:solidFill>
-              </a:rPr>
-              <a:t> de Saint Martin Anne-Victoire</a:t>
-            </a:r>
-          </a:p>
-        </p:txBody>
-      </p:sp>
-      <p:pic>
-        <p:nvPicPr>
-          <p:cNvPr id="8" name="Picture 6">
-            <a:extLst>
-              <a:ext uri="{FF2B5EF4-FFF2-40B4-BE49-F238E27FC236}">
-                <a16:creationId xmlns:a16="http://schemas.microsoft.com/office/drawing/2014/main" id="{60929C85-3824-4CE9-BBC5-6D46ACF2DB40}"/>
-              </a:ext>
-            </a:extLst>
-          </p:cNvPr>
-          <p:cNvPicPr>
-            <a:picLocks noChangeAspect="1" noChangeArrowheads="1"/>
-          </p:cNvPicPr>
-          <p:nvPr/>
-        </p:nvPicPr>
-        <p:blipFill>
-          <a:blip r:embed="rId3">
-            <a:extLst>
-              <a:ext uri="{28A0092B-C50C-407E-A947-70E740481C1C}">
-                <a14:useLocalDpi xmlns:a14="http://schemas.microsoft.com/office/drawing/2010/main" val="0"/>
-              </a:ext>
-            </a:extLst>
-          </a:blip>
-          <a:srcRect/>
-          <a:stretch>
-            <a:fillRect/>
-          </a:stretch>
-        </p:blipFill>
-        <p:spPr bwMode="auto">
-          <a:xfrm>
-            <a:off x="7679404" y="6134120"/>
-            <a:ext cx="2408691" cy="581966"/>
-          </a:xfrm>
-          <a:prstGeom prst="rect">
-            <a:avLst/>
-          </a:prstGeom>
-          <a:noFill/>
-          <a:extLst>
-            <a:ext uri="{909E8E84-426E-40DD-AFC4-6F175D3DCCD1}">
-              <a14:hiddenFill xmlns:a14="http://schemas.microsoft.com/office/drawing/2010/main">
-                <a:solidFill>
-                  <a:srgbClr val="FFFFFF"/>
-                </a:solidFill>
-              </a14:hiddenFill>
-            </a:ext>
-          </a:extLst>
-        </p:spPr>
-      </p:pic>
-      <p:pic>
-        <p:nvPicPr>
-          <p:cNvPr id="9" name="Picture 4" descr="MARS Logo - PNG and Vector - Logo Download">
-            <a:extLst>
-              <a:ext uri="{FF2B5EF4-FFF2-40B4-BE49-F238E27FC236}">
-                <a16:creationId xmlns:a16="http://schemas.microsoft.com/office/drawing/2014/main" id="{E4C1C337-716D-4897-9018-9FE8C25BF539}"/>
-              </a:ext>
-            </a:extLst>
-          </p:cNvPr>
-          <p:cNvPicPr>
-            <a:picLocks noChangeAspect="1" noChangeArrowheads="1"/>
-          </p:cNvPicPr>
-          <p:nvPr/>
-        </p:nvPicPr>
-        <p:blipFill>
-          <a:blip r:embed="rId4">
-            <a:extLst>
-              <a:ext uri="{28A0092B-C50C-407E-A947-70E740481C1C}">
-                <a14:useLocalDpi xmlns:a14="http://schemas.microsoft.com/office/drawing/2010/main" val="0"/>
-              </a:ext>
-            </a:extLst>
-          </a:blip>
-          <a:srcRect/>
-          <a:stretch>
-            <a:fillRect/>
-          </a:stretch>
-        </p:blipFill>
-        <p:spPr bwMode="auto">
-          <a:xfrm>
-            <a:off x="10088095" y="6139585"/>
-            <a:ext cx="1990725" cy="571037"/>
-          </a:xfrm>
-          <a:prstGeom prst="rect">
-            <a:avLst/>
-          </a:prstGeom>
-          <a:noFill/>
-          <a:extLst>
-            <a:ext uri="{909E8E84-426E-40DD-AFC4-6F175D3DCCD1}">
-              <a14:hiddenFill xmlns:a14="http://schemas.microsoft.com/office/drawing/2010/main">
-                <a:solidFill>
-                  <a:srgbClr val="FFFFFF"/>
-                </a:solidFill>
-              </a14:hiddenFill>
-            </a:ext>
-          </a:extLst>
-        </p:spPr>
-      </p:pic>
-      <p:sp>
-        <p:nvSpPr>
-          <p:cNvPr id="11" name="ZoneTexte 10">
-            <a:extLst>
-              <a:ext uri="{FF2B5EF4-FFF2-40B4-BE49-F238E27FC236}">
-                <a16:creationId xmlns:a16="http://schemas.microsoft.com/office/drawing/2014/main" id="{CEA6CC3E-09AB-4F72-B9A5-C992F715D8B4}"/>
-              </a:ext>
-            </a:extLst>
-          </p:cNvPr>
-          <p:cNvSpPr txBox="1"/>
-          <p:nvPr/>
-        </p:nvSpPr>
-        <p:spPr>
-          <a:xfrm>
-            <a:off x="5746525" y="4243950"/>
-            <a:ext cx="3891379" cy="400110"/>
-          </a:xfrm>
-          <a:prstGeom prst="rect">
-            <a:avLst/>
-          </a:prstGeom>
-          <a:noFill/>
-        </p:spPr>
-        <p:txBody>
-          <a:bodyPr wrap="square" rtlCol="0">
-            <a:spAutoFit/>
-          </a:bodyPr>
-          <a:lstStyle/>
-          <a:p>
-            <a:pPr algn="ctr"/>
-            <a:r>
-              <a:rPr lang="fr-FR" sz="2000" b="1" dirty="0" err="1">
-                <a:solidFill>
-                  <a:srgbClr val="000074"/>
-                </a:solidFill>
-              </a:rPr>
-              <a:t>February</a:t>
-            </a:r>
-            <a:r>
-              <a:rPr lang="fr-FR" sz="2000" b="1" dirty="0">
-                <a:solidFill>
-                  <a:srgbClr val="000074"/>
-                </a:solidFill>
-              </a:rPr>
-              <a:t> 4th, 2021</a:t>
-            </a:r>
-          </a:p>
-        </p:txBody>
-      </p:sp>
-      <p:sp>
-        <p:nvSpPr>
-          <p:cNvPr id="12" name="ZoneTexte 11">
-            <a:extLst>
-              <a:ext uri="{FF2B5EF4-FFF2-40B4-BE49-F238E27FC236}">
-                <a16:creationId xmlns:a16="http://schemas.microsoft.com/office/drawing/2014/main" id="{F78D8D85-53A8-4A5A-A520-D362C9397012}"/>
-              </a:ext>
-            </a:extLst>
-          </p:cNvPr>
-          <p:cNvSpPr txBox="1"/>
-          <p:nvPr/>
-        </p:nvSpPr>
-        <p:spPr>
-          <a:xfrm>
-            <a:off x="3985972" y="6286456"/>
-            <a:ext cx="3830643" cy="646331"/>
-          </a:xfrm>
-          <a:prstGeom prst="rect">
-            <a:avLst/>
-          </a:prstGeom>
-          <a:noFill/>
-        </p:spPr>
-        <p:txBody>
-          <a:bodyPr wrap="square" rtlCol="0">
-            <a:spAutoFit/>
-          </a:bodyPr>
-          <a:lstStyle/>
-          <a:p>
-            <a:r>
-              <a:rPr lang="fr-FR" b="1" dirty="0" err="1">
-                <a:solidFill>
-                  <a:schemeClr val="tx1">
-                    <a:lumMod val="65000"/>
-                    <a:lumOff val="35000"/>
-                  </a:schemeClr>
-                </a:solidFill>
-              </a:rPr>
-              <a:t>Supervisors</a:t>
-            </a:r>
-            <a:r>
-              <a:rPr lang="fr-FR" b="1" dirty="0">
-                <a:solidFill>
-                  <a:schemeClr val="tx1">
-                    <a:lumMod val="65000"/>
-                    <a:lumOff val="35000"/>
-                  </a:schemeClr>
-                </a:solidFill>
-              </a:rPr>
-              <a:t> : </a:t>
-            </a:r>
-            <a:r>
-              <a:rPr lang="fr-FR" dirty="0">
-                <a:solidFill>
-                  <a:schemeClr val="tx1">
-                    <a:lumMod val="65000"/>
-                    <a:lumOff val="35000"/>
-                  </a:schemeClr>
-                </a:solidFill>
-              </a:rPr>
-              <a:t>Amandine </a:t>
-            </a:r>
-            <a:r>
-              <a:rPr lang="fr-FR" dirty="0" err="1">
-                <a:solidFill>
-                  <a:schemeClr val="tx1">
-                    <a:lumMod val="65000"/>
-                    <a:lumOff val="35000"/>
-                  </a:schemeClr>
-                </a:solidFill>
-              </a:rPr>
-              <a:t>Shmutz</a:t>
-            </a:r>
-            <a:r>
-              <a:rPr lang="fr-FR" dirty="0">
-                <a:solidFill>
-                  <a:schemeClr val="tx1">
-                    <a:lumMod val="65000"/>
-                    <a:lumOff val="35000"/>
-                  </a:schemeClr>
-                </a:solidFill>
-              </a:rPr>
-              <a:t> (Mars) </a:t>
-            </a:r>
-          </a:p>
-          <a:p>
-            <a:r>
-              <a:rPr lang="fr-FR" dirty="0">
-                <a:solidFill>
-                  <a:schemeClr val="tx1">
-                    <a:lumMod val="65000"/>
-                    <a:lumOff val="35000"/>
-                  </a:schemeClr>
-                </a:solidFill>
-              </a:rPr>
-              <a:t>François Husson (</a:t>
-            </a:r>
-            <a:r>
-              <a:rPr lang="fr-FR" dirty="0" err="1">
-                <a:solidFill>
-                  <a:schemeClr val="tx1">
-                    <a:lumMod val="65000"/>
-                    <a:lumOff val="35000"/>
-                  </a:schemeClr>
-                </a:solidFill>
-              </a:rPr>
-              <a:t>Agrocampus</a:t>
-            </a:r>
-            <a:r>
-              <a:rPr lang="fr-FR" dirty="0">
-                <a:solidFill>
-                  <a:schemeClr val="tx1">
-                    <a:lumMod val="65000"/>
-                    <a:lumOff val="35000"/>
-                  </a:schemeClr>
-                </a:solidFill>
-              </a:rPr>
-              <a:t> Ouest)</a:t>
-            </a:r>
-          </a:p>
-        </p:txBody>
-      </p:sp>
-    </p:spTree>
-    <p:extLst>
-      <p:ext uri="{BB962C8B-B14F-4D97-AF65-F5344CB8AC3E}">
-        <p14:creationId xmlns:p14="http://schemas.microsoft.com/office/powerpoint/2010/main" val="420260622"/>
-      </p:ext>
-    </p:extLst>
-  </p:cSld>
-  <p:clrMapOvr>
-    <a:masterClrMapping/>
-  </p:clrMapOvr>
-</p:sld>
-</file>
-
-<file path=ppt/slides/slide7.xml><?xml version="1.0" encoding="utf-8"?>
-<p:sld xmlns:a="http://schemas.openxmlformats.org/drawingml/2006/main" xmlns:r="http://schemas.openxmlformats.org/officeDocument/2006/relationships" xmlns:p="http://schemas.openxmlformats.org/presentationml/2006/main">
-  <p:cSld>
-    <p:bg>
-      <p:bgPr>
-        <a:solidFill>
-          <a:srgbClr val="EEEEEE"/>
-        </a:solidFill>
-        <a:effectLst/>
-      </p:bgPr>
-    </p:bg>
-    <p:spTree>
-      <p:nvGrpSpPr>
-        <p:cNvPr id="1" name=""/>
-        <p:cNvGrpSpPr/>
-        <p:nvPr/>
-      </p:nvGrpSpPr>
-      <p:grpSpPr>
-        <a:xfrm>
-          <a:off x="0" y="0"/>
-          <a:ext cx="0" cy="0"/>
-          <a:chOff x="0" y="0"/>
-          <a:chExt cx="0" cy="0"/>
-        </a:xfrm>
-      </p:grpSpPr>
-      <p:pic>
-        <p:nvPicPr>
-          <p:cNvPr id="2054" name="Picture 6" descr="Baby Cat Free PNG Image">
-            <a:extLst>
-              <a:ext uri="{FF2B5EF4-FFF2-40B4-BE49-F238E27FC236}">
-                <a16:creationId xmlns:a16="http://schemas.microsoft.com/office/drawing/2014/main" id="{8F6E25D7-E6A2-4728-95F5-5244E45D065B}"/>
-              </a:ext>
-            </a:extLst>
-          </p:cNvPr>
-          <p:cNvPicPr>
-            <a:picLocks noChangeAspect="1" noChangeArrowheads="1"/>
-          </p:cNvPicPr>
-          <p:nvPr/>
-        </p:nvPicPr>
-        <p:blipFill rotWithShape="1">
-          <a:blip r:embed="rId2">
-            <a:extLst>
-              <a:ext uri="{28A0092B-C50C-407E-A947-70E740481C1C}">
-                <a14:useLocalDpi xmlns:a14="http://schemas.microsoft.com/office/drawing/2010/main" val="0"/>
-              </a:ext>
-            </a:extLst>
-          </a:blip>
-          <a:srcRect t="-3" b="27434"/>
+          <a:srcRect t="-3" b="29351"/>
           <a:stretch/>
         </p:blipFill>
         <p:spPr bwMode="auto">
           <a:xfrm>
-            <a:off x="297917" y="6359"/>
-            <a:ext cx="7921143" cy="7110188"/>
+            <a:off x="297917" y="6358"/>
+            <a:ext cx="7921143" cy="6922343"/>
           </a:xfrm>
           <a:prstGeom prst="rect">
             <a:avLst/>
@@ -7074,6 +5354,378 @@
     <p:extLst>
       <p:ext uri="{BB962C8B-B14F-4D97-AF65-F5344CB8AC3E}">
         <p14:creationId xmlns:p14="http://schemas.microsoft.com/office/powerpoint/2010/main" val="2613689790"/>
+      </p:ext>
+    </p:extLst>
+  </p:cSld>
+  <p:clrMapOvr>
+    <a:masterClrMapping/>
+  </p:clrMapOvr>
+</p:sld>
+</file>
+
+<file path=ppt/slides/slide4.xml><?xml version="1.0" encoding="utf-8"?>
+<p:sld xmlns:a="http://schemas.openxmlformats.org/drawingml/2006/main" xmlns:r="http://schemas.openxmlformats.org/officeDocument/2006/relationships" xmlns:p="http://schemas.openxmlformats.org/presentationml/2006/main">
+  <p:cSld>
+    <p:spTree>
+      <p:nvGrpSpPr>
+        <p:cNvPr id="1" name=""/>
+        <p:cNvGrpSpPr/>
+        <p:nvPr/>
+      </p:nvGrpSpPr>
+      <p:grpSpPr>
+        <a:xfrm>
+          <a:off x="0" y="0"/>
+          <a:ext cx="0" cy="0"/>
+          <a:chOff x="0" y="0"/>
+          <a:chExt cx="0" cy="0"/>
+        </a:xfrm>
+      </p:grpSpPr>
+      <p:sp>
+        <p:nvSpPr>
+          <p:cNvPr id="2" name="Titre 1">
+            <a:extLst>
+              <a:ext uri="{FF2B5EF4-FFF2-40B4-BE49-F238E27FC236}">
+                <a16:creationId xmlns:a16="http://schemas.microsoft.com/office/drawing/2014/main" id="{2F801A79-01AC-420E-BF7B-81486485DF2D}"/>
+              </a:ext>
+            </a:extLst>
+          </p:cNvPr>
+          <p:cNvSpPr>
+            <a:spLocks noGrp="1"/>
+          </p:cNvSpPr>
+          <p:nvPr>
+            <p:ph type="title"/>
+          </p:nvPr>
+        </p:nvSpPr>
+        <p:spPr>
+          <a:xfrm>
+            <a:off x="0" y="0"/>
+            <a:ext cx="10515600" cy="1325563"/>
+          </a:xfrm>
+        </p:spPr>
+        <p:txBody>
+          <a:bodyPr anchor="t"/>
+          <a:lstStyle/>
+          <a:p>
+            <a:r>
+              <a:rPr lang="en-GB" dirty="0">
+                <a:solidFill>
+                  <a:srgbClr val="0000A1"/>
+                </a:solidFill>
+                <a:latin typeface="Abadi" panose="020B0604020104020204" pitchFamily="34" charset="0"/>
+              </a:rPr>
+              <a:t>I- Data – Presentation</a:t>
+            </a:r>
+          </a:p>
+        </p:txBody>
+      </p:sp>
+      <p:sp>
+        <p:nvSpPr>
+          <p:cNvPr id="3" name="Espace réservé du contenu 2">
+            <a:extLst>
+              <a:ext uri="{FF2B5EF4-FFF2-40B4-BE49-F238E27FC236}">
+                <a16:creationId xmlns:a16="http://schemas.microsoft.com/office/drawing/2014/main" id="{BBB97862-E0AD-4C75-9C1D-90CFF8A85DC3}"/>
+              </a:ext>
+            </a:extLst>
+          </p:cNvPr>
+          <p:cNvSpPr>
+            <a:spLocks noGrp="1"/>
+          </p:cNvSpPr>
+          <p:nvPr>
+            <p:ph idx="1"/>
+          </p:nvPr>
+        </p:nvSpPr>
+        <p:spPr/>
+        <p:txBody>
+          <a:bodyPr/>
+          <a:lstStyle/>
+          <a:p>
+            <a:endParaRPr lang="fr-FR"/>
+          </a:p>
+        </p:txBody>
+      </p:sp>
+    </p:spTree>
+    <p:extLst>
+      <p:ext uri="{BB962C8B-B14F-4D97-AF65-F5344CB8AC3E}">
+        <p14:creationId xmlns:p14="http://schemas.microsoft.com/office/powerpoint/2010/main" val="4104057003"/>
+      </p:ext>
+    </p:extLst>
+  </p:cSld>
+  <p:clrMapOvr>
+    <a:masterClrMapping/>
+  </p:clrMapOvr>
+</p:sld>
+</file>
+
+<file path=ppt/slides/slide5.xml><?xml version="1.0" encoding="utf-8"?>
+<p:sld xmlns:a="http://schemas.openxmlformats.org/drawingml/2006/main" xmlns:r="http://schemas.openxmlformats.org/officeDocument/2006/relationships" xmlns:p="http://schemas.openxmlformats.org/presentationml/2006/main">
+  <p:cSld>
+    <p:spTree>
+      <p:nvGrpSpPr>
+        <p:cNvPr id="1" name=""/>
+        <p:cNvGrpSpPr/>
+        <p:nvPr/>
+      </p:nvGrpSpPr>
+      <p:grpSpPr>
+        <a:xfrm>
+          <a:off x="0" y="0"/>
+          <a:ext cx="0" cy="0"/>
+          <a:chOff x="0" y="0"/>
+          <a:chExt cx="0" cy="0"/>
+        </a:xfrm>
+      </p:grpSpPr>
+      <p:sp>
+        <p:nvSpPr>
+          <p:cNvPr id="2" name="Titre 1">
+            <a:extLst>
+              <a:ext uri="{FF2B5EF4-FFF2-40B4-BE49-F238E27FC236}">
+                <a16:creationId xmlns:a16="http://schemas.microsoft.com/office/drawing/2014/main" id="{2F801A79-01AC-420E-BF7B-81486485DF2D}"/>
+              </a:ext>
+            </a:extLst>
+          </p:cNvPr>
+          <p:cNvSpPr>
+            <a:spLocks noGrp="1"/>
+          </p:cNvSpPr>
+          <p:nvPr>
+            <p:ph type="title"/>
+          </p:nvPr>
+        </p:nvSpPr>
+        <p:spPr>
+          <a:xfrm>
+            <a:off x="0" y="0"/>
+            <a:ext cx="10515600" cy="1325563"/>
+          </a:xfrm>
+        </p:spPr>
+        <p:txBody>
+          <a:bodyPr anchor="t"/>
+          <a:lstStyle/>
+          <a:p>
+            <a:r>
+              <a:rPr lang="en-GB" dirty="0">
+                <a:solidFill>
+                  <a:srgbClr val="0000A1"/>
+                </a:solidFill>
+                <a:latin typeface="Abadi" panose="020B0604020104020204" pitchFamily="34" charset="0"/>
+              </a:rPr>
+              <a:t>I- Data – Visualisation</a:t>
+            </a:r>
+          </a:p>
+        </p:txBody>
+      </p:sp>
+      <p:sp>
+        <p:nvSpPr>
+          <p:cNvPr id="3" name="Espace réservé du contenu 2">
+            <a:extLst>
+              <a:ext uri="{FF2B5EF4-FFF2-40B4-BE49-F238E27FC236}">
+                <a16:creationId xmlns:a16="http://schemas.microsoft.com/office/drawing/2014/main" id="{BBB97862-E0AD-4C75-9C1D-90CFF8A85DC3}"/>
+              </a:ext>
+            </a:extLst>
+          </p:cNvPr>
+          <p:cNvSpPr>
+            <a:spLocks noGrp="1"/>
+          </p:cNvSpPr>
+          <p:nvPr>
+            <p:ph idx="1"/>
+          </p:nvPr>
+        </p:nvSpPr>
+        <p:spPr/>
+        <p:txBody>
+          <a:bodyPr/>
+          <a:lstStyle/>
+          <a:p>
+            <a:endParaRPr lang="fr-FR"/>
+          </a:p>
+        </p:txBody>
+      </p:sp>
+    </p:spTree>
+    <p:extLst>
+      <p:ext uri="{BB962C8B-B14F-4D97-AF65-F5344CB8AC3E}">
+        <p14:creationId xmlns:p14="http://schemas.microsoft.com/office/powerpoint/2010/main" val="1487981714"/>
+      </p:ext>
+    </p:extLst>
+  </p:cSld>
+  <p:clrMapOvr>
+    <a:masterClrMapping/>
+  </p:clrMapOvr>
+</p:sld>
+</file>
+
+<file path=ppt/slides/slide6.xml><?xml version="1.0" encoding="utf-8"?>
+<p:sld xmlns:a="http://schemas.openxmlformats.org/drawingml/2006/main" xmlns:r="http://schemas.openxmlformats.org/officeDocument/2006/relationships" xmlns:p="http://schemas.openxmlformats.org/presentationml/2006/main">
+  <p:cSld>
+    <p:spTree>
+      <p:nvGrpSpPr>
+        <p:cNvPr id="1" name=""/>
+        <p:cNvGrpSpPr/>
+        <p:nvPr/>
+      </p:nvGrpSpPr>
+      <p:grpSpPr>
+        <a:xfrm>
+          <a:off x="0" y="0"/>
+          <a:ext cx="0" cy="0"/>
+          <a:chOff x="0" y="0"/>
+          <a:chExt cx="0" cy="0"/>
+        </a:xfrm>
+      </p:grpSpPr>
+      <p:sp>
+        <p:nvSpPr>
+          <p:cNvPr id="2" name="Titre 1">
+            <a:extLst>
+              <a:ext uri="{FF2B5EF4-FFF2-40B4-BE49-F238E27FC236}">
+                <a16:creationId xmlns:a16="http://schemas.microsoft.com/office/drawing/2014/main" id="{2F801A79-01AC-420E-BF7B-81486485DF2D}"/>
+              </a:ext>
+            </a:extLst>
+          </p:cNvPr>
+          <p:cNvSpPr>
+            <a:spLocks noGrp="1"/>
+          </p:cNvSpPr>
+          <p:nvPr>
+            <p:ph type="title"/>
+          </p:nvPr>
+        </p:nvSpPr>
+        <p:spPr>
+          <a:xfrm>
+            <a:off x="0" y="0"/>
+            <a:ext cx="10515600" cy="1325563"/>
+          </a:xfrm>
+        </p:spPr>
+        <p:txBody>
+          <a:bodyPr anchor="t"/>
+          <a:lstStyle/>
+          <a:p>
+            <a:r>
+              <a:rPr lang="en-GB" dirty="0">
+                <a:solidFill>
+                  <a:srgbClr val="0000A1"/>
+                </a:solidFill>
+                <a:latin typeface="Abadi" panose="020B0604020104020204" pitchFamily="34" charset="0"/>
+              </a:rPr>
+              <a:t>I- Data – Listening recordings</a:t>
+            </a:r>
+          </a:p>
+        </p:txBody>
+      </p:sp>
+      <p:sp>
+        <p:nvSpPr>
+          <p:cNvPr id="3" name="Espace réservé du contenu 2">
+            <a:extLst>
+              <a:ext uri="{FF2B5EF4-FFF2-40B4-BE49-F238E27FC236}">
+                <a16:creationId xmlns:a16="http://schemas.microsoft.com/office/drawing/2014/main" id="{BBB97862-E0AD-4C75-9C1D-90CFF8A85DC3}"/>
+              </a:ext>
+            </a:extLst>
+          </p:cNvPr>
+          <p:cNvSpPr>
+            <a:spLocks noGrp="1"/>
+          </p:cNvSpPr>
+          <p:nvPr>
+            <p:ph idx="1"/>
+          </p:nvPr>
+        </p:nvSpPr>
+        <p:spPr/>
+        <p:txBody>
+          <a:bodyPr/>
+          <a:lstStyle/>
+          <a:p>
+            <a:endParaRPr lang="fr-FR"/>
+          </a:p>
+        </p:txBody>
+      </p:sp>
+    </p:spTree>
+    <p:extLst>
+      <p:ext uri="{BB962C8B-B14F-4D97-AF65-F5344CB8AC3E}">
+        <p14:creationId xmlns:p14="http://schemas.microsoft.com/office/powerpoint/2010/main" val="2171954784"/>
+      </p:ext>
+    </p:extLst>
+  </p:cSld>
+  <p:clrMapOvr>
+    <a:masterClrMapping/>
+  </p:clrMapOvr>
+</p:sld>
+</file>
+
+<file path=ppt/slides/slide7.xml><?xml version="1.0" encoding="utf-8"?>
+<p:sld xmlns:a="http://schemas.openxmlformats.org/drawingml/2006/main" xmlns:r="http://schemas.openxmlformats.org/officeDocument/2006/relationships" xmlns:p="http://schemas.openxmlformats.org/presentationml/2006/main">
+  <p:cSld>
+    <p:spTree>
+      <p:nvGrpSpPr>
+        <p:cNvPr id="1" name=""/>
+        <p:cNvGrpSpPr/>
+        <p:nvPr/>
+      </p:nvGrpSpPr>
+      <p:grpSpPr>
+        <a:xfrm>
+          <a:off x="0" y="0"/>
+          <a:ext cx="0" cy="0"/>
+          <a:chOff x="0" y="0"/>
+          <a:chExt cx="0" cy="0"/>
+        </a:xfrm>
+      </p:grpSpPr>
+      <p:sp>
+        <p:nvSpPr>
+          <p:cNvPr id="2" name="Titre 1">
+            <a:extLst>
+              <a:ext uri="{FF2B5EF4-FFF2-40B4-BE49-F238E27FC236}">
+                <a16:creationId xmlns:a16="http://schemas.microsoft.com/office/drawing/2014/main" id="{2F801A79-01AC-420E-BF7B-81486485DF2D}"/>
+              </a:ext>
+            </a:extLst>
+          </p:cNvPr>
+          <p:cNvSpPr>
+            <a:spLocks noGrp="1"/>
+          </p:cNvSpPr>
+          <p:nvPr>
+            <p:ph type="title"/>
+          </p:nvPr>
+        </p:nvSpPr>
+        <p:spPr>
+          <a:xfrm>
+            <a:off x="0" y="0"/>
+            <a:ext cx="10515600" cy="1325563"/>
+          </a:xfrm>
+        </p:spPr>
+        <p:txBody>
+          <a:bodyPr/>
+          <a:lstStyle/>
+          <a:p>
+            <a:r>
+              <a:rPr lang="en-GB" dirty="0">
+                <a:solidFill>
+                  <a:srgbClr val="0000A1"/>
+                </a:solidFill>
+                <a:latin typeface="Abadi" panose="020B0604020104020204" pitchFamily="34" charset="0"/>
+              </a:rPr>
+              <a:t>I- Data manipulation – Filtering frequencies</a:t>
+            </a:r>
+          </a:p>
+        </p:txBody>
+      </p:sp>
+      <p:sp>
+        <p:nvSpPr>
+          <p:cNvPr id="3" name="Espace réservé du contenu 2">
+            <a:extLst>
+              <a:ext uri="{FF2B5EF4-FFF2-40B4-BE49-F238E27FC236}">
+                <a16:creationId xmlns:a16="http://schemas.microsoft.com/office/drawing/2014/main" id="{BBB97862-E0AD-4C75-9C1D-90CFF8A85DC3}"/>
+              </a:ext>
+            </a:extLst>
+          </p:cNvPr>
+          <p:cNvSpPr>
+            <a:spLocks noGrp="1"/>
+          </p:cNvSpPr>
+          <p:nvPr>
+            <p:ph idx="1"/>
+          </p:nvPr>
+        </p:nvSpPr>
+        <p:spPr/>
+        <p:txBody>
+          <a:bodyPr/>
+          <a:lstStyle/>
+          <a:p>
+            <a:endParaRPr lang="fr-FR" dirty="0"/>
+          </a:p>
+        </p:txBody>
+      </p:sp>
+    </p:spTree>
+    <p:extLst>
+      <p:ext uri="{BB962C8B-B14F-4D97-AF65-F5344CB8AC3E}">
+        <p14:creationId xmlns:p14="http://schemas.microsoft.com/office/powerpoint/2010/main" val="2149315557"/>
       </p:ext>
     </p:extLst>
   </p:cSld>
@@ -7133,7 +5785,7 @@
                 </a:solidFill>
                 <a:latin typeface="Abadi" panose="020B0604020104020204" pitchFamily="34" charset="0"/>
               </a:rPr>
-              <a:t>I- Data – Presentation</a:t>
+              <a:t>I- Data manipulation – Filtering frequencies</a:t>
             </a:r>
           </a:p>
         </p:txBody>
@@ -7159,14 +5811,14 @@
           <a:bodyPr/>
           <a:lstStyle/>
           <a:p>
-            <a:endParaRPr lang="fr-FR"/>
+            <a:endParaRPr lang="fr-FR" dirty="0"/>
           </a:p>
         </p:txBody>
       </p:sp>
     </p:spTree>
     <p:extLst>
       <p:ext uri="{BB962C8B-B14F-4D97-AF65-F5344CB8AC3E}">
-        <p14:creationId xmlns:p14="http://schemas.microsoft.com/office/powerpoint/2010/main" val="4104057003"/>
+        <p14:creationId xmlns:p14="http://schemas.microsoft.com/office/powerpoint/2010/main" val="2544158827"/>
       </p:ext>
     </p:extLst>
   </p:cSld>
@@ -7212,7 +5864,7 @@
         <p:spPr>
           <a:xfrm>
             <a:off x="0" y="0"/>
-            <a:ext cx="10515600" cy="1325563"/>
+            <a:ext cx="12192000" cy="1325563"/>
           </a:xfrm>
         </p:spPr>
         <p:txBody>
@@ -7226,7 +5878,24 @@
                 </a:solidFill>
                 <a:latin typeface="Abadi" panose="020B0604020104020204" pitchFamily="34" charset="0"/>
               </a:rPr>
-              <a:t>I- Data – Visualisation</a:t>
+              <a:t>II- Creation of a new data set</a:t>
+            </a:r>
+            <a:br>
+              <a:rPr lang="en-GB" dirty="0">
+                <a:solidFill>
+                  <a:srgbClr val="0000A1"/>
+                </a:solidFill>
+                <a:latin typeface="Abadi" panose="020B0604020104020204" pitchFamily="34" charset="0"/>
+              </a:rPr>
+            </a:br>
+            <a:r>
+              <a:rPr lang="en-GB" dirty="0">
+                <a:solidFill>
+                  <a:srgbClr val="0000A1"/>
+                </a:solidFill>
+                <a:latin typeface="Abadi" panose="020B0604020104020204" pitchFamily="34" charset="0"/>
+              </a:rPr>
+              <a:t>	a. Methodology</a:t>
             </a:r>
           </a:p>
         </p:txBody>
@@ -7252,14 +5921,14 @@
           <a:bodyPr/>
           <a:lstStyle/>
           <a:p>
-            <a:endParaRPr lang="fr-FR"/>
+            <a:endParaRPr lang="fr-FR" dirty="0"/>
           </a:p>
         </p:txBody>
       </p:sp>
     </p:spTree>
     <p:extLst>
       <p:ext uri="{BB962C8B-B14F-4D97-AF65-F5344CB8AC3E}">
-        <p14:creationId xmlns:p14="http://schemas.microsoft.com/office/powerpoint/2010/main" val="1487981714"/>
+        <p14:creationId xmlns:p14="http://schemas.microsoft.com/office/powerpoint/2010/main" val="3084680117"/>
       </p:ext>
     </p:extLst>
   </p:cSld>

--- a/Presentation.pptx
+++ b/Presentation.pptx
@@ -5,19 +5,17 @@
     <p:sldMasterId id="2147483648" r:id="rId1"/>
   </p:sldMasterIdLst>
   <p:notesMasterIdLst>
-    <p:notesMasterId r:id="rId12"/>
+    <p:notesMasterId r:id="rId10"/>
   </p:notesMasterIdLst>
   <p:sldIdLst>
-    <p:sldId id="261" r:id="rId2"/>
-    <p:sldId id="268" r:id="rId3"/>
-    <p:sldId id="269" r:id="rId4"/>
-    <p:sldId id="260" r:id="rId5"/>
-    <p:sldId id="264" r:id="rId6"/>
-    <p:sldId id="263" r:id="rId7"/>
-    <p:sldId id="262" r:id="rId8"/>
-    <p:sldId id="265" r:id="rId9"/>
-    <p:sldId id="266" r:id="rId10"/>
-    <p:sldId id="267" r:id="rId11"/>
+    <p:sldId id="269" r:id="rId2"/>
+    <p:sldId id="260" r:id="rId3"/>
+    <p:sldId id="264" r:id="rId4"/>
+    <p:sldId id="263" r:id="rId5"/>
+    <p:sldId id="262" r:id="rId6"/>
+    <p:sldId id="265" r:id="rId7"/>
+    <p:sldId id="266" r:id="rId8"/>
+    <p:sldId id="267" r:id="rId9"/>
   </p:sldIdLst>
   <p:sldSz cx="12192000" cy="6858000"/>
   <p:notesSz cx="6858000" cy="9144000"/>
@@ -206,7 +204,7 @@
           <a:p>
             <a:fld id="{2549710D-D980-4ADD-8758-346F39E89AA2}" type="datetimeFigureOut">
               <a:rPr lang="en-GB" smtClean="0"/>
-              <a:t>27/01/2021</a:t>
+              <a:t>29/01/2021</a:t>
             </a:fld>
             <a:endParaRPr lang="en-GB"/>
           </a:p>
@@ -551,7 +549,7 @@
           <a:p>
             <a:fld id="{79A7ECB4-C604-4C88-9799-10B681FC9196}" type="slidenum">
               <a:rPr lang="en-GB" smtClean="0"/>
-              <a:t>5</a:t>
+              <a:t>3</a:t>
             </a:fld>
             <a:endParaRPr lang="en-GB"/>
           </a:p>
@@ -717,7 +715,7 @@
           <a:p>
             <a:fld id="{9578D4FD-6ED6-468E-AA02-CE7F6BF1F09E}" type="datetimeFigureOut">
               <a:rPr lang="fr-FR" smtClean="0"/>
-              <a:t>27/01/2021</a:t>
+              <a:t>29/01/2021</a:t>
             </a:fld>
             <a:endParaRPr lang="fr-FR"/>
           </a:p>
@@ -915,7 +913,7 @@
           <a:p>
             <a:fld id="{9578D4FD-6ED6-468E-AA02-CE7F6BF1F09E}" type="datetimeFigureOut">
               <a:rPr lang="fr-FR" smtClean="0"/>
-              <a:t>27/01/2021</a:t>
+              <a:t>29/01/2021</a:t>
             </a:fld>
             <a:endParaRPr lang="fr-FR"/>
           </a:p>
@@ -1123,7 +1121,7 @@
           <a:p>
             <a:fld id="{9578D4FD-6ED6-468E-AA02-CE7F6BF1F09E}" type="datetimeFigureOut">
               <a:rPr lang="fr-FR" smtClean="0"/>
-              <a:t>27/01/2021</a:t>
+              <a:t>29/01/2021</a:t>
             </a:fld>
             <a:endParaRPr lang="fr-FR"/>
           </a:p>
@@ -1321,7 +1319,7 @@
           <a:p>
             <a:fld id="{9578D4FD-6ED6-468E-AA02-CE7F6BF1F09E}" type="datetimeFigureOut">
               <a:rPr lang="fr-FR" smtClean="0"/>
-              <a:t>27/01/2021</a:t>
+              <a:t>29/01/2021</a:t>
             </a:fld>
             <a:endParaRPr lang="fr-FR"/>
           </a:p>
@@ -1596,7 +1594,7 @@
           <a:p>
             <a:fld id="{9578D4FD-6ED6-468E-AA02-CE7F6BF1F09E}" type="datetimeFigureOut">
               <a:rPr lang="fr-FR" smtClean="0"/>
-              <a:t>27/01/2021</a:t>
+              <a:t>29/01/2021</a:t>
             </a:fld>
             <a:endParaRPr lang="fr-FR"/>
           </a:p>
@@ -1861,7 +1859,7 @@
           <a:p>
             <a:fld id="{9578D4FD-6ED6-468E-AA02-CE7F6BF1F09E}" type="datetimeFigureOut">
               <a:rPr lang="fr-FR" smtClean="0"/>
-              <a:t>27/01/2021</a:t>
+              <a:t>29/01/2021</a:t>
             </a:fld>
             <a:endParaRPr lang="fr-FR"/>
           </a:p>
@@ -2273,7 +2271,7 @@
           <a:p>
             <a:fld id="{9578D4FD-6ED6-468E-AA02-CE7F6BF1F09E}" type="datetimeFigureOut">
               <a:rPr lang="fr-FR" smtClean="0"/>
-              <a:t>27/01/2021</a:t>
+              <a:t>29/01/2021</a:t>
             </a:fld>
             <a:endParaRPr lang="fr-FR"/>
           </a:p>
@@ -2414,7 +2412,7 @@
           <a:p>
             <a:fld id="{9578D4FD-6ED6-468E-AA02-CE7F6BF1F09E}" type="datetimeFigureOut">
               <a:rPr lang="fr-FR" smtClean="0"/>
-              <a:t>27/01/2021</a:t>
+              <a:t>29/01/2021</a:t>
             </a:fld>
             <a:endParaRPr lang="fr-FR"/>
           </a:p>
@@ -2527,7 +2525,7 @@
           <a:p>
             <a:fld id="{9578D4FD-6ED6-468E-AA02-CE7F6BF1F09E}" type="datetimeFigureOut">
               <a:rPr lang="fr-FR" smtClean="0"/>
-              <a:t>27/01/2021</a:t>
+              <a:t>29/01/2021</a:t>
             </a:fld>
             <a:endParaRPr lang="fr-FR"/>
           </a:p>
@@ -2838,7 +2836,7 @@
           <a:p>
             <a:fld id="{9578D4FD-6ED6-468E-AA02-CE7F6BF1F09E}" type="datetimeFigureOut">
               <a:rPr lang="fr-FR" smtClean="0"/>
-              <a:t>27/01/2021</a:t>
+              <a:t>29/01/2021</a:t>
             </a:fld>
             <a:endParaRPr lang="fr-FR"/>
           </a:p>
@@ -3126,7 +3124,7 @@
           <a:p>
             <a:fld id="{9578D4FD-6ED6-468E-AA02-CE7F6BF1F09E}" type="datetimeFigureOut">
               <a:rPr lang="fr-FR" smtClean="0"/>
-              <a:t>27/01/2021</a:t>
+              <a:t>29/01/2021</a:t>
             </a:fld>
             <a:endParaRPr lang="fr-FR"/>
           </a:p>
@@ -3367,7 +3365,7 @@
           <a:p>
             <a:fld id="{9578D4FD-6ED6-468E-AA02-CE7F6BF1F09E}" type="datetimeFigureOut">
               <a:rPr lang="fr-FR" smtClean="0"/>
-              <a:t>27/01/2021</a:t>
+              <a:t>29/01/2021</a:t>
             </a:fld>
             <a:endParaRPr lang="fr-FR"/>
           </a:p>
@@ -3806,1108 +3804,6 @@
           </p:cNvPicPr>
           <p:nvPr/>
         </p:nvPicPr>
-        <p:blipFill>
-          <a:blip r:embed="rId2">
-            <a:extLst>
-              <a:ext uri="{28A0092B-C50C-407E-A947-70E740481C1C}">
-                <a14:useLocalDpi xmlns:a14="http://schemas.microsoft.com/office/drawing/2010/main" val="0"/>
-              </a:ext>
-            </a:extLst>
-          </a:blip>
-          <a:srcRect/>
-          <a:stretch>
-            <a:fillRect/>
-          </a:stretch>
-        </p:blipFill>
-        <p:spPr bwMode="auto">
-          <a:xfrm>
-            <a:off x="8229040" y="0"/>
-            <a:ext cx="5545137" cy="6858000"/>
-          </a:xfrm>
-          <a:prstGeom prst="rect">
-            <a:avLst/>
-          </a:prstGeom>
-          <a:noFill/>
-          <a:extLst>
-            <a:ext uri="{909E8E84-426E-40DD-AFC4-6F175D3DCCD1}">
-              <a14:hiddenFill xmlns:a14="http://schemas.microsoft.com/office/drawing/2010/main">
-                <a:solidFill>
-                  <a:srgbClr val="FFFFFF"/>
-                </a:solidFill>
-              </a14:hiddenFill>
-            </a:ext>
-          </a:extLst>
-        </p:spPr>
-      </p:pic>
-      <p:sp>
-        <p:nvSpPr>
-          <p:cNvPr id="2" name="Titre 1">
-            <a:extLst>
-              <a:ext uri="{FF2B5EF4-FFF2-40B4-BE49-F238E27FC236}">
-                <a16:creationId xmlns:a16="http://schemas.microsoft.com/office/drawing/2014/main" id="{DC8C58AC-C03E-42CF-9389-0267E62615A9}"/>
-              </a:ext>
-            </a:extLst>
-          </p:cNvPr>
-          <p:cNvSpPr>
-            <a:spLocks noGrp="1"/>
-          </p:cNvSpPr>
-          <p:nvPr>
-            <p:ph type="ctrTitle"/>
-          </p:nvPr>
-        </p:nvSpPr>
-        <p:spPr>
-          <a:xfrm>
-            <a:off x="432046" y="305618"/>
-            <a:ext cx="7940429" cy="2387600"/>
-          </a:xfrm>
-          <a:ln>
-            <a:noFill/>
-          </a:ln>
-        </p:spPr>
-        <p:txBody>
-          <a:bodyPr>
-            <a:normAutofit/>
-          </a:bodyPr>
-          <a:lstStyle/>
-          <a:p>
-            <a:pPr algn="l"/>
-            <a:r>
-              <a:rPr lang="en-GB" sz="7200" dirty="0">
-                <a:ln w="19050">
-                  <a:solidFill>
-                    <a:schemeClr val="bg1">
-                      <a:alpha val="95000"/>
-                    </a:schemeClr>
-                  </a:solidFill>
-                </a:ln>
-                <a:solidFill>
-                  <a:srgbClr val="0000A1"/>
-                </a:solidFill>
-                <a:latin typeface="Aharoni" panose="02010803020104030203" pitchFamily="2" charset="-79"/>
-                <a:cs typeface="Aharoni" panose="02010803020104030203" pitchFamily="2" charset="-79"/>
-              </a:rPr>
-              <a:t>Cats acoustic data Project</a:t>
-            </a:r>
-          </a:p>
-        </p:txBody>
-      </p:sp>
-      <p:sp>
-        <p:nvSpPr>
-          <p:cNvPr id="3" name="Sous-titre 2">
-            <a:extLst>
-              <a:ext uri="{FF2B5EF4-FFF2-40B4-BE49-F238E27FC236}">
-                <a16:creationId xmlns:a16="http://schemas.microsoft.com/office/drawing/2014/main" id="{181BC457-8950-4EB8-AC30-F82B7E8D27AA}"/>
-              </a:ext>
-            </a:extLst>
-          </p:cNvPr>
-          <p:cNvSpPr>
-            <a:spLocks noGrp="1"/>
-          </p:cNvSpPr>
-          <p:nvPr>
-            <p:ph type="subTitle" idx="1"/>
-          </p:nvPr>
-        </p:nvSpPr>
-        <p:spPr>
-          <a:xfrm>
-            <a:off x="357105" y="2710585"/>
-            <a:ext cx="9144000" cy="775835"/>
-          </a:xfrm>
-        </p:spPr>
-        <p:txBody>
-          <a:bodyPr/>
-          <a:lstStyle/>
-          <a:p>
-            <a:pPr algn="l">
-              <a:spcBef>
-                <a:spcPts val="0"/>
-              </a:spcBef>
-            </a:pPr>
-            <a:r>
-              <a:rPr lang="fr-FR" dirty="0">
-                <a:solidFill>
-                  <a:schemeClr val="tx1">
-                    <a:lumMod val="65000"/>
-                    <a:lumOff val="35000"/>
-                  </a:schemeClr>
-                </a:solidFill>
-              </a:rPr>
-              <a:t>Bony Audrey</a:t>
-            </a:r>
-          </a:p>
-          <a:p>
-            <a:pPr algn="l">
-              <a:spcBef>
-                <a:spcPts val="0"/>
-              </a:spcBef>
-            </a:pPr>
-            <a:r>
-              <a:rPr lang="fr-FR" dirty="0" err="1">
-                <a:solidFill>
-                  <a:schemeClr val="tx1">
-                    <a:lumMod val="65000"/>
-                    <a:lumOff val="35000"/>
-                  </a:schemeClr>
-                </a:solidFill>
-              </a:rPr>
-              <a:t>Lagroy</a:t>
-            </a:r>
-            <a:r>
-              <a:rPr lang="fr-FR" dirty="0">
-                <a:solidFill>
-                  <a:schemeClr val="tx1">
-                    <a:lumMod val="65000"/>
-                    <a:lumOff val="35000"/>
-                  </a:schemeClr>
-                </a:solidFill>
-              </a:rPr>
-              <a:t> de </a:t>
-            </a:r>
-            <a:r>
-              <a:rPr lang="fr-FR" dirty="0" err="1">
-                <a:solidFill>
-                  <a:schemeClr val="tx1">
-                    <a:lumMod val="65000"/>
-                    <a:lumOff val="35000"/>
-                  </a:schemeClr>
-                </a:solidFill>
-              </a:rPr>
-              <a:t>Croutte</a:t>
-            </a:r>
-            <a:r>
-              <a:rPr lang="fr-FR" dirty="0">
-                <a:solidFill>
-                  <a:schemeClr val="tx1">
-                    <a:lumMod val="65000"/>
-                    <a:lumOff val="35000"/>
-                  </a:schemeClr>
-                </a:solidFill>
-              </a:rPr>
-              <a:t> de Saint Martin Anne-Victoire</a:t>
-            </a:r>
-          </a:p>
-        </p:txBody>
-      </p:sp>
-      <p:pic>
-        <p:nvPicPr>
-          <p:cNvPr id="8" name="Picture 6">
-            <a:extLst>
-              <a:ext uri="{FF2B5EF4-FFF2-40B4-BE49-F238E27FC236}">
-                <a16:creationId xmlns:a16="http://schemas.microsoft.com/office/drawing/2014/main" id="{60929C85-3824-4CE9-BBC5-6D46ACF2DB40}"/>
-              </a:ext>
-            </a:extLst>
-          </p:cNvPr>
-          <p:cNvPicPr>
-            <a:picLocks noChangeAspect="1" noChangeArrowheads="1"/>
-          </p:cNvPicPr>
-          <p:nvPr/>
-        </p:nvPicPr>
-        <p:blipFill>
-          <a:blip r:embed="rId3">
-            <a:extLst>
-              <a:ext uri="{28A0092B-C50C-407E-A947-70E740481C1C}">
-                <a14:useLocalDpi xmlns:a14="http://schemas.microsoft.com/office/drawing/2010/main" val="0"/>
-              </a:ext>
-            </a:extLst>
-          </a:blip>
-          <a:srcRect/>
-          <a:stretch>
-            <a:fillRect/>
-          </a:stretch>
-        </p:blipFill>
-        <p:spPr bwMode="auto">
-          <a:xfrm>
-            <a:off x="3849704" y="6083743"/>
-            <a:ext cx="2819902" cy="681319"/>
-          </a:xfrm>
-          <a:prstGeom prst="rect">
-            <a:avLst/>
-          </a:prstGeom>
-          <a:noFill/>
-          <a:extLst>
-            <a:ext uri="{909E8E84-426E-40DD-AFC4-6F175D3DCCD1}">
-              <a14:hiddenFill xmlns:a14="http://schemas.microsoft.com/office/drawing/2010/main">
-                <a:solidFill>
-                  <a:srgbClr val="FFFFFF"/>
-                </a:solidFill>
-              </a14:hiddenFill>
-            </a:ext>
-          </a:extLst>
-        </p:spPr>
-      </p:pic>
-      <p:pic>
-        <p:nvPicPr>
-          <p:cNvPr id="9" name="Picture 4" descr="MARS Logo - PNG and Vector - Logo Download">
-            <a:extLst>
-              <a:ext uri="{FF2B5EF4-FFF2-40B4-BE49-F238E27FC236}">
-                <a16:creationId xmlns:a16="http://schemas.microsoft.com/office/drawing/2014/main" id="{E4C1C337-716D-4897-9018-9FE8C25BF539}"/>
-              </a:ext>
-            </a:extLst>
-          </p:cNvPr>
-          <p:cNvPicPr>
-            <a:picLocks noChangeAspect="1" noChangeArrowheads="1"/>
-          </p:cNvPicPr>
-          <p:nvPr/>
-        </p:nvPicPr>
-        <p:blipFill>
-          <a:blip r:embed="rId4">
-            <a:extLst>
-              <a:ext uri="{28A0092B-C50C-407E-A947-70E740481C1C}">
-                <a14:useLocalDpi xmlns:a14="http://schemas.microsoft.com/office/drawing/2010/main" val="0"/>
-              </a:ext>
-            </a:extLst>
-          </a:blip>
-          <a:srcRect/>
-          <a:stretch>
-            <a:fillRect/>
-          </a:stretch>
-        </p:blipFill>
-        <p:spPr bwMode="auto">
-          <a:xfrm>
-            <a:off x="6769860" y="6083743"/>
-            <a:ext cx="1990725" cy="571037"/>
-          </a:xfrm>
-          <a:prstGeom prst="rect">
-            <a:avLst/>
-          </a:prstGeom>
-          <a:noFill/>
-          <a:extLst>
-            <a:ext uri="{909E8E84-426E-40DD-AFC4-6F175D3DCCD1}">
-              <a14:hiddenFill xmlns:a14="http://schemas.microsoft.com/office/drawing/2010/main">
-                <a:solidFill>
-                  <a:srgbClr val="FFFFFF"/>
-                </a:solidFill>
-              </a14:hiddenFill>
-            </a:ext>
-          </a:extLst>
-        </p:spPr>
-      </p:pic>
-      <p:sp>
-        <p:nvSpPr>
-          <p:cNvPr id="11" name="ZoneTexte 10">
-            <a:extLst>
-              <a:ext uri="{FF2B5EF4-FFF2-40B4-BE49-F238E27FC236}">
-                <a16:creationId xmlns:a16="http://schemas.microsoft.com/office/drawing/2014/main" id="{CEA6CC3E-09AB-4F72-B9A5-C992F715D8B4}"/>
-              </a:ext>
-            </a:extLst>
-          </p:cNvPr>
-          <p:cNvSpPr txBox="1"/>
-          <p:nvPr/>
-        </p:nvSpPr>
-        <p:spPr>
-          <a:xfrm>
-            <a:off x="2456570" y="4243950"/>
-            <a:ext cx="3891379" cy="400110"/>
-          </a:xfrm>
-          <a:prstGeom prst="rect">
-            <a:avLst/>
-          </a:prstGeom>
-          <a:noFill/>
-        </p:spPr>
-        <p:txBody>
-          <a:bodyPr wrap="square" rtlCol="0">
-            <a:spAutoFit/>
-          </a:bodyPr>
-          <a:lstStyle/>
-          <a:p>
-            <a:pPr algn="ctr"/>
-            <a:r>
-              <a:rPr lang="fr-FR" sz="2000" b="1" dirty="0" err="1">
-                <a:solidFill>
-                  <a:srgbClr val="000074"/>
-                </a:solidFill>
-              </a:rPr>
-              <a:t>February</a:t>
-            </a:r>
-            <a:r>
-              <a:rPr lang="fr-FR" sz="2000" b="1" dirty="0">
-                <a:solidFill>
-                  <a:srgbClr val="000074"/>
-                </a:solidFill>
-              </a:rPr>
-              <a:t> 4th, 2021</a:t>
-            </a:r>
-          </a:p>
-        </p:txBody>
-      </p:sp>
-      <p:sp>
-        <p:nvSpPr>
-          <p:cNvPr id="12" name="ZoneTexte 11">
-            <a:extLst>
-              <a:ext uri="{FF2B5EF4-FFF2-40B4-BE49-F238E27FC236}">
-                <a16:creationId xmlns:a16="http://schemas.microsoft.com/office/drawing/2014/main" id="{F78D8D85-53A8-4A5A-A520-D362C9397012}"/>
-              </a:ext>
-            </a:extLst>
-          </p:cNvPr>
-          <p:cNvSpPr txBox="1"/>
-          <p:nvPr/>
-        </p:nvSpPr>
-        <p:spPr>
-          <a:xfrm>
-            <a:off x="-30168" y="6211669"/>
-            <a:ext cx="3830643" cy="646331"/>
-          </a:xfrm>
-          <a:prstGeom prst="rect">
-            <a:avLst/>
-          </a:prstGeom>
-          <a:noFill/>
-        </p:spPr>
-        <p:txBody>
-          <a:bodyPr wrap="square" rtlCol="0">
-            <a:spAutoFit/>
-          </a:bodyPr>
-          <a:lstStyle/>
-          <a:p>
-            <a:r>
-              <a:rPr lang="fr-FR" b="1" dirty="0" err="1">
-                <a:solidFill>
-                  <a:schemeClr val="tx1">
-                    <a:lumMod val="65000"/>
-                    <a:lumOff val="35000"/>
-                  </a:schemeClr>
-                </a:solidFill>
-              </a:rPr>
-              <a:t>Supervisors</a:t>
-            </a:r>
-            <a:r>
-              <a:rPr lang="fr-FR" b="1" dirty="0">
-                <a:solidFill>
-                  <a:schemeClr val="tx1">
-                    <a:lumMod val="65000"/>
-                    <a:lumOff val="35000"/>
-                  </a:schemeClr>
-                </a:solidFill>
-              </a:rPr>
-              <a:t> : </a:t>
-            </a:r>
-            <a:r>
-              <a:rPr lang="fr-FR" dirty="0">
-                <a:solidFill>
-                  <a:schemeClr val="tx1">
-                    <a:lumMod val="65000"/>
-                    <a:lumOff val="35000"/>
-                  </a:schemeClr>
-                </a:solidFill>
-              </a:rPr>
-              <a:t>Amandine </a:t>
-            </a:r>
-            <a:r>
-              <a:rPr lang="fr-FR" dirty="0" err="1">
-                <a:solidFill>
-                  <a:schemeClr val="tx1">
-                    <a:lumMod val="65000"/>
-                    <a:lumOff val="35000"/>
-                  </a:schemeClr>
-                </a:solidFill>
-              </a:rPr>
-              <a:t>Shmutz</a:t>
-            </a:r>
-            <a:r>
-              <a:rPr lang="fr-FR" dirty="0">
-                <a:solidFill>
-                  <a:schemeClr val="tx1">
-                    <a:lumMod val="65000"/>
-                    <a:lumOff val="35000"/>
-                  </a:schemeClr>
-                </a:solidFill>
-              </a:rPr>
-              <a:t> (Mars) </a:t>
-            </a:r>
-          </a:p>
-          <a:p>
-            <a:r>
-              <a:rPr lang="fr-FR" dirty="0">
-                <a:solidFill>
-                  <a:schemeClr val="tx1">
-                    <a:lumMod val="65000"/>
-                    <a:lumOff val="35000"/>
-                  </a:schemeClr>
-                </a:solidFill>
-              </a:rPr>
-              <a:t>François Husson (</a:t>
-            </a:r>
-            <a:r>
-              <a:rPr lang="fr-FR" dirty="0" err="1">
-                <a:solidFill>
-                  <a:schemeClr val="tx1">
-                    <a:lumMod val="65000"/>
-                    <a:lumOff val="35000"/>
-                  </a:schemeClr>
-                </a:solidFill>
-              </a:rPr>
-              <a:t>Agrocampus</a:t>
-            </a:r>
-            <a:r>
-              <a:rPr lang="fr-FR" dirty="0">
-                <a:solidFill>
-                  <a:schemeClr val="tx1">
-                    <a:lumMod val="65000"/>
-                    <a:lumOff val="35000"/>
-                  </a:schemeClr>
-                </a:solidFill>
-              </a:rPr>
-              <a:t> Ouest)</a:t>
-            </a:r>
-          </a:p>
-        </p:txBody>
-      </p:sp>
-    </p:spTree>
-    <p:extLst>
-      <p:ext uri="{BB962C8B-B14F-4D97-AF65-F5344CB8AC3E}">
-        <p14:creationId xmlns:p14="http://schemas.microsoft.com/office/powerpoint/2010/main" val="4010203978"/>
-      </p:ext>
-    </p:extLst>
-  </p:cSld>
-  <p:clrMapOvr>
-    <a:masterClrMapping/>
-  </p:clrMapOvr>
-</p:sld>
-</file>
-
-<file path=ppt/slides/slide10.xml><?xml version="1.0" encoding="utf-8"?>
-<p:sld xmlns:a="http://schemas.openxmlformats.org/drawingml/2006/main" xmlns:r="http://schemas.openxmlformats.org/officeDocument/2006/relationships" xmlns:p="http://schemas.openxmlformats.org/presentationml/2006/main">
-  <p:cSld>
-    <p:spTree>
-      <p:nvGrpSpPr>
-        <p:cNvPr id="1" name=""/>
-        <p:cNvGrpSpPr/>
-        <p:nvPr/>
-      </p:nvGrpSpPr>
-      <p:grpSpPr>
-        <a:xfrm>
-          <a:off x="0" y="0"/>
-          <a:ext cx="0" cy="0"/>
-          <a:chOff x="0" y="0"/>
-          <a:chExt cx="0" cy="0"/>
-        </a:xfrm>
-      </p:grpSpPr>
-      <p:sp>
-        <p:nvSpPr>
-          <p:cNvPr id="2" name="Titre 1">
-            <a:extLst>
-              <a:ext uri="{FF2B5EF4-FFF2-40B4-BE49-F238E27FC236}">
-                <a16:creationId xmlns:a16="http://schemas.microsoft.com/office/drawing/2014/main" id="{2F801A79-01AC-420E-BF7B-81486485DF2D}"/>
-              </a:ext>
-            </a:extLst>
-          </p:cNvPr>
-          <p:cNvSpPr>
-            <a:spLocks noGrp="1"/>
-          </p:cNvSpPr>
-          <p:nvPr>
-            <p:ph type="title"/>
-          </p:nvPr>
-        </p:nvSpPr>
-        <p:spPr>
-          <a:xfrm>
-            <a:off x="0" y="0"/>
-            <a:ext cx="12192000" cy="1325563"/>
-          </a:xfrm>
-        </p:spPr>
-        <p:txBody>
-          <a:bodyPr anchor="t"/>
-          <a:lstStyle/>
-          <a:p>
-            <a:r>
-              <a:rPr lang="en-GB" dirty="0">
-                <a:solidFill>
-                  <a:srgbClr val="0000A1"/>
-                </a:solidFill>
-                <a:latin typeface="Abadi" panose="020B0604020104020204" pitchFamily="34" charset="0"/>
-              </a:rPr>
-              <a:t>II- Creation of a new data set</a:t>
-            </a:r>
-            <a:br>
-              <a:rPr lang="en-GB" dirty="0">
-                <a:solidFill>
-                  <a:srgbClr val="0000A1"/>
-                </a:solidFill>
-                <a:latin typeface="Abadi" panose="020B0604020104020204" pitchFamily="34" charset="0"/>
-              </a:rPr>
-            </a:br>
-            <a:r>
-              <a:rPr lang="en-GB" dirty="0">
-                <a:solidFill>
-                  <a:srgbClr val="0000A1"/>
-                </a:solidFill>
-                <a:latin typeface="Abadi" panose="020B0604020104020204" pitchFamily="34" charset="0"/>
-              </a:rPr>
-              <a:t>	a. Methodology</a:t>
-            </a:r>
-          </a:p>
-        </p:txBody>
-      </p:sp>
-      <p:sp>
-        <p:nvSpPr>
-          <p:cNvPr id="3" name="Espace réservé du contenu 2">
-            <a:extLst>
-              <a:ext uri="{FF2B5EF4-FFF2-40B4-BE49-F238E27FC236}">
-                <a16:creationId xmlns:a16="http://schemas.microsoft.com/office/drawing/2014/main" id="{BBB97862-E0AD-4C75-9C1D-90CFF8A85DC3}"/>
-              </a:ext>
-            </a:extLst>
-          </p:cNvPr>
-          <p:cNvSpPr>
-            <a:spLocks noGrp="1"/>
-          </p:cNvSpPr>
-          <p:nvPr>
-            <p:ph idx="1"/>
-          </p:nvPr>
-        </p:nvSpPr>
-        <p:spPr/>
-        <p:txBody>
-          <a:bodyPr/>
-          <a:lstStyle/>
-          <a:p>
-            <a:endParaRPr lang="fr-FR" dirty="0"/>
-          </a:p>
-        </p:txBody>
-      </p:sp>
-    </p:spTree>
-    <p:extLst>
-      <p:ext uri="{BB962C8B-B14F-4D97-AF65-F5344CB8AC3E}">
-        <p14:creationId xmlns:p14="http://schemas.microsoft.com/office/powerpoint/2010/main" val="4048996164"/>
-      </p:ext>
-    </p:extLst>
-  </p:cSld>
-  <p:clrMapOvr>
-    <a:masterClrMapping/>
-  </p:clrMapOvr>
-</p:sld>
-</file>
-
-<file path=ppt/slides/slide2.xml><?xml version="1.0" encoding="utf-8"?>
-<p:sld xmlns:a="http://schemas.openxmlformats.org/drawingml/2006/main" xmlns:r="http://schemas.openxmlformats.org/officeDocument/2006/relationships" xmlns:p="http://schemas.openxmlformats.org/presentationml/2006/main">
-  <p:cSld>
-    <p:bg>
-      <p:bgPr>
-        <a:solidFill>
-          <a:srgbClr val="EEEEEE"/>
-        </a:solidFill>
-        <a:effectLst/>
-      </p:bgPr>
-    </p:bg>
-    <p:spTree>
-      <p:nvGrpSpPr>
-        <p:cNvPr id="1" name=""/>
-        <p:cNvGrpSpPr/>
-        <p:nvPr/>
-      </p:nvGrpSpPr>
-      <p:grpSpPr>
-        <a:xfrm>
-          <a:off x="0" y="0"/>
-          <a:ext cx="0" cy="0"/>
-          <a:chOff x="0" y="0"/>
-          <a:chExt cx="0" cy="0"/>
-        </a:xfrm>
-      </p:grpSpPr>
-      <p:pic>
-        <p:nvPicPr>
-          <p:cNvPr id="2054" name="Picture 6" descr="Baby Cat Free PNG Image">
-            <a:extLst>
-              <a:ext uri="{FF2B5EF4-FFF2-40B4-BE49-F238E27FC236}">
-                <a16:creationId xmlns:a16="http://schemas.microsoft.com/office/drawing/2014/main" id="{8F6E25D7-E6A2-4728-95F5-5244E45D065B}"/>
-              </a:ext>
-            </a:extLst>
-          </p:cNvPr>
-          <p:cNvPicPr>
-            <a:picLocks noChangeAspect="1" noChangeArrowheads="1"/>
-          </p:cNvPicPr>
-          <p:nvPr/>
-        </p:nvPicPr>
-        <p:blipFill>
-          <a:blip r:embed="rId2">
-            <a:extLst>
-              <a:ext uri="{28A0092B-C50C-407E-A947-70E740481C1C}">
-                <a14:useLocalDpi xmlns:a14="http://schemas.microsoft.com/office/drawing/2010/main" val="0"/>
-              </a:ext>
-            </a:extLst>
-          </a:blip>
-          <a:srcRect/>
-          <a:stretch>
-            <a:fillRect/>
-          </a:stretch>
-        </p:blipFill>
-        <p:spPr bwMode="auto">
-          <a:xfrm>
-            <a:off x="0" y="57420"/>
-            <a:ext cx="5545137" cy="6858000"/>
-          </a:xfrm>
-          <a:prstGeom prst="rect">
-            <a:avLst/>
-          </a:prstGeom>
-          <a:noFill/>
-          <a:extLst>
-            <a:ext uri="{909E8E84-426E-40DD-AFC4-6F175D3DCCD1}">
-              <a14:hiddenFill xmlns:a14="http://schemas.microsoft.com/office/drawing/2010/main">
-                <a:solidFill>
-                  <a:srgbClr val="FFFFFF"/>
-                </a:solidFill>
-              </a14:hiddenFill>
-            </a:ext>
-          </a:extLst>
-        </p:spPr>
-      </p:pic>
-      <p:sp>
-        <p:nvSpPr>
-          <p:cNvPr id="2" name="Titre 1">
-            <a:extLst>
-              <a:ext uri="{FF2B5EF4-FFF2-40B4-BE49-F238E27FC236}">
-                <a16:creationId xmlns:a16="http://schemas.microsoft.com/office/drawing/2014/main" id="{DC8C58AC-C03E-42CF-9389-0267E62615A9}"/>
-              </a:ext>
-            </a:extLst>
-          </p:cNvPr>
-          <p:cNvSpPr>
-            <a:spLocks noGrp="1"/>
-          </p:cNvSpPr>
-          <p:nvPr>
-            <p:ph type="ctrTitle"/>
-          </p:nvPr>
-        </p:nvSpPr>
-        <p:spPr>
-          <a:xfrm>
-            <a:off x="3722001" y="305618"/>
-            <a:ext cx="7940429" cy="2387600"/>
-          </a:xfrm>
-          <a:ln>
-            <a:noFill/>
-          </a:ln>
-        </p:spPr>
-        <p:txBody>
-          <a:bodyPr>
-            <a:normAutofit/>
-          </a:bodyPr>
-          <a:lstStyle/>
-          <a:p>
-            <a:pPr algn="l"/>
-            <a:r>
-              <a:rPr lang="en-GB" sz="7200" dirty="0">
-                <a:ln w="19050">
-                  <a:solidFill>
-                    <a:schemeClr val="bg1">
-                      <a:alpha val="95000"/>
-                    </a:schemeClr>
-                  </a:solidFill>
-                </a:ln>
-                <a:solidFill>
-                  <a:srgbClr val="0000A1"/>
-                </a:solidFill>
-                <a:latin typeface="Aharoni" panose="02010803020104030203" pitchFamily="2" charset="-79"/>
-                <a:cs typeface="Aharoni" panose="02010803020104030203" pitchFamily="2" charset="-79"/>
-              </a:rPr>
-              <a:t>Cats acoustic data Project</a:t>
-            </a:r>
-          </a:p>
-        </p:txBody>
-      </p:sp>
-      <p:sp>
-        <p:nvSpPr>
-          <p:cNvPr id="3" name="Sous-titre 2">
-            <a:extLst>
-              <a:ext uri="{FF2B5EF4-FFF2-40B4-BE49-F238E27FC236}">
-                <a16:creationId xmlns:a16="http://schemas.microsoft.com/office/drawing/2014/main" id="{181BC457-8950-4EB8-AC30-F82B7E8D27AA}"/>
-              </a:ext>
-            </a:extLst>
-          </p:cNvPr>
-          <p:cNvSpPr>
-            <a:spLocks noGrp="1"/>
-          </p:cNvSpPr>
-          <p:nvPr>
-            <p:ph type="subTitle" idx="1"/>
-          </p:nvPr>
-        </p:nvSpPr>
-        <p:spPr>
-          <a:xfrm>
-            <a:off x="3647060" y="2710585"/>
-            <a:ext cx="9144000" cy="775835"/>
-          </a:xfrm>
-        </p:spPr>
-        <p:txBody>
-          <a:bodyPr/>
-          <a:lstStyle/>
-          <a:p>
-            <a:pPr algn="l">
-              <a:spcBef>
-                <a:spcPts val="0"/>
-              </a:spcBef>
-            </a:pPr>
-            <a:r>
-              <a:rPr lang="fr-FR" dirty="0">
-                <a:solidFill>
-                  <a:schemeClr val="tx1">
-                    <a:lumMod val="65000"/>
-                    <a:lumOff val="35000"/>
-                  </a:schemeClr>
-                </a:solidFill>
-              </a:rPr>
-              <a:t>Bony Audrey</a:t>
-            </a:r>
-          </a:p>
-          <a:p>
-            <a:pPr algn="l">
-              <a:spcBef>
-                <a:spcPts val="0"/>
-              </a:spcBef>
-            </a:pPr>
-            <a:r>
-              <a:rPr lang="fr-FR" dirty="0" err="1">
-                <a:solidFill>
-                  <a:schemeClr val="tx1">
-                    <a:lumMod val="65000"/>
-                    <a:lumOff val="35000"/>
-                  </a:schemeClr>
-                </a:solidFill>
-              </a:rPr>
-              <a:t>Lagroy</a:t>
-            </a:r>
-            <a:r>
-              <a:rPr lang="fr-FR" dirty="0">
-                <a:solidFill>
-                  <a:schemeClr val="tx1">
-                    <a:lumMod val="65000"/>
-                    <a:lumOff val="35000"/>
-                  </a:schemeClr>
-                </a:solidFill>
-              </a:rPr>
-              <a:t> de </a:t>
-            </a:r>
-            <a:r>
-              <a:rPr lang="fr-FR" dirty="0" err="1">
-                <a:solidFill>
-                  <a:schemeClr val="tx1">
-                    <a:lumMod val="65000"/>
-                    <a:lumOff val="35000"/>
-                  </a:schemeClr>
-                </a:solidFill>
-              </a:rPr>
-              <a:t>Croutte</a:t>
-            </a:r>
-            <a:r>
-              <a:rPr lang="fr-FR" dirty="0">
-                <a:solidFill>
-                  <a:schemeClr val="tx1">
-                    <a:lumMod val="65000"/>
-                    <a:lumOff val="35000"/>
-                  </a:schemeClr>
-                </a:solidFill>
-              </a:rPr>
-              <a:t> de Saint Martin Anne-Victoire</a:t>
-            </a:r>
-          </a:p>
-        </p:txBody>
-      </p:sp>
-      <p:pic>
-        <p:nvPicPr>
-          <p:cNvPr id="8" name="Picture 6">
-            <a:extLst>
-              <a:ext uri="{FF2B5EF4-FFF2-40B4-BE49-F238E27FC236}">
-                <a16:creationId xmlns:a16="http://schemas.microsoft.com/office/drawing/2014/main" id="{60929C85-3824-4CE9-BBC5-6D46ACF2DB40}"/>
-              </a:ext>
-            </a:extLst>
-          </p:cNvPr>
-          <p:cNvPicPr>
-            <a:picLocks noChangeAspect="1" noChangeArrowheads="1"/>
-          </p:cNvPicPr>
-          <p:nvPr/>
-        </p:nvPicPr>
-        <p:blipFill>
-          <a:blip r:embed="rId3">
-            <a:extLst>
-              <a:ext uri="{28A0092B-C50C-407E-A947-70E740481C1C}">
-                <a14:useLocalDpi xmlns:a14="http://schemas.microsoft.com/office/drawing/2010/main" val="0"/>
-              </a:ext>
-            </a:extLst>
-          </a:blip>
-          <a:srcRect/>
-          <a:stretch>
-            <a:fillRect/>
-          </a:stretch>
-        </p:blipFill>
-        <p:spPr bwMode="auto">
-          <a:xfrm>
-            <a:off x="7679404" y="6134120"/>
-            <a:ext cx="2408691" cy="581966"/>
-          </a:xfrm>
-          <a:prstGeom prst="rect">
-            <a:avLst/>
-          </a:prstGeom>
-          <a:noFill/>
-          <a:extLst>
-            <a:ext uri="{909E8E84-426E-40DD-AFC4-6F175D3DCCD1}">
-              <a14:hiddenFill xmlns:a14="http://schemas.microsoft.com/office/drawing/2010/main">
-                <a:solidFill>
-                  <a:srgbClr val="FFFFFF"/>
-                </a:solidFill>
-              </a14:hiddenFill>
-            </a:ext>
-          </a:extLst>
-        </p:spPr>
-      </p:pic>
-      <p:pic>
-        <p:nvPicPr>
-          <p:cNvPr id="9" name="Picture 4" descr="MARS Logo - PNG and Vector - Logo Download">
-            <a:extLst>
-              <a:ext uri="{FF2B5EF4-FFF2-40B4-BE49-F238E27FC236}">
-                <a16:creationId xmlns:a16="http://schemas.microsoft.com/office/drawing/2014/main" id="{E4C1C337-716D-4897-9018-9FE8C25BF539}"/>
-              </a:ext>
-            </a:extLst>
-          </p:cNvPr>
-          <p:cNvPicPr>
-            <a:picLocks noChangeAspect="1" noChangeArrowheads="1"/>
-          </p:cNvPicPr>
-          <p:nvPr/>
-        </p:nvPicPr>
-        <p:blipFill>
-          <a:blip r:embed="rId4">
-            <a:extLst>
-              <a:ext uri="{28A0092B-C50C-407E-A947-70E740481C1C}">
-                <a14:useLocalDpi xmlns:a14="http://schemas.microsoft.com/office/drawing/2010/main" val="0"/>
-              </a:ext>
-            </a:extLst>
-          </a:blip>
-          <a:srcRect/>
-          <a:stretch>
-            <a:fillRect/>
-          </a:stretch>
-        </p:blipFill>
-        <p:spPr bwMode="auto">
-          <a:xfrm>
-            <a:off x="10088095" y="6139585"/>
-            <a:ext cx="1990725" cy="571037"/>
-          </a:xfrm>
-          <a:prstGeom prst="rect">
-            <a:avLst/>
-          </a:prstGeom>
-          <a:noFill/>
-          <a:extLst>
-            <a:ext uri="{909E8E84-426E-40DD-AFC4-6F175D3DCCD1}">
-              <a14:hiddenFill xmlns:a14="http://schemas.microsoft.com/office/drawing/2010/main">
-                <a:solidFill>
-                  <a:srgbClr val="FFFFFF"/>
-                </a:solidFill>
-              </a14:hiddenFill>
-            </a:ext>
-          </a:extLst>
-        </p:spPr>
-      </p:pic>
-      <p:sp>
-        <p:nvSpPr>
-          <p:cNvPr id="11" name="ZoneTexte 10">
-            <a:extLst>
-              <a:ext uri="{FF2B5EF4-FFF2-40B4-BE49-F238E27FC236}">
-                <a16:creationId xmlns:a16="http://schemas.microsoft.com/office/drawing/2014/main" id="{CEA6CC3E-09AB-4F72-B9A5-C992F715D8B4}"/>
-              </a:ext>
-            </a:extLst>
-          </p:cNvPr>
-          <p:cNvSpPr txBox="1"/>
-          <p:nvPr/>
-        </p:nvSpPr>
-        <p:spPr>
-          <a:xfrm>
-            <a:off x="5746525" y="4243950"/>
-            <a:ext cx="3891379" cy="400110"/>
-          </a:xfrm>
-          <a:prstGeom prst="rect">
-            <a:avLst/>
-          </a:prstGeom>
-          <a:noFill/>
-        </p:spPr>
-        <p:txBody>
-          <a:bodyPr wrap="square" rtlCol="0">
-            <a:spAutoFit/>
-          </a:bodyPr>
-          <a:lstStyle/>
-          <a:p>
-            <a:pPr algn="ctr"/>
-            <a:r>
-              <a:rPr lang="fr-FR" sz="2000" b="1" dirty="0" err="1">
-                <a:solidFill>
-                  <a:srgbClr val="000074"/>
-                </a:solidFill>
-              </a:rPr>
-              <a:t>February</a:t>
-            </a:r>
-            <a:r>
-              <a:rPr lang="fr-FR" sz="2000" b="1" dirty="0">
-                <a:solidFill>
-                  <a:srgbClr val="000074"/>
-                </a:solidFill>
-              </a:rPr>
-              <a:t> 4th, 2021</a:t>
-            </a:r>
-          </a:p>
-        </p:txBody>
-      </p:sp>
-      <p:sp>
-        <p:nvSpPr>
-          <p:cNvPr id="12" name="ZoneTexte 11">
-            <a:extLst>
-              <a:ext uri="{FF2B5EF4-FFF2-40B4-BE49-F238E27FC236}">
-                <a16:creationId xmlns:a16="http://schemas.microsoft.com/office/drawing/2014/main" id="{F78D8D85-53A8-4A5A-A520-D362C9397012}"/>
-              </a:ext>
-            </a:extLst>
-          </p:cNvPr>
-          <p:cNvSpPr txBox="1"/>
-          <p:nvPr/>
-        </p:nvSpPr>
-        <p:spPr>
-          <a:xfrm>
-            <a:off x="3985972" y="6286456"/>
-            <a:ext cx="3830643" cy="646331"/>
-          </a:xfrm>
-          <a:prstGeom prst="rect">
-            <a:avLst/>
-          </a:prstGeom>
-          <a:noFill/>
-        </p:spPr>
-        <p:txBody>
-          <a:bodyPr wrap="square" rtlCol="0">
-            <a:spAutoFit/>
-          </a:bodyPr>
-          <a:lstStyle/>
-          <a:p>
-            <a:r>
-              <a:rPr lang="fr-FR" b="1" dirty="0" err="1">
-                <a:solidFill>
-                  <a:schemeClr val="tx1">
-                    <a:lumMod val="65000"/>
-                    <a:lumOff val="35000"/>
-                  </a:schemeClr>
-                </a:solidFill>
-              </a:rPr>
-              <a:t>Supervisors</a:t>
-            </a:r>
-            <a:r>
-              <a:rPr lang="fr-FR" b="1" dirty="0">
-                <a:solidFill>
-                  <a:schemeClr val="tx1">
-                    <a:lumMod val="65000"/>
-                    <a:lumOff val="35000"/>
-                  </a:schemeClr>
-                </a:solidFill>
-              </a:rPr>
-              <a:t> : </a:t>
-            </a:r>
-            <a:r>
-              <a:rPr lang="fr-FR" dirty="0">
-                <a:solidFill>
-                  <a:schemeClr val="tx1">
-                    <a:lumMod val="65000"/>
-                    <a:lumOff val="35000"/>
-                  </a:schemeClr>
-                </a:solidFill>
-              </a:rPr>
-              <a:t>Amandine </a:t>
-            </a:r>
-            <a:r>
-              <a:rPr lang="fr-FR" dirty="0" err="1">
-                <a:solidFill>
-                  <a:schemeClr val="tx1">
-                    <a:lumMod val="65000"/>
-                    <a:lumOff val="35000"/>
-                  </a:schemeClr>
-                </a:solidFill>
-              </a:rPr>
-              <a:t>Shmutz</a:t>
-            </a:r>
-            <a:r>
-              <a:rPr lang="fr-FR" dirty="0">
-                <a:solidFill>
-                  <a:schemeClr val="tx1">
-                    <a:lumMod val="65000"/>
-                    <a:lumOff val="35000"/>
-                  </a:schemeClr>
-                </a:solidFill>
-              </a:rPr>
-              <a:t> (Mars) </a:t>
-            </a:r>
-          </a:p>
-          <a:p>
-            <a:r>
-              <a:rPr lang="fr-FR" dirty="0">
-                <a:solidFill>
-                  <a:schemeClr val="tx1">
-                    <a:lumMod val="65000"/>
-                    <a:lumOff val="35000"/>
-                  </a:schemeClr>
-                </a:solidFill>
-              </a:rPr>
-              <a:t>François Husson (</a:t>
-            </a:r>
-            <a:r>
-              <a:rPr lang="fr-FR" dirty="0" err="1">
-                <a:solidFill>
-                  <a:schemeClr val="tx1">
-                    <a:lumMod val="65000"/>
-                    <a:lumOff val="35000"/>
-                  </a:schemeClr>
-                </a:solidFill>
-              </a:rPr>
-              <a:t>Agrocampus</a:t>
-            </a:r>
-            <a:r>
-              <a:rPr lang="fr-FR" dirty="0">
-                <a:solidFill>
-                  <a:schemeClr val="tx1">
-                    <a:lumMod val="65000"/>
-                    <a:lumOff val="35000"/>
-                  </a:schemeClr>
-                </a:solidFill>
-              </a:rPr>
-              <a:t> Ouest)</a:t>
-            </a:r>
-          </a:p>
-        </p:txBody>
-      </p:sp>
-    </p:spTree>
-    <p:extLst>
-      <p:ext uri="{BB962C8B-B14F-4D97-AF65-F5344CB8AC3E}">
-        <p14:creationId xmlns:p14="http://schemas.microsoft.com/office/powerpoint/2010/main" val="420260622"/>
-      </p:ext>
-    </p:extLst>
-  </p:cSld>
-  <p:clrMapOvr>
-    <a:masterClrMapping/>
-  </p:clrMapOvr>
-</p:sld>
-</file>
-
-<file path=ppt/slides/slide3.xml><?xml version="1.0" encoding="utf-8"?>
-<p:sld xmlns:a="http://schemas.openxmlformats.org/drawingml/2006/main" xmlns:r="http://schemas.openxmlformats.org/officeDocument/2006/relationships" xmlns:p="http://schemas.openxmlformats.org/presentationml/2006/main">
-  <p:cSld>
-    <p:bg>
-      <p:bgPr>
-        <a:solidFill>
-          <a:srgbClr val="EEEEEE"/>
-        </a:solidFill>
-        <a:effectLst/>
-      </p:bgPr>
-    </p:bg>
-    <p:spTree>
-      <p:nvGrpSpPr>
-        <p:cNvPr id="1" name=""/>
-        <p:cNvGrpSpPr/>
-        <p:nvPr/>
-      </p:nvGrpSpPr>
-      <p:grpSpPr>
-        <a:xfrm>
-          <a:off x="0" y="0"/>
-          <a:ext cx="0" cy="0"/>
-          <a:chOff x="0" y="0"/>
-          <a:chExt cx="0" cy="0"/>
-        </a:xfrm>
-      </p:grpSpPr>
-      <p:pic>
-        <p:nvPicPr>
-          <p:cNvPr id="2054" name="Picture 6" descr="Baby Cat Free PNG Image">
-            <a:extLst>
-              <a:ext uri="{FF2B5EF4-FFF2-40B4-BE49-F238E27FC236}">
-                <a16:creationId xmlns:a16="http://schemas.microsoft.com/office/drawing/2014/main" id="{8F6E25D7-E6A2-4728-95F5-5244E45D065B}"/>
-              </a:ext>
-            </a:extLst>
-          </p:cNvPr>
-          <p:cNvPicPr>
-            <a:picLocks noChangeAspect="1" noChangeArrowheads="1"/>
-          </p:cNvPicPr>
-          <p:nvPr/>
-        </p:nvPicPr>
         <p:blipFill rotWithShape="1">
           <a:blip r:embed="rId2">
             <a:extLst>
@@ -5363,6 +4259,192 @@
 </p:sld>
 </file>
 
+<file path=ppt/slides/slide2.xml><?xml version="1.0" encoding="utf-8"?>
+<p:sld xmlns:a="http://schemas.openxmlformats.org/drawingml/2006/main" xmlns:r="http://schemas.openxmlformats.org/officeDocument/2006/relationships" xmlns:p="http://schemas.openxmlformats.org/presentationml/2006/main">
+  <p:cSld>
+    <p:spTree>
+      <p:nvGrpSpPr>
+        <p:cNvPr id="1" name=""/>
+        <p:cNvGrpSpPr/>
+        <p:nvPr/>
+      </p:nvGrpSpPr>
+      <p:grpSpPr>
+        <a:xfrm>
+          <a:off x="0" y="0"/>
+          <a:ext cx="0" cy="0"/>
+          <a:chOff x="0" y="0"/>
+          <a:chExt cx="0" cy="0"/>
+        </a:xfrm>
+      </p:grpSpPr>
+      <p:sp>
+        <p:nvSpPr>
+          <p:cNvPr id="2" name="Titre 1">
+            <a:extLst>
+              <a:ext uri="{FF2B5EF4-FFF2-40B4-BE49-F238E27FC236}">
+                <a16:creationId xmlns:a16="http://schemas.microsoft.com/office/drawing/2014/main" id="{2F801A79-01AC-420E-BF7B-81486485DF2D}"/>
+              </a:ext>
+            </a:extLst>
+          </p:cNvPr>
+          <p:cNvSpPr>
+            <a:spLocks noGrp="1"/>
+          </p:cNvSpPr>
+          <p:nvPr>
+            <p:ph type="title"/>
+          </p:nvPr>
+        </p:nvSpPr>
+        <p:spPr>
+          <a:xfrm>
+            <a:off x="0" y="0"/>
+            <a:ext cx="10515600" cy="1325563"/>
+          </a:xfrm>
+        </p:spPr>
+        <p:txBody>
+          <a:bodyPr anchor="t"/>
+          <a:lstStyle/>
+          <a:p>
+            <a:r>
+              <a:rPr lang="en-GB" dirty="0">
+                <a:solidFill>
+                  <a:srgbClr val="0000A1"/>
+                </a:solidFill>
+                <a:latin typeface="Abadi" panose="020B0604020104020204" pitchFamily="34" charset="0"/>
+              </a:rPr>
+              <a:t>I- Data – Presentation</a:t>
+            </a:r>
+          </a:p>
+        </p:txBody>
+      </p:sp>
+      <p:sp>
+        <p:nvSpPr>
+          <p:cNvPr id="3" name="Espace réservé du contenu 2">
+            <a:extLst>
+              <a:ext uri="{FF2B5EF4-FFF2-40B4-BE49-F238E27FC236}">
+                <a16:creationId xmlns:a16="http://schemas.microsoft.com/office/drawing/2014/main" id="{BBB97862-E0AD-4C75-9C1D-90CFF8A85DC3}"/>
+              </a:ext>
+            </a:extLst>
+          </p:cNvPr>
+          <p:cNvSpPr>
+            <a:spLocks noGrp="1"/>
+          </p:cNvSpPr>
+          <p:nvPr>
+            <p:ph idx="1"/>
+          </p:nvPr>
+        </p:nvSpPr>
+        <p:spPr/>
+        <p:txBody>
+          <a:bodyPr/>
+          <a:lstStyle/>
+          <a:p>
+            <a:endParaRPr lang="fr-FR"/>
+          </a:p>
+        </p:txBody>
+      </p:sp>
+    </p:spTree>
+    <p:extLst>
+      <p:ext uri="{BB962C8B-B14F-4D97-AF65-F5344CB8AC3E}">
+        <p14:creationId xmlns:p14="http://schemas.microsoft.com/office/powerpoint/2010/main" val="4104057003"/>
+      </p:ext>
+    </p:extLst>
+  </p:cSld>
+  <p:clrMapOvr>
+    <a:masterClrMapping/>
+  </p:clrMapOvr>
+</p:sld>
+</file>
+
+<file path=ppt/slides/slide3.xml><?xml version="1.0" encoding="utf-8"?>
+<p:sld xmlns:a="http://schemas.openxmlformats.org/drawingml/2006/main" xmlns:r="http://schemas.openxmlformats.org/officeDocument/2006/relationships" xmlns:p="http://schemas.openxmlformats.org/presentationml/2006/main">
+  <p:cSld>
+    <p:spTree>
+      <p:nvGrpSpPr>
+        <p:cNvPr id="1" name=""/>
+        <p:cNvGrpSpPr/>
+        <p:nvPr/>
+      </p:nvGrpSpPr>
+      <p:grpSpPr>
+        <a:xfrm>
+          <a:off x="0" y="0"/>
+          <a:ext cx="0" cy="0"/>
+          <a:chOff x="0" y="0"/>
+          <a:chExt cx="0" cy="0"/>
+        </a:xfrm>
+      </p:grpSpPr>
+      <p:sp>
+        <p:nvSpPr>
+          <p:cNvPr id="2" name="Titre 1">
+            <a:extLst>
+              <a:ext uri="{FF2B5EF4-FFF2-40B4-BE49-F238E27FC236}">
+                <a16:creationId xmlns:a16="http://schemas.microsoft.com/office/drawing/2014/main" id="{2F801A79-01AC-420E-BF7B-81486485DF2D}"/>
+              </a:ext>
+            </a:extLst>
+          </p:cNvPr>
+          <p:cNvSpPr>
+            <a:spLocks noGrp="1"/>
+          </p:cNvSpPr>
+          <p:nvPr>
+            <p:ph type="title"/>
+          </p:nvPr>
+        </p:nvSpPr>
+        <p:spPr>
+          <a:xfrm>
+            <a:off x="0" y="0"/>
+            <a:ext cx="10515600" cy="1325563"/>
+          </a:xfrm>
+        </p:spPr>
+        <p:txBody>
+          <a:bodyPr anchor="t"/>
+          <a:lstStyle/>
+          <a:p>
+            <a:r>
+              <a:rPr lang="en-GB" dirty="0">
+                <a:solidFill>
+                  <a:srgbClr val="0000A1"/>
+                </a:solidFill>
+                <a:latin typeface="Abadi" panose="020B0604020104020204" pitchFamily="34" charset="0"/>
+              </a:rPr>
+              <a:t>I- Data – Visualisation</a:t>
+            </a:r>
+          </a:p>
+        </p:txBody>
+      </p:sp>
+      <p:sp>
+        <p:nvSpPr>
+          <p:cNvPr id="3" name="Espace réservé du contenu 2">
+            <a:extLst>
+              <a:ext uri="{FF2B5EF4-FFF2-40B4-BE49-F238E27FC236}">
+                <a16:creationId xmlns:a16="http://schemas.microsoft.com/office/drawing/2014/main" id="{BBB97862-E0AD-4C75-9C1D-90CFF8A85DC3}"/>
+              </a:ext>
+            </a:extLst>
+          </p:cNvPr>
+          <p:cNvSpPr>
+            <a:spLocks noGrp="1"/>
+          </p:cNvSpPr>
+          <p:nvPr>
+            <p:ph idx="1"/>
+          </p:nvPr>
+        </p:nvSpPr>
+        <p:spPr/>
+        <p:txBody>
+          <a:bodyPr/>
+          <a:lstStyle/>
+          <a:p>
+            <a:endParaRPr lang="fr-FR"/>
+          </a:p>
+        </p:txBody>
+      </p:sp>
+    </p:spTree>
+    <p:extLst>
+      <p:ext uri="{BB962C8B-B14F-4D97-AF65-F5344CB8AC3E}">
+        <p14:creationId xmlns:p14="http://schemas.microsoft.com/office/powerpoint/2010/main" val="1487981714"/>
+      </p:ext>
+    </p:extLst>
+  </p:cSld>
+  <p:clrMapOvr>
+    <a:masterClrMapping/>
+  </p:clrMapOvr>
+</p:sld>
+</file>
+
 <file path=ppt/slides/slide4.xml><?xml version="1.0" encoding="utf-8"?>
 <p:sld xmlns:a="http://schemas.openxmlformats.org/drawingml/2006/main" xmlns:r="http://schemas.openxmlformats.org/officeDocument/2006/relationships" xmlns:p="http://schemas.openxmlformats.org/presentationml/2006/main">
   <p:cSld>
@@ -5413,7 +4495,7 @@
                 </a:solidFill>
                 <a:latin typeface="Abadi" panose="020B0604020104020204" pitchFamily="34" charset="0"/>
               </a:rPr>
-              <a:t>I- Data – Presentation</a:t>
+              <a:t>I- Data – Listening recordings</a:t>
             </a:r>
           </a:p>
         </p:txBody>
@@ -5446,7 +4528,7 @@
     </p:spTree>
     <p:extLst>
       <p:ext uri="{BB962C8B-B14F-4D97-AF65-F5344CB8AC3E}">
-        <p14:creationId xmlns:p14="http://schemas.microsoft.com/office/powerpoint/2010/main" val="4104057003"/>
+        <p14:creationId xmlns:p14="http://schemas.microsoft.com/office/powerpoint/2010/main" val="2171954784"/>
       </p:ext>
     </p:extLst>
   </p:cSld>
@@ -5506,7 +4588,7 @@
                 </a:solidFill>
                 <a:latin typeface="Abadi" panose="020B0604020104020204" pitchFamily="34" charset="0"/>
               </a:rPr>
-              <a:t>I- Data – Visualisation</a:t>
+              <a:t>I- Data manipulation – Filtering frequencies</a:t>
             </a:r>
           </a:p>
         </p:txBody>
@@ -5532,14 +4614,14 @@
           <a:bodyPr/>
           <a:lstStyle/>
           <a:p>
-            <a:endParaRPr lang="fr-FR"/>
+            <a:endParaRPr lang="fr-FR" dirty="0"/>
           </a:p>
         </p:txBody>
       </p:sp>
     </p:spTree>
     <p:extLst>
       <p:ext uri="{BB962C8B-B14F-4D97-AF65-F5344CB8AC3E}">
-        <p14:creationId xmlns:p14="http://schemas.microsoft.com/office/powerpoint/2010/main" val="1487981714"/>
+        <p14:creationId xmlns:p14="http://schemas.microsoft.com/office/powerpoint/2010/main" val="2149315557"/>
       </p:ext>
     </p:extLst>
   </p:cSld>
@@ -5599,7 +4681,7 @@
                 </a:solidFill>
                 <a:latin typeface="Abadi" panose="020B0604020104020204" pitchFamily="34" charset="0"/>
               </a:rPr>
-              <a:t>I- Data – Listening recordings</a:t>
+              <a:t>I- Data manipulation – Filtering frequencies</a:t>
             </a:r>
           </a:p>
         </p:txBody>
@@ -5625,14 +4707,14 @@
           <a:bodyPr/>
           <a:lstStyle/>
           <a:p>
-            <a:endParaRPr lang="fr-FR"/>
+            <a:endParaRPr lang="fr-FR" dirty="0"/>
           </a:p>
         </p:txBody>
       </p:sp>
     </p:spTree>
     <p:extLst>
       <p:ext uri="{BB962C8B-B14F-4D97-AF65-F5344CB8AC3E}">
-        <p14:creationId xmlns:p14="http://schemas.microsoft.com/office/powerpoint/2010/main" val="2171954784"/>
+        <p14:creationId xmlns:p14="http://schemas.microsoft.com/office/powerpoint/2010/main" val="2544158827"/>
       </p:ext>
     </p:extLst>
   </p:cSld>
@@ -5678,11 +4760,11 @@
         <p:spPr>
           <a:xfrm>
             <a:off x="0" y="0"/>
-            <a:ext cx="10515600" cy="1325563"/>
+            <a:ext cx="12192000" cy="1325563"/>
           </a:xfrm>
         </p:spPr>
         <p:txBody>
-          <a:bodyPr/>
+          <a:bodyPr anchor="t"/>
           <a:lstStyle/>
           <a:p>
             <a:r>
@@ -5692,7 +4774,24 @@
                 </a:solidFill>
                 <a:latin typeface="Abadi" panose="020B0604020104020204" pitchFamily="34" charset="0"/>
               </a:rPr>
-              <a:t>I- Data manipulation – Filtering frequencies</a:t>
+              <a:t>II- Creation of a new data set</a:t>
+            </a:r>
+            <a:br>
+              <a:rPr lang="en-GB" dirty="0">
+                <a:solidFill>
+                  <a:srgbClr val="0000A1"/>
+                </a:solidFill>
+                <a:latin typeface="Abadi" panose="020B0604020104020204" pitchFamily="34" charset="0"/>
+              </a:rPr>
+            </a:br>
+            <a:r>
+              <a:rPr lang="en-GB" dirty="0">
+                <a:solidFill>
+                  <a:srgbClr val="0000A1"/>
+                </a:solidFill>
+                <a:latin typeface="Abadi" panose="020B0604020104020204" pitchFamily="34" charset="0"/>
+              </a:rPr>
+              <a:t>	a. Methodology</a:t>
             </a:r>
           </a:p>
         </p:txBody>
@@ -5725,7 +4824,7 @@
     </p:spTree>
     <p:extLst>
       <p:ext uri="{BB962C8B-B14F-4D97-AF65-F5344CB8AC3E}">
-        <p14:creationId xmlns:p14="http://schemas.microsoft.com/office/powerpoint/2010/main" val="2149315557"/>
+        <p14:creationId xmlns:p14="http://schemas.microsoft.com/office/powerpoint/2010/main" val="3084680117"/>
       </p:ext>
     </p:extLst>
   </p:cSld>
@@ -5771,99 +4870,6 @@
         <p:spPr>
           <a:xfrm>
             <a:off x="0" y="0"/>
-            <a:ext cx="10515600" cy="1325563"/>
-          </a:xfrm>
-        </p:spPr>
-        <p:txBody>
-          <a:bodyPr anchor="t"/>
-          <a:lstStyle/>
-          <a:p>
-            <a:r>
-              <a:rPr lang="en-GB" dirty="0">
-                <a:solidFill>
-                  <a:srgbClr val="0000A1"/>
-                </a:solidFill>
-                <a:latin typeface="Abadi" panose="020B0604020104020204" pitchFamily="34" charset="0"/>
-              </a:rPr>
-              <a:t>I- Data manipulation – Filtering frequencies</a:t>
-            </a:r>
-          </a:p>
-        </p:txBody>
-      </p:sp>
-      <p:sp>
-        <p:nvSpPr>
-          <p:cNvPr id="3" name="Espace réservé du contenu 2">
-            <a:extLst>
-              <a:ext uri="{FF2B5EF4-FFF2-40B4-BE49-F238E27FC236}">
-                <a16:creationId xmlns:a16="http://schemas.microsoft.com/office/drawing/2014/main" id="{BBB97862-E0AD-4C75-9C1D-90CFF8A85DC3}"/>
-              </a:ext>
-            </a:extLst>
-          </p:cNvPr>
-          <p:cNvSpPr>
-            <a:spLocks noGrp="1"/>
-          </p:cNvSpPr>
-          <p:nvPr>
-            <p:ph idx="1"/>
-          </p:nvPr>
-        </p:nvSpPr>
-        <p:spPr/>
-        <p:txBody>
-          <a:bodyPr/>
-          <a:lstStyle/>
-          <a:p>
-            <a:endParaRPr lang="fr-FR" dirty="0"/>
-          </a:p>
-        </p:txBody>
-      </p:sp>
-    </p:spTree>
-    <p:extLst>
-      <p:ext uri="{BB962C8B-B14F-4D97-AF65-F5344CB8AC3E}">
-        <p14:creationId xmlns:p14="http://schemas.microsoft.com/office/powerpoint/2010/main" val="2544158827"/>
-      </p:ext>
-    </p:extLst>
-  </p:cSld>
-  <p:clrMapOvr>
-    <a:masterClrMapping/>
-  </p:clrMapOvr>
-</p:sld>
-</file>
-
-<file path=ppt/slides/slide9.xml><?xml version="1.0" encoding="utf-8"?>
-<p:sld xmlns:a="http://schemas.openxmlformats.org/drawingml/2006/main" xmlns:r="http://schemas.openxmlformats.org/officeDocument/2006/relationships" xmlns:p="http://schemas.openxmlformats.org/presentationml/2006/main">
-  <p:cSld>
-    <p:spTree>
-      <p:nvGrpSpPr>
-        <p:cNvPr id="1" name=""/>
-        <p:cNvGrpSpPr/>
-        <p:nvPr/>
-      </p:nvGrpSpPr>
-      <p:grpSpPr>
-        <a:xfrm>
-          <a:off x="0" y="0"/>
-          <a:ext cx="0" cy="0"/>
-          <a:chOff x="0" y="0"/>
-          <a:chExt cx="0" cy="0"/>
-        </a:xfrm>
-      </p:grpSpPr>
-      <p:sp>
-        <p:nvSpPr>
-          <p:cNvPr id="2" name="Titre 1">
-            <a:extLst>
-              <a:ext uri="{FF2B5EF4-FFF2-40B4-BE49-F238E27FC236}">
-                <a16:creationId xmlns:a16="http://schemas.microsoft.com/office/drawing/2014/main" id="{2F801A79-01AC-420E-BF7B-81486485DF2D}"/>
-              </a:ext>
-            </a:extLst>
-          </p:cNvPr>
-          <p:cNvSpPr>
-            <a:spLocks noGrp="1"/>
-          </p:cNvSpPr>
-          <p:nvPr>
-            <p:ph type="title"/>
-          </p:nvPr>
-        </p:nvSpPr>
-        <p:spPr>
-          <a:xfrm>
-            <a:off x="0" y="0"/>
             <a:ext cx="12192000" cy="1325563"/>
           </a:xfrm>
         </p:spPr>
@@ -5928,7 +4934,7 @@
     </p:spTree>
     <p:extLst>
       <p:ext uri="{BB962C8B-B14F-4D97-AF65-F5344CB8AC3E}">
-        <p14:creationId xmlns:p14="http://schemas.microsoft.com/office/powerpoint/2010/main" val="3084680117"/>
+        <p14:creationId xmlns:p14="http://schemas.microsoft.com/office/powerpoint/2010/main" val="4048996164"/>
       </p:ext>
     </p:extLst>
   </p:cSld>
